--- a/Presentation/main.pptx
+++ b/Presentation/main.pptx
@@ -5,20 +5,24 @@
     <p:sldMasterId id="2147483684" r:id="rId1"/>
   </p:sldMasterIdLst>
   <p:notesMasterIdLst>
-    <p:notesMasterId r:id="rId13"/>
+    <p:notesMasterId r:id="rId17"/>
   </p:notesMasterIdLst>
   <p:sldIdLst>
     <p:sldId id="256" r:id="rId2"/>
     <p:sldId id="257" r:id="rId3"/>
     <p:sldId id="258" r:id="rId4"/>
-    <p:sldId id="259" r:id="rId5"/>
-    <p:sldId id="264" r:id="rId6"/>
-    <p:sldId id="260" r:id="rId7"/>
-    <p:sldId id="261" r:id="rId8"/>
-    <p:sldId id="265" r:id="rId9"/>
-    <p:sldId id="266" r:id="rId10"/>
-    <p:sldId id="262" r:id="rId11"/>
-    <p:sldId id="263" r:id="rId12"/>
+    <p:sldId id="267" r:id="rId5"/>
+    <p:sldId id="268" r:id="rId6"/>
+    <p:sldId id="269" r:id="rId7"/>
+    <p:sldId id="270" r:id="rId8"/>
+    <p:sldId id="259" r:id="rId9"/>
+    <p:sldId id="264" r:id="rId10"/>
+    <p:sldId id="260" r:id="rId11"/>
+    <p:sldId id="261" r:id="rId12"/>
+    <p:sldId id="265" r:id="rId13"/>
+    <p:sldId id="266" r:id="rId14"/>
+    <p:sldId id="262" r:id="rId15"/>
+    <p:sldId id="263" r:id="rId16"/>
   </p:sldIdLst>
   <p:sldSz cx="9144000" cy="6858000" type="screen4x3"/>
   <p:notesSz cx="6858000" cy="9144000"/>
@@ -133,6 +137,10 @@
         <p14:section name="2.To-Be" id="{42E695CC-7DD2-4B72-8BC9-95DE7E98908C}">
           <p14:sldIdLst>
             <p14:sldId id="258"/>
+            <p14:sldId id="267"/>
+            <p14:sldId id="268"/>
+            <p14:sldId id="269"/>
+            <p14:sldId id="270"/>
           </p14:sldIdLst>
         </p14:section>
         <p14:section name="3.Use-Case" id="{911F250F-6301-4213-89C9-0DABF2186479}">
@@ -251,7 +259,7 @@
           <a:p>
             <a:fld id="{950CA9C2-E8F5-4BEF-9B9B-527CA143BDA9}" type="datetimeFigureOut">
               <a:rPr lang="ru-RU" smtClean="0"/>
-              <a:t>12.04.2012</a:t>
+              <a:t>15.04.2012</a:t>
             </a:fld>
             <a:endParaRPr lang="ru-RU"/>
           </a:p>
@@ -700,7 +708,7 @@
           <a:p>
             <a:fld id="{598EB3BC-0E1B-40DB-B991-A02E2FD922E9}" type="datetimeFigureOut">
               <a:rPr lang="ru-RU" smtClean="0"/>
-              <a:t>12.04.2012</a:t>
+              <a:t>15.04.2012</a:t>
             </a:fld>
             <a:endParaRPr lang="ru-RU"/>
           </a:p>
@@ -870,7 +878,7 @@
           <a:p>
             <a:fld id="{598EB3BC-0E1B-40DB-B991-A02E2FD922E9}" type="datetimeFigureOut">
               <a:rPr lang="ru-RU" smtClean="0"/>
-              <a:t>12.04.2012</a:t>
+              <a:t>15.04.2012</a:t>
             </a:fld>
             <a:endParaRPr lang="ru-RU"/>
           </a:p>
@@ -1050,7 +1058,7 @@
           <a:p>
             <a:fld id="{598EB3BC-0E1B-40DB-B991-A02E2FD922E9}" type="datetimeFigureOut">
               <a:rPr lang="ru-RU" smtClean="0"/>
-              <a:t>12.04.2012</a:t>
+              <a:t>15.04.2012</a:t>
             </a:fld>
             <a:endParaRPr lang="ru-RU"/>
           </a:p>
@@ -1220,7 +1228,7 @@
           <a:p>
             <a:fld id="{598EB3BC-0E1B-40DB-B991-A02E2FD922E9}" type="datetimeFigureOut">
               <a:rPr lang="ru-RU" smtClean="0"/>
-              <a:t>12.04.2012</a:t>
+              <a:t>15.04.2012</a:t>
             </a:fld>
             <a:endParaRPr lang="ru-RU"/>
           </a:p>
@@ -1466,7 +1474,7 @@
           <a:p>
             <a:fld id="{598EB3BC-0E1B-40DB-B991-A02E2FD922E9}" type="datetimeFigureOut">
               <a:rPr lang="ru-RU" smtClean="0"/>
-              <a:t>12.04.2012</a:t>
+              <a:t>15.04.2012</a:t>
             </a:fld>
             <a:endParaRPr lang="ru-RU"/>
           </a:p>
@@ -1754,7 +1762,7 @@
           <a:p>
             <a:fld id="{598EB3BC-0E1B-40DB-B991-A02E2FD922E9}" type="datetimeFigureOut">
               <a:rPr lang="ru-RU" smtClean="0"/>
-              <a:t>12.04.2012</a:t>
+              <a:t>15.04.2012</a:t>
             </a:fld>
             <a:endParaRPr lang="ru-RU"/>
           </a:p>
@@ -2176,7 +2184,7 @@
           <a:p>
             <a:fld id="{598EB3BC-0E1B-40DB-B991-A02E2FD922E9}" type="datetimeFigureOut">
               <a:rPr lang="ru-RU" smtClean="0"/>
-              <a:t>12.04.2012</a:t>
+              <a:t>15.04.2012</a:t>
             </a:fld>
             <a:endParaRPr lang="ru-RU"/>
           </a:p>
@@ -2294,7 +2302,7 @@
           <a:p>
             <a:fld id="{598EB3BC-0E1B-40DB-B991-A02E2FD922E9}" type="datetimeFigureOut">
               <a:rPr lang="ru-RU" smtClean="0"/>
-              <a:t>12.04.2012</a:t>
+              <a:t>15.04.2012</a:t>
             </a:fld>
             <a:endParaRPr lang="ru-RU"/>
           </a:p>
@@ -2389,7 +2397,7 @@
           <a:p>
             <a:fld id="{598EB3BC-0E1B-40DB-B991-A02E2FD922E9}" type="datetimeFigureOut">
               <a:rPr lang="ru-RU" smtClean="0"/>
-              <a:t>12.04.2012</a:t>
+              <a:t>15.04.2012</a:t>
             </a:fld>
             <a:endParaRPr lang="ru-RU"/>
           </a:p>
@@ -2666,7 +2674,7 @@
           <a:p>
             <a:fld id="{598EB3BC-0E1B-40DB-B991-A02E2FD922E9}" type="datetimeFigureOut">
               <a:rPr lang="ru-RU" smtClean="0"/>
-              <a:t>12.04.2012</a:t>
+              <a:t>15.04.2012</a:t>
             </a:fld>
             <a:endParaRPr lang="ru-RU"/>
           </a:p>
@@ -2919,7 +2927,7 @@
           <a:p>
             <a:fld id="{598EB3BC-0E1B-40DB-B991-A02E2FD922E9}" type="datetimeFigureOut">
               <a:rPr lang="ru-RU" smtClean="0"/>
-              <a:t>12.04.2012</a:t>
+              <a:t>15.04.2012</a:t>
             </a:fld>
             <a:endParaRPr lang="ru-RU"/>
           </a:p>
@@ -3132,7 +3140,7 @@
           <a:p>
             <a:fld id="{598EB3BC-0E1B-40DB-B991-A02E2FD922E9}" type="datetimeFigureOut">
               <a:rPr lang="ru-RU" smtClean="0"/>
-              <a:t>12.04.2012</a:t>
+              <a:t>15.04.2012</a:t>
             </a:fld>
             <a:endParaRPr lang="ru-RU"/>
           </a:p>
@@ -3522,7 +3530,7 @@
           <a:bodyPr/>
           <a:lstStyle/>
           <a:p>
-            <a:endParaRPr lang="ru-RU"/>
+            <a:endParaRPr lang="ru-RU" dirty="0"/>
           </a:p>
         </p:txBody>
       </p:sp>
@@ -3575,16 +3583,160 @@
           <a:chExt cx="0" cy="0"/>
         </a:xfrm>
       </p:grpSpPr>
+      <p:sp>
+        <p:nvSpPr>
+          <p:cNvPr id="2" name="Заголовок 1"/>
+          <p:cNvSpPr>
+            <a:spLocks noGrp="1"/>
+          </p:cNvSpPr>
+          <p:nvPr>
+            <p:ph type="title"/>
+          </p:nvPr>
+        </p:nvSpPr>
+        <p:spPr/>
+        <p:txBody>
+          <a:bodyPr/>
+          <a:lstStyle/>
+          <a:p>
+            <a:r>
+              <a:rPr lang="ru-RU" dirty="0" smtClean="0"/>
+              <a:t>Стандарты</a:t>
+            </a:r>
+            <a:endParaRPr lang="ru-RU" dirty="0"/>
+          </a:p>
+        </p:txBody>
+      </p:sp>
+      <p:sp>
+        <p:nvSpPr>
+          <p:cNvPr id="5" name="TextBox 4"/>
+          <p:cNvSpPr txBox="1"/>
+          <p:nvPr/>
+        </p:nvSpPr>
+        <p:spPr>
+          <a:xfrm>
+            <a:off x="611560" y="1412776"/>
+            <a:ext cx="7416824" cy="646331"/>
+          </a:xfrm>
+          <a:prstGeom prst="rect">
+            <a:avLst/>
+          </a:prstGeom>
+          <a:noFill/>
+        </p:spPr>
+        <p:txBody>
+          <a:bodyPr wrap="square" rtlCol="0">
+            <a:spAutoFit/>
+          </a:bodyPr>
+          <a:lstStyle/>
+          <a:p>
+            <a:r>
+              <a:rPr lang="ru-RU" b="1" dirty="0" smtClean="0">
+                <a:latin typeface="Calibri" pitchFamily="34" charset="0"/>
+                <a:cs typeface="Calibri" pitchFamily="34" charset="0"/>
+              </a:rPr>
+              <a:t>Международная статистическая классификация болезней и проблем, связанных со здоровьем</a:t>
+            </a:r>
+            <a:endParaRPr lang="ru-RU" dirty="0">
+              <a:latin typeface="Calibri" pitchFamily="34" charset="0"/>
+              <a:cs typeface="Calibri" pitchFamily="34" charset="0"/>
+            </a:endParaRPr>
+          </a:p>
+        </p:txBody>
+      </p:sp>
+      <p:sp>
+        <p:nvSpPr>
+          <p:cNvPr id="7" name="TextBox 6"/>
+          <p:cNvSpPr txBox="1"/>
+          <p:nvPr/>
+        </p:nvSpPr>
+        <p:spPr>
+          <a:xfrm>
+            <a:off x="755576" y="2132856"/>
+            <a:ext cx="7416824" cy="646331"/>
+          </a:xfrm>
+          <a:prstGeom prst="rect">
+            <a:avLst/>
+          </a:prstGeom>
+          <a:noFill/>
+        </p:spPr>
+        <p:txBody>
+          <a:bodyPr wrap="square" rtlCol="0">
+            <a:spAutoFit/>
+          </a:bodyPr>
+          <a:lstStyle/>
+          <a:p>
+            <a:r>
+              <a:rPr lang="ru-RU" dirty="0" smtClean="0">
+                <a:latin typeface="Calibri" pitchFamily="34" charset="0"/>
+                <a:cs typeface="Calibri" pitchFamily="34" charset="0"/>
+              </a:rPr>
+              <a:t>В настоящее время действует </a:t>
+            </a:r>
+            <a:r>
+              <a:rPr lang="ru-RU" i="1" dirty="0" smtClean="0">
+                <a:latin typeface="Calibri" pitchFamily="34" charset="0"/>
+                <a:cs typeface="Calibri" pitchFamily="34" charset="0"/>
+              </a:rPr>
+              <a:t>Международная классификация болезней Десятого пересмотра</a:t>
+            </a:r>
+            <a:r>
+              <a:rPr lang="ru-RU" dirty="0" smtClean="0">
+                <a:latin typeface="Calibri" pitchFamily="34" charset="0"/>
+                <a:cs typeface="Calibri" pitchFamily="34" charset="0"/>
+              </a:rPr>
+              <a:t> (</a:t>
+            </a:r>
+            <a:r>
+              <a:rPr lang="ru-RU" b="1" dirty="0" smtClean="0">
+                <a:latin typeface="Calibri" pitchFamily="34" charset="0"/>
+                <a:cs typeface="Calibri" pitchFamily="34" charset="0"/>
+              </a:rPr>
+              <a:t>МКБ-10</a:t>
+            </a:r>
+            <a:r>
+              <a:rPr lang="ru-RU" dirty="0" smtClean="0">
+                <a:latin typeface="Calibri" pitchFamily="34" charset="0"/>
+                <a:cs typeface="Calibri" pitchFamily="34" charset="0"/>
+              </a:rPr>
+              <a:t>, </a:t>
+            </a:r>
+            <a:r>
+              <a:rPr lang="ru-RU" i="1" dirty="0" smtClean="0">
+                <a:latin typeface="Calibri" pitchFamily="34" charset="0"/>
+                <a:cs typeface="Calibri" pitchFamily="34" charset="0"/>
+              </a:rPr>
+              <a:t>ICD-10</a:t>
+            </a:r>
+            <a:r>
+              <a:rPr lang="ru-RU" dirty="0" smtClean="0">
+                <a:latin typeface="Calibri" pitchFamily="34" charset="0"/>
+                <a:cs typeface="Calibri" pitchFamily="34" charset="0"/>
+              </a:rPr>
+              <a:t>).</a:t>
+            </a:r>
+            <a:endParaRPr lang="ru-RU" dirty="0">
+              <a:latin typeface="Calibri" pitchFamily="34" charset="0"/>
+              <a:cs typeface="Calibri" pitchFamily="34" charset="0"/>
+            </a:endParaRPr>
+          </a:p>
+        </p:txBody>
+      </p:sp>
     </p:spTree>
     <p:extLst>
       <p:ext uri="{BB962C8B-B14F-4D97-AF65-F5344CB8AC3E}">
-        <p14:creationId xmlns:p14="http://schemas.microsoft.com/office/powerpoint/2010/main" val="1660075274"/>
+        <p14:creationId xmlns:p14="http://schemas.microsoft.com/office/powerpoint/2010/main" val="1310623800"/>
       </p:ext>
     </p:extLst>
   </p:cSld>
   <p:clrMapOvr>
     <a:masterClrMapping/>
   </p:clrMapOvr>
+  <p:timing>
+    <p:tnLst>
+      <p:par>
+        <p:cTn id="1" dur="indefinite" restart="never" nodeType="tmRoot"/>
+      </p:par>
+    </p:tnLst>
+  </p:timing>
 </p:sld>
 </file>
 
@@ -3605,372 +3757,6 @@
           <a:chExt cx="0" cy="0"/>
         </a:xfrm>
       </p:grpSpPr>
-    </p:spTree>
-    <p:extLst>
-      <p:ext uri="{BB962C8B-B14F-4D97-AF65-F5344CB8AC3E}">
-        <p14:creationId xmlns:p14="http://schemas.microsoft.com/office/powerpoint/2010/main" val="986685977"/>
-      </p:ext>
-    </p:extLst>
-  </p:cSld>
-  <p:clrMapOvr>
-    <a:masterClrMapping/>
-  </p:clrMapOvr>
-</p:sld>
-</file>
-
-<file path=ppt/slides/slide2.xml><?xml version="1.0" encoding="utf-8"?>
-<p:sld xmlns:a="http://schemas.openxmlformats.org/drawingml/2006/main" xmlns:r="http://schemas.openxmlformats.org/officeDocument/2006/relationships" xmlns:p="http://schemas.openxmlformats.org/presentationml/2006/main">
-  <p:cSld>
-    <p:spTree>
-      <p:nvGrpSpPr>
-        <p:cNvPr id="1" name=""/>
-        <p:cNvGrpSpPr/>
-        <p:nvPr/>
-      </p:nvGrpSpPr>
-      <p:grpSpPr>
-        <a:xfrm>
-          <a:off x="0" y="0"/>
-          <a:ext cx="0" cy="0"/>
-          <a:chOff x="0" y="0"/>
-          <a:chExt cx="0" cy="0"/>
-        </a:xfrm>
-      </p:grpSpPr>
-    </p:spTree>
-    <p:extLst>
-      <p:ext uri="{BB962C8B-B14F-4D97-AF65-F5344CB8AC3E}">
-        <p14:creationId xmlns:p14="http://schemas.microsoft.com/office/powerpoint/2010/main" val="3263852888"/>
-      </p:ext>
-    </p:extLst>
-  </p:cSld>
-  <p:clrMapOvr>
-    <a:masterClrMapping/>
-  </p:clrMapOvr>
-</p:sld>
-</file>
-
-<file path=ppt/slides/slide3.xml><?xml version="1.0" encoding="utf-8"?>
-<p:sld xmlns:a="http://schemas.openxmlformats.org/drawingml/2006/main" xmlns:r="http://schemas.openxmlformats.org/officeDocument/2006/relationships" xmlns:p="http://schemas.openxmlformats.org/presentationml/2006/main">
-  <p:cSld>
-    <p:spTree>
-      <p:nvGrpSpPr>
-        <p:cNvPr id="1" name=""/>
-        <p:cNvGrpSpPr/>
-        <p:nvPr/>
-      </p:nvGrpSpPr>
-      <p:grpSpPr>
-        <a:xfrm>
-          <a:off x="0" y="0"/>
-          <a:ext cx="0" cy="0"/>
-          <a:chOff x="0" y="0"/>
-          <a:chExt cx="0" cy="0"/>
-        </a:xfrm>
-      </p:grpSpPr>
-    </p:spTree>
-    <p:extLst>
-      <p:ext uri="{BB962C8B-B14F-4D97-AF65-F5344CB8AC3E}">
-        <p14:creationId xmlns:p14="http://schemas.microsoft.com/office/powerpoint/2010/main" val="2191216305"/>
-      </p:ext>
-    </p:extLst>
-  </p:cSld>
-  <p:clrMapOvr>
-    <a:masterClrMapping/>
-  </p:clrMapOvr>
-</p:sld>
-</file>
-
-<file path=ppt/slides/slide4.xml><?xml version="1.0" encoding="utf-8"?>
-<p:sld xmlns:a="http://schemas.openxmlformats.org/drawingml/2006/main" xmlns:r="http://schemas.openxmlformats.org/officeDocument/2006/relationships" xmlns:p="http://schemas.openxmlformats.org/presentationml/2006/main">
-  <p:cSld>
-    <p:spTree>
-      <p:nvGrpSpPr>
-        <p:cNvPr id="1" name=""/>
-        <p:cNvGrpSpPr/>
-        <p:nvPr/>
-      </p:nvGrpSpPr>
-      <p:grpSpPr>
-        <a:xfrm>
-          <a:off x="0" y="0"/>
-          <a:ext cx="0" cy="0"/>
-          <a:chOff x="0" y="0"/>
-          <a:chExt cx="0" cy="0"/>
-        </a:xfrm>
-      </p:grpSpPr>
-    </p:spTree>
-    <p:extLst>
-      <p:ext uri="{BB962C8B-B14F-4D97-AF65-F5344CB8AC3E}">
-        <p14:creationId xmlns:p14="http://schemas.microsoft.com/office/powerpoint/2010/main" val="110535383"/>
-      </p:ext>
-    </p:extLst>
-  </p:cSld>
-  <p:clrMapOvr>
-    <a:masterClrMapping/>
-  </p:clrMapOvr>
-</p:sld>
-</file>
-
-<file path=ppt/slides/slide5.xml><?xml version="1.0" encoding="utf-8"?>
-<p:sld xmlns:a="http://schemas.openxmlformats.org/drawingml/2006/main" xmlns:r="http://schemas.openxmlformats.org/officeDocument/2006/relationships" xmlns:p="http://schemas.openxmlformats.org/presentationml/2006/main">
-  <p:cSld>
-    <p:spTree>
-      <p:nvGrpSpPr>
-        <p:cNvPr id="1" name=""/>
-        <p:cNvGrpSpPr/>
-        <p:nvPr/>
-      </p:nvGrpSpPr>
-      <p:grpSpPr>
-        <a:xfrm>
-          <a:off x="0" y="0"/>
-          <a:ext cx="0" cy="0"/>
-          <a:chOff x="0" y="0"/>
-          <a:chExt cx="0" cy="0"/>
-        </a:xfrm>
-      </p:grpSpPr>
-      <p:sp>
-        <p:nvSpPr>
-          <p:cNvPr id="2" name="Заголовок 1"/>
-          <p:cNvSpPr>
-            <a:spLocks noGrp="1"/>
-          </p:cNvSpPr>
-          <p:nvPr>
-            <p:ph type="title"/>
-          </p:nvPr>
-        </p:nvSpPr>
-        <p:spPr/>
-        <p:txBody>
-          <a:bodyPr/>
-          <a:lstStyle/>
-          <a:p>
-            <a:r>
-              <a:rPr lang="ru-RU" dirty="0" smtClean="0"/>
-              <a:t>Стандарты</a:t>
-            </a:r>
-            <a:endParaRPr lang="ru-RU" dirty="0"/>
-          </a:p>
-        </p:txBody>
-      </p:sp>
-      <p:sp>
-        <p:nvSpPr>
-          <p:cNvPr id="3" name="Текст 2"/>
-          <p:cNvSpPr>
-            <a:spLocks noGrp="1"/>
-          </p:cNvSpPr>
-          <p:nvPr>
-            <p:ph type="body" idx="1"/>
-          </p:nvPr>
-        </p:nvSpPr>
-        <p:spPr/>
-        <p:txBody>
-          <a:bodyPr/>
-          <a:lstStyle/>
-          <a:p>
-            <a:endParaRPr lang="ru-RU"/>
-          </a:p>
-        </p:txBody>
-      </p:sp>
-    </p:spTree>
-    <p:extLst>
-      <p:ext uri="{BB962C8B-B14F-4D97-AF65-F5344CB8AC3E}">
-        <p14:creationId xmlns:p14="http://schemas.microsoft.com/office/powerpoint/2010/main" val="4221104688"/>
-      </p:ext>
-    </p:extLst>
-  </p:cSld>
-  <p:clrMapOvr>
-    <a:masterClrMapping/>
-  </p:clrMapOvr>
-</p:sld>
-</file>
-
-<file path=ppt/slides/slide6.xml><?xml version="1.0" encoding="utf-8"?>
-<p:sld xmlns:a="http://schemas.openxmlformats.org/drawingml/2006/main" xmlns:r="http://schemas.openxmlformats.org/officeDocument/2006/relationships" xmlns:p="http://schemas.openxmlformats.org/presentationml/2006/main">
-  <p:cSld>
-    <p:spTree>
-      <p:nvGrpSpPr>
-        <p:cNvPr id="1" name=""/>
-        <p:cNvGrpSpPr/>
-        <p:nvPr/>
-      </p:nvGrpSpPr>
-      <p:grpSpPr>
-        <a:xfrm>
-          <a:off x="0" y="0"/>
-          <a:ext cx="0" cy="0"/>
-          <a:chOff x="0" y="0"/>
-          <a:chExt cx="0" cy="0"/>
-        </a:xfrm>
-      </p:grpSpPr>
-      <p:sp>
-        <p:nvSpPr>
-          <p:cNvPr id="2" name="Заголовок 1"/>
-          <p:cNvSpPr>
-            <a:spLocks noGrp="1"/>
-          </p:cNvSpPr>
-          <p:nvPr>
-            <p:ph type="title"/>
-          </p:nvPr>
-        </p:nvSpPr>
-        <p:spPr/>
-        <p:txBody>
-          <a:bodyPr/>
-          <a:lstStyle/>
-          <a:p>
-            <a:r>
-              <a:rPr lang="ru-RU" dirty="0" smtClean="0"/>
-              <a:t>Стандарты</a:t>
-            </a:r>
-            <a:endParaRPr lang="ru-RU" dirty="0"/>
-          </a:p>
-        </p:txBody>
-      </p:sp>
-      <p:sp>
-        <p:nvSpPr>
-          <p:cNvPr id="5" name="TextBox 4"/>
-          <p:cNvSpPr txBox="1"/>
-          <p:nvPr/>
-        </p:nvSpPr>
-        <p:spPr>
-          <a:xfrm>
-            <a:off x="611560" y="1412776"/>
-            <a:ext cx="7416824" cy="646331"/>
-          </a:xfrm>
-          <a:prstGeom prst="rect">
-            <a:avLst/>
-          </a:prstGeom>
-          <a:noFill/>
-        </p:spPr>
-        <p:txBody>
-          <a:bodyPr wrap="square" rtlCol="0">
-            <a:spAutoFit/>
-          </a:bodyPr>
-          <a:lstStyle/>
-          <a:p>
-            <a:r>
-              <a:rPr lang="ru-RU" b="1" dirty="0" smtClean="0">
-                <a:latin typeface="Calibri" pitchFamily="34" charset="0"/>
-                <a:cs typeface="Calibri" pitchFamily="34" charset="0"/>
-              </a:rPr>
-              <a:t>Международная статистическая классификация болезней и проблем, связанных со здоровьем</a:t>
-            </a:r>
-            <a:endParaRPr lang="ru-RU" dirty="0">
-              <a:latin typeface="Calibri" pitchFamily="34" charset="0"/>
-              <a:cs typeface="Calibri" pitchFamily="34" charset="0"/>
-            </a:endParaRPr>
-          </a:p>
-        </p:txBody>
-      </p:sp>
-      <p:sp>
-        <p:nvSpPr>
-          <p:cNvPr id="7" name="TextBox 6"/>
-          <p:cNvSpPr txBox="1"/>
-          <p:nvPr/>
-        </p:nvSpPr>
-        <p:spPr>
-          <a:xfrm>
-            <a:off x="755576" y="2132856"/>
-            <a:ext cx="7416824" cy="646331"/>
-          </a:xfrm>
-          <a:prstGeom prst="rect">
-            <a:avLst/>
-          </a:prstGeom>
-          <a:noFill/>
-        </p:spPr>
-        <p:txBody>
-          <a:bodyPr wrap="square" rtlCol="0">
-            <a:spAutoFit/>
-          </a:bodyPr>
-          <a:lstStyle/>
-          <a:p>
-            <a:r>
-              <a:rPr lang="ru-RU" dirty="0" smtClean="0">
-                <a:latin typeface="Calibri" pitchFamily="34" charset="0"/>
-                <a:cs typeface="Calibri" pitchFamily="34" charset="0"/>
-              </a:rPr>
-              <a:t>В настоящее время действует </a:t>
-            </a:r>
-            <a:r>
-              <a:rPr lang="ru-RU" i="1" dirty="0" smtClean="0">
-                <a:latin typeface="Calibri" pitchFamily="34" charset="0"/>
-                <a:cs typeface="Calibri" pitchFamily="34" charset="0"/>
-              </a:rPr>
-              <a:t>Международная классификация болезней Десятого пересмотра</a:t>
-            </a:r>
-            <a:r>
-              <a:rPr lang="ru-RU" dirty="0" smtClean="0">
-                <a:latin typeface="Calibri" pitchFamily="34" charset="0"/>
-                <a:cs typeface="Calibri" pitchFamily="34" charset="0"/>
-              </a:rPr>
-              <a:t> (</a:t>
-            </a:r>
-            <a:r>
-              <a:rPr lang="ru-RU" b="1" dirty="0" smtClean="0">
-                <a:latin typeface="Calibri" pitchFamily="34" charset="0"/>
-                <a:cs typeface="Calibri" pitchFamily="34" charset="0"/>
-              </a:rPr>
-              <a:t>МКБ-10</a:t>
-            </a:r>
-            <a:r>
-              <a:rPr lang="ru-RU" dirty="0" smtClean="0">
-                <a:latin typeface="Calibri" pitchFamily="34" charset="0"/>
-                <a:cs typeface="Calibri" pitchFamily="34" charset="0"/>
-              </a:rPr>
-              <a:t>, </a:t>
-            </a:r>
-            <a:r>
-              <a:rPr lang="ru-RU" i="1" dirty="0" smtClean="0">
-                <a:latin typeface="Calibri" pitchFamily="34" charset="0"/>
-                <a:cs typeface="Calibri" pitchFamily="34" charset="0"/>
-              </a:rPr>
-              <a:t>ICD-10</a:t>
-            </a:r>
-            <a:r>
-              <a:rPr lang="ru-RU" dirty="0" smtClean="0">
-                <a:latin typeface="Calibri" pitchFamily="34" charset="0"/>
-                <a:cs typeface="Calibri" pitchFamily="34" charset="0"/>
-              </a:rPr>
-              <a:t>).</a:t>
-            </a:r>
-            <a:endParaRPr lang="ru-RU" dirty="0">
-              <a:latin typeface="Calibri" pitchFamily="34" charset="0"/>
-              <a:cs typeface="Calibri" pitchFamily="34" charset="0"/>
-            </a:endParaRPr>
-          </a:p>
-        </p:txBody>
-      </p:sp>
-    </p:spTree>
-    <p:extLst>
-      <p:ext uri="{BB962C8B-B14F-4D97-AF65-F5344CB8AC3E}">
-        <p14:creationId xmlns:p14="http://schemas.microsoft.com/office/powerpoint/2010/main" val="1310623800"/>
-      </p:ext>
-    </p:extLst>
-  </p:cSld>
-  <p:clrMapOvr>
-    <a:masterClrMapping/>
-  </p:clrMapOvr>
-  <p:timing>
-    <p:tnLst>
-      <p:par>
-        <p:cTn id="1" dur="indefinite" restart="never" nodeType="tmRoot"/>
-      </p:par>
-    </p:tnLst>
-  </p:timing>
-</p:sld>
-</file>
-
-<file path=ppt/slides/slide7.xml><?xml version="1.0" encoding="utf-8"?>
-<p:sld xmlns:a="http://schemas.openxmlformats.org/drawingml/2006/main" xmlns:r="http://schemas.openxmlformats.org/officeDocument/2006/relationships" xmlns:p="http://schemas.openxmlformats.org/presentationml/2006/main">
-  <p:cSld>
-    <p:spTree>
-      <p:nvGrpSpPr>
-        <p:cNvPr id="1" name=""/>
-        <p:cNvGrpSpPr/>
-        <p:nvPr/>
-      </p:nvGrpSpPr>
-      <p:grpSpPr>
-        <a:xfrm>
-          <a:off x="0" y="0"/>
-          <a:ext cx="0" cy="0"/>
-          <a:chOff x="0" y="0"/>
-          <a:chExt cx="0" cy="0"/>
-        </a:xfrm>
-      </p:grpSpPr>
       <p:sp>
         <p:nvSpPr>
           <p:cNvPr id="2" name="Заголовок 1"/>
@@ -4026,7 +3812,7 @@
 </p:sld>
 </file>
 
-<file path=ppt/slides/slide8.xml><?xml version="1.0" encoding="utf-8"?>
+<file path=ppt/slides/slide12.xml><?xml version="1.0" encoding="utf-8"?>
 <p:sld xmlns:a="http://schemas.openxmlformats.org/drawingml/2006/main" xmlns:r="http://schemas.openxmlformats.org/officeDocument/2006/relationships" xmlns:p="http://schemas.openxmlformats.org/presentationml/2006/main">
   <p:cSld>
     <p:spTree>
@@ -4391,7 +4177,7 @@
 </p:sld>
 </file>
 
-<file path=ppt/slides/slide9.xml><?xml version="1.0" encoding="utf-8"?>
+<file path=ppt/slides/slide13.xml><?xml version="1.0" encoding="utf-8"?>
 <p:sld xmlns:a="http://schemas.openxmlformats.org/drawingml/2006/main" xmlns:r="http://schemas.openxmlformats.org/officeDocument/2006/relationships" xmlns:p="http://schemas.openxmlformats.org/presentationml/2006/main">
   <p:cSld>
     <p:spTree>
@@ -4952,6 +4738,734 @@
       </p:par>
     </p:tnLst>
   </p:timing>
+</p:sld>
+</file>
+
+<file path=ppt/slides/slide14.xml><?xml version="1.0" encoding="utf-8"?>
+<p:sld xmlns:a="http://schemas.openxmlformats.org/drawingml/2006/main" xmlns:r="http://schemas.openxmlformats.org/officeDocument/2006/relationships" xmlns:p="http://schemas.openxmlformats.org/presentationml/2006/main">
+  <p:cSld>
+    <p:spTree>
+      <p:nvGrpSpPr>
+        <p:cNvPr id="1" name=""/>
+        <p:cNvGrpSpPr/>
+        <p:nvPr/>
+      </p:nvGrpSpPr>
+      <p:grpSpPr>
+        <a:xfrm>
+          <a:off x="0" y="0"/>
+          <a:ext cx="0" cy="0"/>
+          <a:chOff x="0" y="0"/>
+          <a:chExt cx="0" cy="0"/>
+        </a:xfrm>
+      </p:grpSpPr>
+    </p:spTree>
+    <p:extLst>
+      <p:ext uri="{BB962C8B-B14F-4D97-AF65-F5344CB8AC3E}">
+        <p14:creationId xmlns:p14="http://schemas.microsoft.com/office/powerpoint/2010/main" val="1660075274"/>
+      </p:ext>
+    </p:extLst>
+  </p:cSld>
+  <p:clrMapOvr>
+    <a:masterClrMapping/>
+  </p:clrMapOvr>
+</p:sld>
+</file>
+
+<file path=ppt/slides/slide15.xml><?xml version="1.0" encoding="utf-8"?>
+<p:sld xmlns:a="http://schemas.openxmlformats.org/drawingml/2006/main" xmlns:r="http://schemas.openxmlformats.org/officeDocument/2006/relationships" xmlns:p="http://schemas.openxmlformats.org/presentationml/2006/main">
+  <p:cSld>
+    <p:spTree>
+      <p:nvGrpSpPr>
+        <p:cNvPr id="1" name=""/>
+        <p:cNvGrpSpPr/>
+        <p:nvPr/>
+      </p:nvGrpSpPr>
+      <p:grpSpPr>
+        <a:xfrm>
+          <a:off x="0" y="0"/>
+          <a:ext cx="0" cy="0"/>
+          <a:chOff x="0" y="0"/>
+          <a:chExt cx="0" cy="0"/>
+        </a:xfrm>
+      </p:grpSpPr>
+    </p:spTree>
+    <p:extLst>
+      <p:ext uri="{BB962C8B-B14F-4D97-AF65-F5344CB8AC3E}">
+        <p14:creationId xmlns:p14="http://schemas.microsoft.com/office/powerpoint/2010/main" val="986685977"/>
+      </p:ext>
+    </p:extLst>
+  </p:cSld>
+  <p:clrMapOvr>
+    <a:masterClrMapping/>
+  </p:clrMapOvr>
+</p:sld>
+</file>
+
+<file path=ppt/slides/slide2.xml><?xml version="1.0" encoding="utf-8"?>
+<p:sld xmlns:a="http://schemas.openxmlformats.org/drawingml/2006/main" xmlns:r="http://schemas.openxmlformats.org/officeDocument/2006/relationships" xmlns:p="http://schemas.openxmlformats.org/presentationml/2006/main">
+  <p:cSld>
+    <p:spTree>
+      <p:nvGrpSpPr>
+        <p:cNvPr id="1" name=""/>
+        <p:cNvGrpSpPr/>
+        <p:nvPr/>
+      </p:nvGrpSpPr>
+      <p:grpSpPr>
+        <a:xfrm>
+          <a:off x="0" y="0"/>
+          <a:ext cx="0" cy="0"/>
+          <a:chOff x="0" y="0"/>
+          <a:chExt cx="0" cy="0"/>
+        </a:xfrm>
+      </p:grpSpPr>
+      <p:sp>
+        <p:nvSpPr>
+          <p:cNvPr id="2" name="Заголовок 1"/>
+          <p:cNvSpPr>
+            <a:spLocks noGrp="1"/>
+          </p:cNvSpPr>
+          <p:nvPr>
+            <p:ph type="title"/>
+          </p:nvPr>
+        </p:nvSpPr>
+        <p:spPr/>
+        <p:txBody>
+          <a:bodyPr/>
+          <a:lstStyle/>
+          <a:p>
+            <a:r>
+              <a:rPr lang="ru-RU" dirty="0" smtClean="0"/>
+              <a:t>Предметная область (</a:t>
+            </a:r>
+            <a:r>
+              <a:rPr lang="en-US" dirty="0" smtClean="0"/>
+              <a:t>AS-IS</a:t>
+            </a:r>
+            <a:r>
+              <a:rPr lang="ru-RU" dirty="0" smtClean="0"/>
+              <a:t>)</a:t>
+            </a:r>
+            <a:endParaRPr lang="ru-RU" dirty="0"/>
+          </a:p>
+        </p:txBody>
+      </p:sp>
+      <p:sp>
+        <p:nvSpPr>
+          <p:cNvPr id="3" name="Объект 2"/>
+          <p:cNvSpPr>
+            <a:spLocks noGrp="1"/>
+          </p:cNvSpPr>
+          <p:nvPr>
+            <p:ph idx="1"/>
+          </p:nvPr>
+        </p:nvSpPr>
+        <p:spPr/>
+        <p:txBody>
+          <a:bodyPr/>
+          <a:lstStyle/>
+          <a:p>
+            <a:endParaRPr lang="ru-RU"/>
+          </a:p>
+        </p:txBody>
+      </p:sp>
+    </p:spTree>
+    <p:extLst>
+      <p:ext uri="{BB962C8B-B14F-4D97-AF65-F5344CB8AC3E}">
+        <p14:creationId xmlns:p14="http://schemas.microsoft.com/office/powerpoint/2010/main" val="3263852888"/>
+      </p:ext>
+    </p:extLst>
+  </p:cSld>
+  <p:clrMapOvr>
+    <a:masterClrMapping/>
+  </p:clrMapOvr>
+</p:sld>
+</file>
+
+<file path=ppt/slides/slide3.xml><?xml version="1.0" encoding="utf-8"?>
+<p:sld xmlns:a="http://schemas.openxmlformats.org/drawingml/2006/main" xmlns:r="http://schemas.openxmlformats.org/officeDocument/2006/relationships" xmlns:p="http://schemas.openxmlformats.org/presentationml/2006/main">
+  <p:cSld>
+    <p:spTree>
+      <p:nvGrpSpPr>
+        <p:cNvPr id="1" name=""/>
+        <p:cNvGrpSpPr/>
+        <p:nvPr/>
+      </p:nvGrpSpPr>
+      <p:grpSpPr>
+        <a:xfrm>
+          <a:off x="0" y="0"/>
+          <a:ext cx="0" cy="0"/>
+          <a:chOff x="0" y="0"/>
+          <a:chExt cx="0" cy="0"/>
+        </a:xfrm>
+      </p:grpSpPr>
+      <p:sp>
+        <p:nvSpPr>
+          <p:cNvPr id="2" name="Заголовок 1"/>
+          <p:cNvSpPr>
+            <a:spLocks noGrp="1"/>
+          </p:cNvSpPr>
+          <p:nvPr>
+            <p:ph type="title"/>
+          </p:nvPr>
+        </p:nvSpPr>
+        <p:spPr/>
+        <p:txBody>
+          <a:bodyPr/>
+          <a:lstStyle/>
+          <a:p>
+            <a:r>
+              <a:rPr lang="ru-RU" dirty="0" smtClean="0"/>
+              <a:t>Предметная область</a:t>
+            </a:r>
+            <a:r>
+              <a:rPr lang="en-US" dirty="0" smtClean="0"/>
+              <a:t> (TO-BE)</a:t>
+            </a:r>
+            <a:endParaRPr lang="ru-RU" dirty="0"/>
+          </a:p>
+        </p:txBody>
+      </p:sp>
+      <p:pic>
+        <p:nvPicPr>
+          <p:cNvPr id="4" name="Объект 3"/>
+          <p:cNvPicPr>
+            <a:picLocks noGrp="1" noChangeAspect="1"/>
+          </p:cNvPicPr>
+          <p:nvPr>
+            <p:ph idx="1"/>
+          </p:nvPr>
+        </p:nvPicPr>
+        <p:blipFill>
+          <a:blip r:embed="rId2">
+            <a:extLst>
+              <a:ext uri="{28A0092B-C50C-407E-A947-70E740481C1C}">
+                <a14:useLocalDpi xmlns:a14="http://schemas.microsoft.com/office/drawing/2010/main" val="0"/>
+              </a:ext>
+            </a:extLst>
+          </a:blip>
+          <a:stretch>
+            <a:fillRect/>
+          </a:stretch>
+        </p:blipFill>
+        <p:spPr>
+          <a:xfrm>
+            <a:off x="457200" y="1617719"/>
+            <a:ext cx="8229600" cy="4490924"/>
+          </a:xfrm>
+        </p:spPr>
+      </p:pic>
+    </p:spTree>
+    <p:extLst>
+      <p:ext uri="{BB962C8B-B14F-4D97-AF65-F5344CB8AC3E}">
+        <p14:creationId xmlns:p14="http://schemas.microsoft.com/office/powerpoint/2010/main" val="2191216305"/>
+      </p:ext>
+    </p:extLst>
+  </p:cSld>
+  <p:clrMapOvr>
+    <a:masterClrMapping/>
+  </p:clrMapOvr>
+</p:sld>
+</file>
+
+<file path=ppt/slides/slide4.xml><?xml version="1.0" encoding="utf-8"?>
+<p:sld xmlns:a="http://schemas.openxmlformats.org/drawingml/2006/main" xmlns:r="http://schemas.openxmlformats.org/officeDocument/2006/relationships" xmlns:p="http://schemas.openxmlformats.org/presentationml/2006/main">
+  <p:cSld>
+    <p:spTree>
+      <p:nvGrpSpPr>
+        <p:cNvPr id="1" name=""/>
+        <p:cNvGrpSpPr/>
+        <p:nvPr/>
+      </p:nvGrpSpPr>
+      <p:grpSpPr>
+        <a:xfrm>
+          <a:off x="0" y="0"/>
+          <a:ext cx="0" cy="0"/>
+          <a:chOff x="0" y="0"/>
+          <a:chExt cx="0" cy="0"/>
+        </a:xfrm>
+      </p:grpSpPr>
+      <p:sp>
+        <p:nvSpPr>
+          <p:cNvPr id="2" name="Заголовок 1"/>
+          <p:cNvSpPr>
+            <a:spLocks noGrp="1"/>
+          </p:cNvSpPr>
+          <p:nvPr>
+            <p:ph type="title"/>
+          </p:nvPr>
+        </p:nvSpPr>
+        <p:spPr/>
+        <p:txBody>
+          <a:bodyPr/>
+          <a:lstStyle/>
+          <a:p>
+            <a:r>
+              <a:rPr lang="ru-RU" dirty="0" smtClean="0"/>
+              <a:t>Подача данных (</a:t>
+            </a:r>
+            <a:r>
+              <a:rPr lang="en-US" dirty="0" smtClean="0"/>
+              <a:t>to-be</a:t>
+            </a:r>
+            <a:r>
+              <a:rPr lang="ru-RU" dirty="0" smtClean="0"/>
+              <a:t>)</a:t>
+            </a:r>
+            <a:endParaRPr lang="ru-RU" dirty="0"/>
+          </a:p>
+        </p:txBody>
+      </p:sp>
+      <p:pic>
+        <p:nvPicPr>
+          <p:cNvPr id="4" name="Объект 3"/>
+          <p:cNvPicPr>
+            <a:picLocks noGrp="1" noChangeAspect="1"/>
+          </p:cNvPicPr>
+          <p:nvPr>
+            <p:ph idx="1"/>
+          </p:nvPr>
+        </p:nvPicPr>
+        <p:blipFill>
+          <a:blip r:embed="rId2">
+            <a:extLst>
+              <a:ext uri="{28A0092B-C50C-407E-A947-70E740481C1C}">
+                <a14:useLocalDpi xmlns:a14="http://schemas.microsoft.com/office/drawing/2010/main" val="0"/>
+              </a:ext>
+            </a:extLst>
+          </a:blip>
+          <a:stretch>
+            <a:fillRect/>
+          </a:stretch>
+        </p:blipFill>
+        <p:spPr>
+          <a:xfrm>
+            <a:off x="458625" y="1600200"/>
+            <a:ext cx="8226750" cy="4525963"/>
+          </a:xfrm>
+        </p:spPr>
+      </p:pic>
+    </p:spTree>
+    <p:extLst>
+      <p:ext uri="{BB962C8B-B14F-4D97-AF65-F5344CB8AC3E}">
+        <p14:creationId xmlns:p14="http://schemas.microsoft.com/office/powerpoint/2010/main" val="4150660776"/>
+      </p:ext>
+    </p:extLst>
+  </p:cSld>
+  <p:clrMapOvr>
+    <a:masterClrMapping/>
+  </p:clrMapOvr>
+</p:sld>
+</file>
+
+<file path=ppt/slides/slide5.xml><?xml version="1.0" encoding="utf-8"?>
+<p:sld xmlns:a="http://schemas.openxmlformats.org/drawingml/2006/main" xmlns:r="http://schemas.openxmlformats.org/officeDocument/2006/relationships" xmlns:p="http://schemas.openxmlformats.org/presentationml/2006/main">
+  <p:cSld>
+    <p:spTree>
+      <p:nvGrpSpPr>
+        <p:cNvPr id="1" name=""/>
+        <p:cNvGrpSpPr/>
+        <p:nvPr/>
+      </p:nvGrpSpPr>
+      <p:grpSpPr>
+        <a:xfrm>
+          <a:off x="0" y="0"/>
+          <a:ext cx="0" cy="0"/>
+          <a:chOff x="0" y="0"/>
+          <a:chExt cx="0" cy="0"/>
+        </a:xfrm>
+      </p:grpSpPr>
+      <p:sp>
+        <p:nvSpPr>
+          <p:cNvPr id="2" name="Заголовок 1"/>
+          <p:cNvSpPr>
+            <a:spLocks noGrp="1"/>
+          </p:cNvSpPr>
+          <p:nvPr>
+            <p:ph type="title"/>
+          </p:nvPr>
+        </p:nvSpPr>
+        <p:spPr/>
+        <p:txBody>
+          <a:bodyPr>
+            <a:normAutofit fontScale="90000"/>
+          </a:bodyPr>
+          <a:lstStyle/>
+          <a:p>
+            <a:r>
+              <a:rPr lang="ru-RU" dirty="0" smtClean="0"/>
+              <a:t>Мониторинг пациентов (</a:t>
+            </a:r>
+            <a:r>
+              <a:rPr lang="en-US" dirty="0" smtClean="0"/>
+              <a:t>to-be</a:t>
+            </a:r>
+            <a:r>
+              <a:rPr lang="ru-RU" dirty="0" smtClean="0"/>
+              <a:t>)</a:t>
+            </a:r>
+            <a:endParaRPr lang="ru-RU" dirty="0"/>
+          </a:p>
+        </p:txBody>
+      </p:sp>
+      <p:pic>
+        <p:nvPicPr>
+          <p:cNvPr id="4" name="Объект 3"/>
+          <p:cNvPicPr>
+            <a:picLocks noGrp="1" noChangeAspect="1"/>
+          </p:cNvPicPr>
+          <p:nvPr>
+            <p:ph idx="1"/>
+          </p:nvPr>
+        </p:nvPicPr>
+        <p:blipFill>
+          <a:blip r:embed="rId2">
+            <a:extLst>
+              <a:ext uri="{28A0092B-C50C-407E-A947-70E740481C1C}">
+                <a14:useLocalDpi xmlns:a14="http://schemas.microsoft.com/office/drawing/2010/main" val="0"/>
+              </a:ext>
+            </a:extLst>
+          </a:blip>
+          <a:stretch>
+            <a:fillRect/>
+          </a:stretch>
+        </p:blipFill>
+        <p:spPr>
+          <a:xfrm>
+            <a:off x="457200" y="1608136"/>
+            <a:ext cx="8229600" cy="4510091"/>
+          </a:xfrm>
+        </p:spPr>
+      </p:pic>
+    </p:spTree>
+    <p:extLst>
+      <p:ext uri="{BB962C8B-B14F-4D97-AF65-F5344CB8AC3E}">
+        <p14:creationId xmlns:p14="http://schemas.microsoft.com/office/powerpoint/2010/main" val="444766127"/>
+      </p:ext>
+    </p:extLst>
+  </p:cSld>
+  <p:clrMapOvr>
+    <a:masterClrMapping/>
+  </p:clrMapOvr>
+</p:sld>
+</file>
+
+<file path=ppt/slides/slide6.xml><?xml version="1.0" encoding="utf-8"?>
+<p:sld xmlns:a="http://schemas.openxmlformats.org/drawingml/2006/main" xmlns:r="http://schemas.openxmlformats.org/officeDocument/2006/relationships" xmlns:p="http://schemas.openxmlformats.org/presentationml/2006/main">
+  <p:cSld>
+    <p:spTree>
+      <p:nvGrpSpPr>
+        <p:cNvPr id="1" name=""/>
+        <p:cNvGrpSpPr/>
+        <p:nvPr/>
+      </p:nvGrpSpPr>
+      <p:grpSpPr>
+        <a:xfrm>
+          <a:off x="0" y="0"/>
+          <a:ext cx="0" cy="0"/>
+          <a:chOff x="0" y="0"/>
+          <a:chExt cx="0" cy="0"/>
+        </a:xfrm>
+      </p:grpSpPr>
+      <p:sp>
+        <p:nvSpPr>
+          <p:cNvPr id="2" name="Заголовок 1"/>
+          <p:cNvSpPr>
+            <a:spLocks noGrp="1"/>
+          </p:cNvSpPr>
+          <p:nvPr>
+            <p:ph type="title"/>
+          </p:nvPr>
+        </p:nvSpPr>
+        <p:spPr/>
+        <p:txBody>
+          <a:bodyPr/>
+          <a:lstStyle/>
+          <a:p>
+            <a:r>
+              <a:rPr lang="ru-RU" dirty="0" smtClean="0"/>
+              <a:t>Мониторинг пациентов</a:t>
+            </a:r>
+            <a:endParaRPr lang="ru-RU" dirty="0"/>
+          </a:p>
+        </p:txBody>
+      </p:sp>
+      <p:pic>
+        <p:nvPicPr>
+          <p:cNvPr id="4" name="Объект 3"/>
+          <p:cNvPicPr>
+            <a:picLocks noGrp="1" noChangeAspect="1"/>
+          </p:cNvPicPr>
+          <p:nvPr>
+            <p:ph idx="1"/>
+          </p:nvPr>
+        </p:nvPicPr>
+        <p:blipFill>
+          <a:blip r:embed="rId2">
+            <a:extLst>
+              <a:ext uri="{28A0092B-C50C-407E-A947-70E740481C1C}">
+                <a14:useLocalDpi xmlns:a14="http://schemas.microsoft.com/office/drawing/2010/main" val="0"/>
+              </a:ext>
+            </a:extLst>
+          </a:blip>
+          <a:stretch>
+            <a:fillRect/>
+          </a:stretch>
+        </p:blipFill>
+        <p:spPr>
+          <a:xfrm>
+            <a:off x="457200" y="1607987"/>
+            <a:ext cx="8229600" cy="4510388"/>
+          </a:xfrm>
+        </p:spPr>
+      </p:pic>
+    </p:spTree>
+    <p:extLst>
+      <p:ext uri="{BB962C8B-B14F-4D97-AF65-F5344CB8AC3E}">
+        <p14:creationId xmlns:p14="http://schemas.microsoft.com/office/powerpoint/2010/main" val="3430275872"/>
+      </p:ext>
+    </p:extLst>
+  </p:cSld>
+  <p:clrMapOvr>
+    <a:masterClrMapping/>
+  </p:clrMapOvr>
+</p:sld>
+</file>
+
+<file path=ppt/slides/slide7.xml><?xml version="1.0" encoding="utf-8"?>
+<p:sld xmlns:a="http://schemas.openxmlformats.org/drawingml/2006/main" xmlns:r="http://schemas.openxmlformats.org/officeDocument/2006/relationships" xmlns:p="http://schemas.openxmlformats.org/presentationml/2006/main">
+  <p:cSld>
+    <p:spTree>
+      <p:nvGrpSpPr>
+        <p:cNvPr id="1" name=""/>
+        <p:cNvGrpSpPr/>
+        <p:nvPr/>
+      </p:nvGrpSpPr>
+      <p:grpSpPr>
+        <a:xfrm>
+          <a:off x="0" y="0"/>
+          <a:ext cx="0" cy="0"/>
+          <a:chOff x="0" y="0"/>
+          <a:chExt cx="0" cy="0"/>
+        </a:xfrm>
+      </p:grpSpPr>
+      <p:sp>
+        <p:nvSpPr>
+          <p:cNvPr id="2" name="Заголовок 1"/>
+          <p:cNvSpPr>
+            <a:spLocks noGrp="1"/>
+          </p:cNvSpPr>
+          <p:nvPr>
+            <p:ph type="title"/>
+          </p:nvPr>
+        </p:nvSpPr>
+        <p:spPr/>
+        <p:txBody>
+          <a:bodyPr>
+            <a:normAutofit/>
+          </a:bodyPr>
+          <a:lstStyle/>
+          <a:p>
+            <a:r>
+              <a:rPr lang="ru-RU" dirty="0" smtClean="0"/>
+              <a:t>Амбулаторное обследование</a:t>
+            </a:r>
+            <a:endParaRPr lang="ru-RU" dirty="0"/>
+          </a:p>
+        </p:txBody>
+      </p:sp>
+      <p:pic>
+        <p:nvPicPr>
+          <p:cNvPr id="4" name="Объект 3"/>
+          <p:cNvPicPr>
+            <a:picLocks noGrp="1" noChangeAspect="1"/>
+          </p:cNvPicPr>
+          <p:nvPr>
+            <p:ph idx="1"/>
+          </p:nvPr>
+        </p:nvPicPr>
+        <p:blipFill>
+          <a:blip r:embed="rId2">
+            <a:extLst>
+              <a:ext uri="{28A0092B-C50C-407E-A947-70E740481C1C}">
+                <a14:useLocalDpi xmlns:a14="http://schemas.microsoft.com/office/drawing/2010/main" val="0"/>
+              </a:ext>
+            </a:extLst>
+          </a:blip>
+          <a:stretch>
+            <a:fillRect/>
+          </a:stretch>
+        </p:blipFill>
+        <p:spPr>
+          <a:xfrm>
+            <a:off x="457200" y="1623996"/>
+            <a:ext cx="8229600" cy="4478370"/>
+          </a:xfrm>
+        </p:spPr>
+      </p:pic>
+    </p:spTree>
+    <p:extLst>
+      <p:ext uri="{BB962C8B-B14F-4D97-AF65-F5344CB8AC3E}">
+        <p14:creationId xmlns:p14="http://schemas.microsoft.com/office/powerpoint/2010/main" val="2721001229"/>
+      </p:ext>
+    </p:extLst>
+  </p:cSld>
+  <p:clrMapOvr>
+    <a:masterClrMapping/>
+  </p:clrMapOvr>
+</p:sld>
+</file>
+
+<file path=ppt/slides/slide8.xml><?xml version="1.0" encoding="utf-8"?>
+<p:sld xmlns:a="http://schemas.openxmlformats.org/drawingml/2006/main" xmlns:r="http://schemas.openxmlformats.org/officeDocument/2006/relationships" xmlns:p="http://schemas.openxmlformats.org/presentationml/2006/main">
+  <p:cSld>
+    <p:spTree>
+      <p:nvGrpSpPr>
+        <p:cNvPr id="1" name=""/>
+        <p:cNvGrpSpPr/>
+        <p:nvPr/>
+      </p:nvGrpSpPr>
+      <p:grpSpPr>
+        <a:xfrm>
+          <a:off x="0" y="0"/>
+          <a:ext cx="0" cy="0"/>
+          <a:chOff x="0" y="0"/>
+          <a:chExt cx="0" cy="0"/>
+        </a:xfrm>
+      </p:grpSpPr>
+      <p:sp>
+        <p:nvSpPr>
+          <p:cNvPr id="2" name="Заголовок 1"/>
+          <p:cNvSpPr>
+            <a:spLocks noGrp="1"/>
+          </p:cNvSpPr>
+          <p:nvPr>
+            <p:ph type="title"/>
+          </p:nvPr>
+        </p:nvSpPr>
+        <p:spPr/>
+        <p:txBody>
+          <a:bodyPr/>
+          <a:lstStyle/>
+          <a:p>
+            <a:r>
+              <a:rPr lang="en-US" dirty="0" smtClean="0"/>
+              <a:t>Use-Case diagram</a:t>
+            </a:r>
+            <a:endParaRPr lang="ru-RU" dirty="0"/>
+          </a:p>
+        </p:txBody>
+      </p:sp>
+      <p:pic>
+        <p:nvPicPr>
+          <p:cNvPr id="8" name="Объект 7"/>
+          <p:cNvPicPr>
+            <a:picLocks noGrp="1" noChangeAspect="1"/>
+          </p:cNvPicPr>
+          <p:nvPr>
+            <p:ph idx="1"/>
+          </p:nvPr>
+        </p:nvPicPr>
+        <p:blipFill>
+          <a:blip r:embed="rId2">
+            <a:extLst>
+              <a:ext uri="{28A0092B-C50C-407E-A947-70E740481C1C}">
+                <a14:useLocalDpi xmlns:a14="http://schemas.microsoft.com/office/drawing/2010/main" val="0"/>
+              </a:ext>
+            </a:extLst>
+          </a:blip>
+          <a:stretch>
+            <a:fillRect/>
+          </a:stretch>
+        </p:blipFill>
+        <p:spPr>
+          <a:xfrm>
+            <a:off x="1900732" y="1600200"/>
+            <a:ext cx="5342535" cy="4525963"/>
+          </a:xfrm>
+        </p:spPr>
+      </p:pic>
+    </p:spTree>
+    <p:extLst>
+      <p:ext uri="{BB962C8B-B14F-4D97-AF65-F5344CB8AC3E}">
+        <p14:creationId xmlns:p14="http://schemas.microsoft.com/office/powerpoint/2010/main" val="110535383"/>
+      </p:ext>
+    </p:extLst>
+  </p:cSld>
+  <p:clrMapOvr>
+    <a:masterClrMapping/>
+  </p:clrMapOvr>
+</p:sld>
+</file>
+
+<file path=ppt/slides/slide9.xml><?xml version="1.0" encoding="utf-8"?>
+<p:sld xmlns:a="http://schemas.openxmlformats.org/drawingml/2006/main" xmlns:r="http://schemas.openxmlformats.org/officeDocument/2006/relationships" xmlns:p="http://schemas.openxmlformats.org/presentationml/2006/main">
+  <p:cSld>
+    <p:spTree>
+      <p:nvGrpSpPr>
+        <p:cNvPr id="1" name=""/>
+        <p:cNvGrpSpPr/>
+        <p:nvPr/>
+      </p:nvGrpSpPr>
+      <p:grpSpPr>
+        <a:xfrm>
+          <a:off x="0" y="0"/>
+          <a:ext cx="0" cy="0"/>
+          <a:chOff x="0" y="0"/>
+          <a:chExt cx="0" cy="0"/>
+        </a:xfrm>
+      </p:grpSpPr>
+      <p:sp>
+        <p:nvSpPr>
+          <p:cNvPr id="2" name="Заголовок 1"/>
+          <p:cNvSpPr>
+            <a:spLocks noGrp="1"/>
+          </p:cNvSpPr>
+          <p:nvPr>
+            <p:ph type="title"/>
+          </p:nvPr>
+        </p:nvSpPr>
+        <p:spPr/>
+        <p:txBody>
+          <a:bodyPr/>
+          <a:lstStyle/>
+          <a:p>
+            <a:r>
+              <a:rPr lang="ru-RU" dirty="0" smtClean="0"/>
+              <a:t>Стандарты</a:t>
+            </a:r>
+            <a:endParaRPr lang="ru-RU" dirty="0"/>
+          </a:p>
+        </p:txBody>
+      </p:sp>
+      <p:sp>
+        <p:nvSpPr>
+          <p:cNvPr id="3" name="Текст 2"/>
+          <p:cNvSpPr>
+            <a:spLocks noGrp="1"/>
+          </p:cNvSpPr>
+          <p:nvPr>
+            <p:ph type="body" idx="1"/>
+          </p:nvPr>
+        </p:nvSpPr>
+        <p:spPr/>
+        <p:txBody>
+          <a:bodyPr/>
+          <a:lstStyle/>
+          <a:p>
+            <a:endParaRPr lang="ru-RU"/>
+          </a:p>
+        </p:txBody>
+      </p:sp>
+    </p:spTree>
+    <p:extLst>
+      <p:ext uri="{BB962C8B-B14F-4D97-AF65-F5344CB8AC3E}">
+        <p14:creationId xmlns:p14="http://schemas.microsoft.com/office/powerpoint/2010/main" val="4221104688"/>
+      </p:ext>
+    </p:extLst>
+  </p:cSld>
+  <p:clrMapOvr>
+    <a:masterClrMapping/>
+  </p:clrMapOvr>
 </p:sld>
 </file>
 

--- a/Presentation/main.pptx
+++ b/Presentation/main.pptx
@@ -5,7 +5,7 @@
     <p:sldMasterId id="2147483684" r:id="rId1"/>
   </p:sldMasterIdLst>
   <p:notesMasterIdLst>
-    <p:notesMasterId r:id="rId17"/>
+    <p:notesMasterId r:id="rId30"/>
   </p:notesMasterIdLst>
   <p:sldIdLst>
     <p:sldId id="256" r:id="rId2"/>
@@ -23,6 +23,19 @@
     <p:sldId id="266" r:id="rId14"/>
     <p:sldId id="262" r:id="rId15"/>
     <p:sldId id="263" r:id="rId16"/>
+    <p:sldId id="271" r:id="rId17"/>
+    <p:sldId id="273" r:id="rId18"/>
+    <p:sldId id="274" r:id="rId19"/>
+    <p:sldId id="275" r:id="rId20"/>
+    <p:sldId id="276" r:id="rId21"/>
+    <p:sldId id="277" r:id="rId22"/>
+    <p:sldId id="278" r:id="rId23"/>
+    <p:sldId id="279" r:id="rId24"/>
+    <p:sldId id="280" r:id="rId25"/>
+    <p:sldId id="281" r:id="rId26"/>
+    <p:sldId id="282" r:id="rId27"/>
+    <p:sldId id="283" r:id="rId28"/>
+    <p:sldId id="284" r:id="rId29"/>
   </p:sldIdLst>
   <p:sldSz cx="9144000" cy="6858000" type="screen4x3"/>
   <p:notesSz cx="6858000" cy="9144000"/>
@@ -169,6 +182,19 @@
         <p14:section name="7.Реализация" id="{8E042968-4A1C-4DBB-B2D0-A7C988269CFB}">
           <p14:sldIdLst>
             <p14:sldId id="263"/>
+            <p14:sldId id="271"/>
+            <p14:sldId id="273"/>
+            <p14:sldId id="274"/>
+            <p14:sldId id="275"/>
+            <p14:sldId id="276"/>
+            <p14:sldId id="277"/>
+            <p14:sldId id="278"/>
+            <p14:sldId id="279"/>
+            <p14:sldId id="280"/>
+            <p14:sldId id="281"/>
+            <p14:sldId id="282"/>
+            <p14:sldId id="283"/>
+            <p14:sldId id="284"/>
           </p14:sldIdLst>
         </p14:section>
       </p14:sectionLst>
@@ -3563,6 +3589,13 @@
   <p:clrMapOvr>
     <a:masterClrMapping/>
   </p:clrMapOvr>
+  <p:timing>
+    <p:tnLst>
+      <p:par>
+        <p:cTn id="1" dur="indefinite" restart="never" nodeType="tmRoot"/>
+      </p:par>
+    </p:tnLst>
+  </p:timing>
 </p:sld>
 </file>
 
@@ -3809,6 +3842,13 @@
   <p:clrMapOvr>
     <a:masterClrMapping/>
   </p:clrMapOvr>
+  <p:timing>
+    <p:tnLst>
+      <p:par>
+        <p:cTn id="1" dur="indefinite" restart="never" nodeType="tmRoot"/>
+      </p:par>
+    </p:tnLst>
+  </p:timing>
 </p:sld>
 </file>
 
@@ -4768,6 +4808,13 @@
   <p:clrMapOvr>
     <a:masterClrMapping/>
   </p:clrMapOvr>
+  <p:timing>
+    <p:tnLst>
+      <p:par>
+        <p:cTn id="1" dur="indefinite" restart="never" nodeType="tmRoot"/>
+      </p:par>
+    </p:tnLst>
+  </p:timing>
 </p:sld>
 </file>
 
@@ -4788,6 +4835,58 @@
           <a:chExt cx="0" cy="0"/>
         </a:xfrm>
       </p:grpSpPr>
+      <p:sp>
+        <p:nvSpPr>
+          <p:cNvPr id="2" name="Заголовок 1"/>
+          <p:cNvSpPr>
+            <a:spLocks noGrp="1"/>
+          </p:cNvSpPr>
+          <p:nvPr>
+            <p:ph type="title"/>
+          </p:nvPr>
+        </p:nvSpPr>
+        <p:spPr/>
+        <p:txBody>
+          <a:bodyPr/>
+          <a:lstStyle/>
+          <a:p>
+            <a:r>
+              <a:rPr lang="ru-RU" dirty="0" smtClean="0"/>
+              <a:t>Диаграмма таблиц БД</a:t>
+            </a:r>
+            <a:endParaRPr lang="ru-RU" dirty="0"/>
+          </a:p>
+        </p:txBody>
+      </p:sp>
+      <p:pic>
+        <p:nvPicPr>
+          <p:cNvPr id="8" name="Объект 7"/>
+          <p:cNvPicPr>
+            <a:picLocks noGrp="1" noChangeAspect="1"/>
+          </p:cNvPicPr>
+          <p:nvPr>
+            <p:ph idx="1"/>
+          </p:nvPr>
+        </p:nvPicPr>
+        <p:blipFill>
+          <a:blip r:embed="rId2">
+            <a:extLst>
+              <a:ext uri="{28A0092B-C50C-407E-A947-70E740481C1C}">
+                <a14:useLocalDpi xmlns:a14="http://schemas.microsoft.com/office/drawing/2010/main" val="0"/>
+              </a:ext>
+            </a:extLst>
+          </a:blip>
+          <a:stretch>
+            <a:fillRect/>
+          </a:stretch>
+        </p:blipFill>
+        <p:spPr>
+          <a:xfrm>
+            <a:off x="476252" y="1600200"/>
+            <a:ext cx="8191496" cy="4525963"/>
+          </a:xfrm>
+        </p:spPr>
+      </p:pic>
     </p:spTree>
     <p:extLst>
       <p:ext uri="{BB962C8B-B14F-4D97-AF65-F5344CB8AC3E}">
@@ -4798,6 +4897,369 @@
   <p:clrMapOvr>
     <a:masterClrMapping/>
   </p:clrMapOvr>
+  <p:timing>
+    <p:tnLst>
+      <p:par>
+        <p:cTn id="1" dur="indefinite" restart="never" nodeType="tmRoot"/>
+      </p:par>
+    </p:tnLst>
+  </p:timing>
+</p:sld>
+</file>
+
+<file path=ppt/slides/slide16.xml><?xml version="1.0" encoding="utf-8"?>
+<p:sld xmlns:a="http://schemas.openxmlformats.org/drawingml/2006/main" xmlns:r="http://schemas.openxmlformats.org/officeDocument/2006/relationships" xmlns:p="http://schemas.openxmlformats.org/presentationml/2006/main">
+  <p:cSld>
+    <p:spTree>
+      <p:nvGrpSpPr>
+        <p:cNvPr id="1" name=""/>
+        <p:cNvGrpSpPr/>
+        <p:nvPr/>
+      </p:nvGrpSpPr>
+      <p:grpSpPr>
+        <a:xfrm>
+          <a:off x="0" y="0"/>
+          <a:ext cx="0" cy="0"/>
+          <a:chOff x="0" y="0"/>
+          <a:chExt cx="0" cy="0"/>
+        </a:xfrm>
+      </p:grpSpPr>
+      <p:sp>
+        <p:nvSpPr>
+          <p:cNvPr id="4" name="Заголовок 3"/>
+          <p:cNvSpPr>
+            <a:spLocks noGrp="1"/>
+          </p:cNvSpPr>
+          <p:nvPr>
+            <p:ph type="title"/>
+          </p:nvPr>
+        </p:nvSpPr>
+        <p:spPr/>
+        <p:txBody>
+          <a:bodyPr/>
+          <a:lstStyle/>
+          <a:p>
+            <a:r>
+              <a:rPr lang="ru-RU" dirty="0" smtClean="0"/>
+              <a:t>экранные формы</a:t>
+            </a:r>
+            <a:endParaRPr lang="ru-RU" dirty="0"/>
+          </a:p>
+        </p:txBody>
+      </p:sp>
+      <p:sp>
+        <p:nvSpPr>
+          <p:cNvPr id="5" name="Текст 4"/>
+          <p:cNvSpPr>
+            <a:spLocks noGrp="1"/>
+          </p:cNvSpPr>
+          <p:nvPr>
+            <p:ph type="body" idx="1"/>
+          </p:nvPr>
+        </p:nvSpPr>
+        <p:spPr/>
+        <p:txBody>
+          <a:bodyPr/>
+          <a:lstStyle/>
+          <a:p>
+            <a:r>
+              <a:rPr lang="en-US" dirty="0" smtClean="0"/>
+              <a:t>WEB-</a:t>
+            </a:r>
+            <a:r>
+              <a:rPr lang="ru-RU" dirty="0" smtClean="0"/>
+              <a:t>приложение (для пациентов и удаленного доступа)</a:t>
+            </a:r>
+            <a:endParaRPr lang="ru-RU" dirty="0"/>
+          </a:p>
+        </p:txBody>
+      </p:sp>
+    </p:spTree>
+    <p:extLst>
+      <p:ext uri="{BB962C8B-B14F-4D97-AF65-F5344CB8AC3E}">
+        <p14:creationId xmlns:p14="http://schemas.microsoft.com/office/powerpoint/2010/main" val="2648294486"/>
+      </p:ext>
+    </p:extLst>
+  </p:cSld>
+  <p:clrMapOvr>
+    <a:masterClrMapping/>
+  </p:clrMapOvr>
+  <p:timing>
+    <p:tnLst>
+      <p:par>
+        <p:cTn id="1" dur="indefinite" restart="never" nodeType="tmRoot"/>
+      </p:par>
+    </p:tnLst>
+  </p:timing>
+</p:sld>
+</file>
+
+<file path=ppt/slides/slide17.xml><?xml version="1.0" encoding="utf-8"?>
+<p:sld xmlns:a="http://schemas.openxmlformats.org/drawingml/2006/main" xmlns:r="http://schemas.openxmlformats.org/officeDocument/2006/relationships" xmlns:p="http://schemas.openxmlformats.org/presentationml/2006/main">
+  <p:cSld>
+    <p:spTree>
+      <p:nvGrpSpPr>
+        <p:cNvPr id="1" name=""/>
+        <p:cNvGrpSpPr/>
+        <p:nvPr/>
+      </p:nvGrpSpPr>
+      <p:grpSpPr>
+        <a:xfrm>
+          <a:off x="0" y="0"/>
+          <a:ext cx="0" cy="0"/>
+          <a:chOff x="0" y="0"/>
+          <a:chExt cx="0" cy="0"/>
+        </a:xfrm>
+      </p:grpSpPr>
+      <p:sp>
+        <p:nvSpPr>
+          <p:cNvPr id="4" name="Заголовок 3"/>
+          <p:cNvSpPr>
+            <a:spLocks noGrp="1"/>
+          </p:cNvSpPr>
+          <p:nvPr>
+            <p:ph type="title"/>
+          </p:nvPr>
+        </p:nvSpPr>
+        <p:spPr/>
+        <p:txBody>
+          <a:bodyPr/>
+          <a:lstStyle/>
+          <a:p>
+            <a:r>
+              <a:rPr lang="ru-RU" dirty="0" smtClean="0"/>
+              <a:t>Вход в систему</a:t>
+            </a:r>
+            <a:endParaRPr lang="ru-RU" dirty="0"/>
+          </a:p>
+        </p:txBody>
+      </p:sp>
+      <p:pic>
+        <p:nvPicPr>
+          <p:cNvPr id="8" name="Объект 7"/>
+          <p:cNvPicPr>
+            <a:picLocks noGrp="1" noChangeAspect="1"/>
+          </p:cNvPicPr>
+          <p:nvPr>
+            <p:ph idx="1"/>
+          </p:nvPr>
+        </p:nvPicPr>
+        <p:blipFill>
+          <a:blip r:embed="rId2">
+            <a:extLst>
+              <a:ext uri="{28A0092B-C50C-407E-A947-70E740481C1C}">
+                <a14:useLocalDpi xmlns:a14="http://schemas.microsoft.com/office/drawing/2010/main" val="0"/>
+              </a:ext>
+            </a:extLst>
+          </a:blip>
+          <a:stretch>
+            <a:fillRect/>
+          </a:stretch>
+        </p:blipFill>
+        <p:spPr>
+          <a:xfrm>
+            <a:off x="1389261" y="1600200"/>
+            <a:ext cx="6365478" cy="4525963"/>
+          </a:xfrm>
+        </p:spPr>
+      </p:pic>
+    </p:spTree>
+    <p:extLst>
+      <p:ext uri="{BB962C8B-B14F-4D97-AF65-F5344CB8AC3E}">
+        <p14:creationId xmlns:p14="http://schemas.microsoft.com/office/powerpoint/2010/main" val="611299907"/>
+      </p:ext>
+    </p:extLst>
+  </p:cSld>
+  <p:clrMapOvr>
+    <a:masterClrMapping/>
+  </p:clrMapOvr>
+  <p:timing>
+    <p:tnLst>
+      <p:par>
+        <p:cTn id="1" dur="indefinite" restart="never" nodeType="tmRoot"/>
+      </p:par>
+    </p:tnLst>
+  </p:timing>
+</p:sld>
+</file>
+
+<file path=ppt/slides/slide18.xml><?xml version="1.0" encoding="utf-8"?>
+<p:sld xmlns:a="http://schemas.openxmlformats.org/drawingml/2006/main" xmlns:r="http://schemas.openxmlformats.org/officeDocument/2006/relationships" xmlns:p="http://schemas.openxmlformats.org/presentationml/2006/main">
+  <p:cSld>
+    <p:spTree>
+      <p:nvGrpSpPr>
+        <p:cNvPr id="1" name=""/>
+        <p:cNvGrpSpPr/>
+        <p:nvPr/>
+      </p:nvGrpSpPr>
+      <p:grpSpPr>
+        <a:xfrm>
+          <a:off x="0" y="0"/>
+          <a:ext cx="0" cy="0"/>
+          <a:chOff x="0" y="0"/>
+          <a:chExt cx="0" cy="0"/>
+        </a:xfrm>
+      </p:grpSpPr>
+      <p:sp>
+        <p:nvSpPr>
+          <p:cNvPr id="2" name="Заголовок 1"/>
+          <p:cNvSpPr>
+            <a:spLocks noGrp="1"/>
+          </p:cNvSpPr>
+          <p:nvPr>
+            <p:ph type="title"/>
+          </p:nvPr>
+        </p:nvSpPr>
+        <p:spPr/>
+        <p:txBody>
+          <a:bodyPr/>
+          <a:lstStyle/>
+          <a:p>
+            <a:r>
+              <a:rPr lang="ru-RU" dirty="0" smtClean="0"/>
+              <a:t>Подача заявки</a:t>
+            </a:r>
+            <a:endParaRPr lang="ru-RU" dirty="0"/>
+          </a:p>
+        </p:txBody>
+      </p:sp>
+      <p:pic>
+        <p:nvPicPr>
+          <p:cNvPr id="4" name="Объект 3"/>
+          <p:cNvPicPr>
+            <a:picLocks noGrp="1" noChangeAspect="1"/>
+          </p:cNvPicPr>
+          <p:nvPr>
+            <p:ph idx="1"/>
+          </p:nvPr>
+        </p:nvPicPr>
+        <p:blipFill>
+          <a:blip r:embed="rId2">
+            <a:extLst>
+              <a:ext uri="{28A0092B-C50C-407E-A947-70E740481C1C}">
+                <a14:useLocalDpi xmlns:a14="http://schemas.microsoft.com/office/drawing/2010/main" val="0"/>
+              </a:ext>
+            </a:extLst>
+          </a:blip>
+          <a:stretch>
+            <a:fillRect/>
+          </a:stretch>
+        </p:blipFill>
+        <p:spPr>
+          <a:xfrm>
+            <a:off x="1389261" y="1600200"/>
+            <a:ext cx="6365478" cy="4525963"/>
+          </a:xfrm>
+        </p:spPr>
+      </p:pic>
+    </p:spTree>
+    <p:extLst>
+      <p:ext uri="{BB962C8B-B14F-4D97-AF65-F5344CB8AC3E}">
+        <p14:creationId xmlns:p14="http://schemas.microsoft.com/office/powerpoint/2010/main" val="3715821059"/>
+      </p:ext>
+    </p:extLst>
+  </p:cSld>
+  <p:clrMapOvr>
+    <a:masterClrMapping/>
+  </p:clrMapOvr>
+  <p:timing>
+    <p:tnLst>
+      <p:par>
+        <p:cTn id="1" dur="indefinite" restart="never" nodeType="tmRoot"/>
+      </p:par>
+    </p:tnLst>
+  </p:timing>
+</p:sld>
+</file>
+
+<file path=ppt/slides/slide19.xml><?xml version="1.0" encoding="utf-8"?>
+<p:sld xmlns:a="http://schemas.openxmlformats.org/drawingml/2006/main" xmlns:r="http://schemas.openxmlformats.org/officeDocument/2006/relationships" xmlns:p="http://schemas.openxmlformats.org/presentationml/2006/main">
+  <p:cSld>
+    <p:spTree>
+      <p:nvGrpSpPr>
+        <p:cNvPr id="1" name=""/>
+        <p:cNvGrpSpPr/>
+        <p:nvPr/>
+      </p:nvGrpSpPr>
+      <p:grpSpPr>
+        <a:xfrm>
+          <a:off x="0" y="0"/>
+          <a:ext cx="0" cy="0"/>
+          <a:chOff x="0" y="0"/>
+          <a:chExt cx="0" cy="0"/>
+        </a:xfrm>
+      </p:grpSpPr>
+      <p:sp>
+        <p:nvSpPr>
+          <p:cNvPr id="2" name="Заголовок 1"/>
+          <p:cNvSpPr>
+            <a:spLocks noGrp="1"/>
+          </p:cNvSpPr>
+          <p:nvPr>
+            <p:ph type="title"/>
+          </p:nvPr>
+        </p:nvSpPr>
+        <p:spPr/>
+        <p:txBody>
+          <a:bodyPr>
+            <a:normAutofit fontScale="90000"/>
+          </a:bodyPr>
+          <a:lstStyle/>
+          <a:p>
+            <a:r>
+              <a:rPr lang="ru-RU" dirty="0" smtClean="0"/>
+              <a:t>Подтверждение о подаче заявки</a:t>
+            </a:r>
+            <a:endParaRPr lang="ru-RU" dirty="0"/>
+          </a:p>
+        </p:txBody>
+      </p:sp>
+      <p:pic>
+        <p:nvPicPr>
+          <p:cNvPr id="4" name="Объект 3"/>
+          <p:cNvPicPr>
+            <a:picLocks noGrp="1" noChangeAspect="1"/>
+          </p:cNvPicPr>
+          <p:nvPr>
+            <p:ph idx="1"/>
+          </p:nvPr>
+        </p:nvPicPr>
+        <p:blipFill>
+          <a:blip r:embed="rId2">
+            <a:extLst>
+              <a:ext uri="{28A0092B-C50C-407E-A947-70E740481C1C}">
+                <a14:useLocalDpi xmlns:a14="http://schemas.microsoft.com/office/drawing/2010/main" val="0"/>
+              </a:ext>
+            </a:extLst>
+          </a:blip>
+          <a:stretch>
+            <a:fillRect/>
+          </a:stretch>
+        </p:blipFill>
+        <p:spPr>
+          <a:xfrm>
+            <a:off x="1389261" y="1600200"/>
+            <a:ext cx="6365478" cy="4525963"/>
+          </a:xfrm>
+        </p:spPr>
+      </p:pic>
+    </p:spTree>
+    <p:extLst>
+      <p:ext uri="{BB962C8B-B14F-4D97-AF65-F5344CB8AC3E}">
+        <p14:creationId xmlns:p14="http://schemas.microsoft.com/office/powerpoint/2010/main" val="4077398421"/>
+      </p:ext>
+    </p:extLst>
+  </p:cSld>
+  <p:clrMapOvr>
+    <a:masterClrMapping/>
+  </p:clrMapOvr>
+  <p:timing>
+    <p:tnLst>
+      <p:par>
+        <p:cTn id="1" dur="indefinite" restart="never" nodeType="tmRoot"/>
+      </p:par>
+    </p:tnLst>
+  </p:timing>
 </p:sld>
 </file>
 
@@ -4878,6 +5340,814 @@
   <p:clrMapOvr>
     <a:masterClrMapping/>
   </p:clrMapOvr>
+  <p:timing>
+    <p:tnLst>
+      <p:par>
+        <p:cTn id="1" dur="indefinite" restart="never" nodeType="tmRoot"/>
+      </p:par>
+    </p:tnLst>
+  </p:timing>
+</p:sld>
+</file>
+
+<file path=ppt/slides/slide20.xml><?xml version="1.0" encoding="utf-8"?>
+<p:sld xmlns:a="http://schemas.openxmlformats.org/drawingml/2006/main" xmlns:r="http://schemas.openxmlformats.org/officeDocument/2006/relationships" xmlns:p="http://schemas.openxmlformats.org/presentationml/2006/main">
+  <p:cSld>
+    <p:spTree>
+      <p:nvGrpSpPr>
+        <p:cNvPr id="1" name=""/>
+        <p:cNvGrpSpPr/>
+        <p:nvPr/>
+      </p:nvGrpSpPr>
+      <p:grpSpPr>
+        <a:xfrm>
+          <a:off x="0" y="0"/>
+          <a:ext cx="0" cy="0"/>
+          <a:chOff x="0" y="0"/>
+          <a:chExt cx="0" cy="0"/>
+        </a:xfrm>
+      </p:grpSpPr>
+      <p:sp>
+        <p:nvSpPr>
+          <p:cNvPr id="2" name="Заголовок 1"/>
+          <p:cNvSpPr>
+            <a:spLocks noGrp="1"/>
+          </p:cNvSpPr>
+          <p:nvPr>
+            <p:ph type="title"/>
+          </p:nvPr>
+        </p:nvSpPr>
+        <p:spPr/>
+        <p:txBody>
+          <a:bodyPr/>
+          <a:lstStyle/>
+          <a:p>
+            <a:r>
+              <a:rPr lang="ru-RU" dirty="0" smtClean="0"/>
+              <a:t>Личный кабинет пациента</a:t>
+            </a:r>
+            <a:endParaRPr lang="ru-RU" dirty="0"/>
+          </a:p>
+        </p:txBody>
+      </p:sp>
+      <p:pic>
+        <p:nvPicPr>
+          <p:cNvPr id="4" name="Объект 3"/>
+          <p:cNvPicPr>
+            <a:picLocks noGrp="1" noChangeAspect="1"/>
+          </p:cNvPicPr>
+          <p:nvPr>
+            <p:ph idx="1"/>
+          </p:nvPr>
+        </p:nvPicPr>
+        <p:blipFill>
+          <a:blip r:embed="rId2">
+            <a:extLst>
+              <a:ext uri="{28A0092B-C50C-407E-A947-70E740481C1C}">
+                <a14:useLocalDpi xmlns:a14="http://schemas.microsoft.com/office/drawing/2010/main" val="0"/>
+              </a:ext>
+            </a:extLst>
+          </a:blip>
+          <a:stretch>
+            <a:fillRect/>
+          </a:stretch>
+        </p:blipFill>
+        <p:spPr>
+          <a:xfrm>
+            <a:off x="1389261" y="1600200"/>
+            <a:ext cx="6365478" cy="4525963"/>
+          </a:xfrm>
+        </p:spPr>
+      </p:pic>
+    </p:spTree>
+    <p:extLst>
+      <p:ext uri="{BB962C8B-B14F-4D97-AF65-F5344CB8AC3E}">
+        <p14:creationId xmlns:p14="http://schemas.microsoft.com/office/powerpoint/2010/main" val="3016483196"/>
+      </p:ext>
+    </p:extLst>
+  </p:cSld>
+  <p:clrMapOvr>
+    <a:masterClrMapping/>
+  </p:clrMapOvr>
+  <p:timing>
+    <p:tnLst>
+      <p:par>
+        <p:cTn id="1" dur="indefinite" restart="never" nodeType="tmRoot"/>
+      </p:par>
+    </p:tnLst>
+  </p:timing>
+</p:sld>
+</file>
+
+<file path=ppt/slides/slide21.xml><?xml version="1.0" encoding="utf-8"?>
+<p:sld xmlns:a="http://schemas.openxmlformats.org/drawingml/2006/main" xmlns:r="http://schemas.openxmlformats.org/officeDocument/2006/relationships" xmlns:p="http://schemas.openxmlformats.org/presentationml/2006/main">
+  <p:cSld>
+    <p:spTree>
+      <p:nvGrpSpPr>
+        <p:cNvPr id="1" name=""/>
+        <p:cNvGrpSpPr/>
+        <p:nvPr/>
+      </p:nvGrpSpPr>
+      <p:grpSpPr>
+        <a:xfrm>
+          <a:off x="0" y="0"/>
+          <a:ext cx="0" cy="0"/>
+          <a:chOff x="0" y="0"/>
+          <a:chExt cx="0" cy="0"/>
+        </a:xfrm>
+      </p:grpSpPr>
+      <p:sp>
+        <p:nvSpPr>
+          <p:cNvPr id="2" name="Заголовок 1"/>
+          <p:cNvSpPr>
+            <a:spLocks noGrp="1"/>
+          </p:cNvSpPr>
+          <p:nvPr>
+            <p:ph type="title"/>
+          </p:nvPr>
+        </p:nvSpPr>
+        <p:spPr/>
+        <p:txBody>
+          <a:bodyPr/>
+          <a:lstStyle/>
+          <a:p>
+            <a:r>
+              <a:rPr lang="ru-RU" dirty="0" smtClean="0"/>
+              <a:t>Личный кабинет пациента</a:t>
+            </a:r>
+            <a:endParaRPr lang="ru-RU" dirty="0"/>
+          </a:p>
+        </p:txBody>
+      </p:sp>
+      <p:pic>
+        <p:nvPicPr>
+          <p:cNvPr id="4" name="Объект 3"/>
+          <p:cNvPicPr>
+            <a:picLocks noGrp="1" noChangeAspect="1"/>
+          </p:cNvPicPr>
+          <p:nvPr>
+            <p:ph idx="1"/>
+          </p:nvPr>
+        </p:nvPicPr>
+        <p:blipFill>
+          <a:blip r:embed="rId2">
+            <a:extLst>
+              <a:ext uri="{28A0092B-C50C-407E-A947-70E740481C1C}">
+                <a14:useLocalDpi xmlns:a14="http://schemas.microsoft.com/office/drawing/2010/main" val="0"/>
+              </a:ext>
+            </a:extLst>
+          </a:blip>
+          <a:stretch>
+            <a:fillRect/>
+          </a:stretch>
+        </p:blipFill>
+        <p:spPr>
+          <a:xfrm>
+            <a:off x="1389261" y="1600200"/>
+            <a:ext cx="6365478" cy="4525963"/>
+          </a:xfrm>
+        </p:spPr>
+      </p:pic>
+    </p:spTree>
+    <p:extLst>
+      <p:ext uri="{BB962C8B-B14F-4D97-AF65-F5344CB8AC3E}">
+        <p14:creationId xmlns:p14="http://schemas.microsoft.com/office/powerpoint/2010/main" val="3530819822"/>
+      </p:ext>
+    </p:extLst>
+  </p:cSld>
+  <p:clrMapOvr>
+    <a:masterClrMapping/>
+  </p:clrMapOvr>
+  <p:timing>
+    <p:tnLst>
+      <p:par>
+        <p:cTn id="1" dur="indefinite" restart="never" nodeType="tmRoot"/>
+      </p:par>
+    </p:tnLst>
+  </p:timing>
+</p:sld>
+</file>
+
+<file path=ppt/slides/slide22.xml><?xml version="1.0" encoding="utf-8"?>
+<p:sld xmlns:a="http://schemas.openxmlformats.org/drawingml/2006/main" xmlns:r="http://schemas.openxmlformats.org/officeDocument/2006/relationships" xmlns:p="http://schemas.openxmlformats.org/presentationml/2006/main">
+  <p:cSld>
+    <p:spTree>
+      <p:nvGrpSpPr>
+        <p:cNvPr id="1" name=""/>
+        <p:cNvGrpSpPr/>
+        <p:nvPr/>
+      </p:nvGrpSpPr>
+      <p:grpSpPr>
+        <a:xfrm>
+          <a:off x="0" y="0"/>
+          <a:ext cx="0" cy="0"/>
+          <a:chOff x="0" y="0"/>
+          <a:chExt cx="0" cy="0"/>
+        </a:xfrm>
+      </p:grpSpPr>
+      <p:sp>
+        <p:nvSpPr>
+          <p:cNvPr id="2" name="Заголовок 1"/>
+          <p:cNvSpPr>
+            <a:spLocks noGrp="1"/>
+          </p:cNvSpPr>
+          <p:nvPr>
+            <p:ph type="title"/>
+          </p:nvPr>
+        </p:nvSpPr>
+        <p:spPr/>
+        <p:txBody>
+          <a:bodyPr/>
+          <a:lstStyle/>
+          <a:p>
+            <a:r>
+              <a:rPr lang="ru-RU" dirty="0" smtClean="0"/>
+              <a:t>Ввод параметров</a:t>
+            </a:r>
+            <a:endParaRPr lang="ru-RU" dirty="0"/>
+          </a:p>
+        </p:txBody>
+      </p:sp>
+      <p:pic>
+        <p:nvPicPr>
+          <p:cNvPr id="4" name="Объект 3"/>
+          <p:cNvPicPr>
+            <a:picLocks noGrp="1" noChangeAspect="1"/>
+          </p:cNvPicPr>
+          <p:nvPr>
+            <p:ph idx="1"/>
+          </p:nvPr>
+        </p:nvPicPr>
+        <p:blipFill>
+          <a:blip r:embed="rId2">
+            <a:extLst>
+              <a:ext uri="{28A0092B-C50C-407E-A947-70E740481C1C}">
+                <a14:useLocalDpi xmlns:a14="http://schemas.microsoft.com/office/drawing/2010/main" val="0"/>
+              </a:ext>
+            </a:extLst>
+          </a:blip>
+          <a:stretch>
+            <a:fillRect/>
+          </a:stretch>
+        </p:blipFill>
+        <p:spPr>
+          <a:xfrm>
+            <a:off x="1389261" y="1600200"/>
+            <a:ext cx="6365478" cy="4525963"/>
+          </a:xfrm>
+        </p:spPr>
+      </p:pic>
+    </p:spTree>
+    <p:extLst>
+      <p:ext uri="{BB962C8B-B14F-4D97-AF65-F5344CB8AC3E}">
+        <p14:creationId xmlns:p14="http://schemas.microsoft.com/office/powerpoint/2010/main" val="2929133395"/>
+      </p:ext>
+    </p:extLst>
+  </p:cSld>
+  <p:clrMapOvr>
+    <a:masterClrMapping/>
+  </p:clrMapOvr>
+  <p:timing>
+    <p:tnLst>
+      <p:par>
+        <p:cTn id="1" dur="indefinite" restart="never" nodeType="tmRoot"/>
+      </p:par>
+    </p:tnLst>
+  </p:timing>
+</p:sld>
+</file>
+
+<file path=ppt/slides/slide23.xml><?xml version="1.0" encoding="utf-8"?>
+<p:sld xmlns:a="http://schemas.openxmlformats.org/drawingml/2006/main" xmlns:r="http://schemas.openxmlformats.org/officeDocument/2006/relationships" xmlns:p="http://schemas.openxmlformats.org/presentationml/2006/main">
+  <p:cSld>
+    <p:spTree>
+      <p:nvGrpSpPr>
+        <p:cNvPr id="1" name=""/>
+        <p:cNvGrpSpPr/>
+        <p:nvPr/>
+      </p:nvGrpSpPr>
+      <p:grpSpPr>
+        <a:xfrm>
+          <a:off x="0" y="0"/>
+          <a:ext cx="0" cy="0"/>
+          <a:chOff x="0" y="0"/>
+          <a:chExt cx="0" cy="0"/>
+        </a:xfrm>
+      </p:grpSpPr>
+      <p:sp>
+        <p:nvSpPr>
+          <p:cNvPr id="2" name="Заголовок 1"/>
+          <p:cNvSpPr>
+            <a:spLocks noGrp="1"/>
+          </p:cNvSpPr>
+          <p:nvPr>
+            <p:ph type="title"/>
+          </p:nvPr>
+        </p:nvSpPr>
+        <p:spPr/>
+        <p:txBody>
+          <a:bodyPr/>
+          <a:lstStyle/>
+          <a:p>
+            <a:r>
+              <a:rPr lang="ru-RU" dirty="0" smtClean="0"/>
+              <a:t>Общение с врачом</a:t>
+            </a:r>
+            <a:endParaRPr lang="ru-RU" dirty="0"/>
+          </a:p>
+        </p:txBody>
+      </p:sp>
+      <p:pic>
+        <p:nvPicPr>
+          <p:cNvPr id="4" name="Объект 3"/>
+          <p:cNvPicPr>
+            <a:picLocks noGrp="1" noChangeAspect="1"/>
+          </p:cNvPicPr>
+          <p:nvPr>
+            <p:ph idx="1"/>
+          </p:nvPr>
+        </p:nvPicPr>
+        <p:blipFill>
+          <a:blip r:embed="rId2">
+            <a:extLst>
+              <a:ext uri="{28A0092B-C50C-407E-A947-70E740481C1C}">
+                <a14:useLocalDpi xmlns:a14="http://schemas.microsoft.com/office/drawing/2010/main" val="0"/>
+              </a:ext>
+            </a:extLst>
+          </a:blip>
+          <a:stretch>
+            <a:fillRect/>
+          </a:stretch>
+        </p:blipFill>
+        <p:spPr>
+          <a:xfrm>
+            <a:off x="1389261" y="1600200"/>
+            <a:ext cx="6365478" cy="4525963"/>
+          </a:xfrm>
+        </p:spPr>
+      </p:pic>
+    </p:spTree>
+    <p:extLst>
+      <p:ext uri="{BB962C8B-B14F-4D97-AF65-F5344CB8AC3E}">
+        <p14:creationId xmlns:p14="http://schemas.microsoft.com/office/powerpoint/2010/main" val="3589858234"/>
+      </p:ext>
+    </p:extLst>
+  </p:cSld>
+  <p:clrMapOvr>
+    <a:masterClrMapping/>
+  </p:clrMapOvr>
+  <p:timing>
+    <p:tnLst>
+      <p:par>
+        <p:cTn id="1" dur="indefinite" restart="never" nodeType="tmRoot"/>
+      </p:par>
+    </p:tnLst>
+  </p:timing>
+</p:sld>
+</file>
+
+<file path=ppt/slides/slide24.xml><?xml version="1.0" encoding="utf-8"?>
+<p:sld xmlns:a="http://schemas.openxmlformats.org/drawingml/2006/main" xmlns:r="http://schemas.openxmlformats.org/officeDocument/2006/relationships" xmlns:p="http://schemas.openxmlformats.org/presentationml/2006/main">
+  <p:cSld>
+    <p:spTree>
+      <p:nvGrpSpPr>
+        <p:cNvPr id="1" name=""/>
+        <p:cNvGrpSpPr/>
+        <p:nvPr/>
+      </p:nvGrpSpPr>
+      <p:grpSpPr>
+        <a:xfrm>
+          <a:off x="0" y="0"/>
+          <a:ext cx="0" cy="0"/>
+          <a:chOff x="0" y="0"/>
+          <a:chExt cx="0" cy="0"/>
+        </a:xfrm>
+      </p:grpSpPr>
+      <p:sp>
+        <p:nvSpPr>
+          <p:cNvPr id="4" name="Заголовок 3"/>
+          <p:cNvSpPr>
+            <a:spLocks noGrp="1"/>
+          </p:cNvSpPr>
+          <p:nvPr>
+            <p:ph type="title"/>
+          </p:nvPr>
+        </p:nvSpPr>
+        <p:spPr/>
+        <p:txBody>
+          <a:bodyPr/>
+          <a:lstStyle/>
+          <a:p>
+            <a:r>
+              <a:rPr lang="ru-RU" dirty="0" smtClean="0"/>
+              <a:t>Экранные формы</a:t>
+            </a:r>
+            <a:endParaRPr lang="ru-RU" dirty="0"/>
+          </a:p>
+        </p:txBody>
+      </p:sp>
+      <p:sp>
+        <p:nvSpPr>
+          <p:cNvPr id="5" name="Текст 4"/>
+          <p:cNvSpPr>
+            <a:spLocks noGrp="1"/>
+          </p:cNvSpPr>
+          <p:nvPr>
+            <p:ph type="body" idx="1"/>
+          </p:nvPr>
+        </p:nvSpPr>
+        <p:spPr/>
+        <p:txBody>
+          <a:bodyPr/>
+          <a:lstStyle/>
+          <a:p>
+            <a:r>
+              <a:rPr lang="en-US" dirty="0" smtClean="0"/>
+              <a:t>Desktop-</a:t>
+            </a:r>
+            <a:r>
+              <a:rPr lang="ru-RU" dirty="0" smtClean="0"/>
+              <a:t>приложение управления и поддержки</a:t>
+            </a:r>
+            <a:endParaRPr lang="ru-RU" dirty="0"/>
+          </a:p>
+        </p:txBody>
+      </p:sp>
+    </p:spTree>
+    <p:extLst>
+      <p:ext uri="{BB962C8B-B14F-4D97-AF65-F5344CB8AC3E}">
+        <p14:creationId xmlns:p14="http://schemas.microsoft.com/office/powerpoint/2010/main" val="71653565"/>
+      </p:ext>
+    </p:extLst>
+  </p:cSld>
+  <p:clrMapOvr>
+    <a:masterClrMapping/>
+  </p:clrMapOvr>
+  <p:timing>
+    <p:tnLst>
+      <p:par>
+        <p:cTn id="1" dur="indefinite" restart="never" nodeType="tmRoot"/>
+      </p:par>
+    </p:tnLst>
+  </p:timing>
+</p:sld>
+</file>
+
+<file path=ppt/slides/slide25.xml><?xml version="1.0" encoding="utf-8"?>
+<p:sld xmlns:a="http://schemas.openxmlformats.org/drawingml/2006/main" xmlns:r="http://schemas.openxmlformats.org/officeDocument/2006/relationships" xmlns:p="http://schemas.openxmlformats.org/presentationml/2006/main">
+  <p:cSld>
+    <p:spTree>
+      <p:nvGrpSpPr>
+        <p:cNvPr id="1" name=""/>
+        <p:cNvGrpSpPr/>
+        <p:nvPr/>
+      </p:nvGrpSpPr>
+      <p:grpSpPr>
+        <a:xfrm>
+          <a:off x="0" y="0"/>
+          <a:ext cx="0" cy="0"/>
+          <a:chOff x="0" y="0"/>
+          <a:chExt cx="0" cy="0"/>
+        </a:xfrm>
+      </p:grpSpPr>
+      <p:sp>
+        <p:nvSpPr>
+          <p:cNvPr id="4" name="Заголовок 3"/>
+          <p:cNvSpPr>
+            <a:spLocks noGrp="1"/>
+          </p:cNvSpPr>
+          <p:nvPr>
+            <p:ph type="title"/>
+          </p:nvPr>
+        </p:nvSpPr>
+        <p:spPr/>
+        <p:txBody>
+          <a:bodyPr/>
+          <a:lstStyle/>
+          <a:p>
+            <a:r>
+              <a:rPr lang="ru-RU" dirty="0" smtClean="0"/>
+              <a:t>Список пользователей</a:t>
+            </a:r>
+            <a:endParaRPr lang="ru-RU" dirty="0"/>
+          </a:p>
+        </p:txBody>
+      </p:sp>
+      <p:pic>
+        <p:nvPicPr>
+          <p:cNvPr id="6" name="Объект 5"/>
+          <p:cNvPicPr>
+            <a:picLocks noGrp="1" noChangeAspect="1"/>
+          </p:cNvPicPr>
+          <p:nvPr>
+            <p:ph idx="1"/>
+          </p:nvPr>
+        </p:nvPicPr>
+        <p:blipFill>
+          <a:blip r:embed="rId2">
+            <a:extLst>
+              <a:ext uri="{28A0092B-C50C-407E-A947-70E740481C1C}">
+                <a14:useLocalDpi xmlns:a14="http://schemas.microsoft.com/office/drawing/2010/main" val="0"/>
+              </a:ext>
+            </a:extLst>
+          </a:blip>
+          <a:stretch>
+            <a:fillRect/>
+          </a:stretch>
+        </p:blipFill>
+        <p:spPr>
+          <a:xfrm>
+            <a:off x="1359454" y="1600200"/>
+            <a:ext cx="6425092" cy="4525963"/>
+          </a:xfrm>
+        </p:spPr>
+      </p:pic>
+    </p:spTree>
+    <p:extLst>
+      <p:ext uri="{BB962C8B-B14F-4D97-AF65-F5344CB8AC3E}">
+        <p14:creationId xmlns:p14="http://schemas.microsoft.com/office/powerpoint/2010/main" val="2483340433"/>
+      </p:ext>
+    </p:extLst>
+  </p:cSld>
+  <p:clrMapOvr>
+    <a:masterClrMapping/>
+  </p:clrMapOvr>
+  <p:timing>
+    <p:tnLst>
+      <p:par>
+        <p:cTn id="1" dur="indefinite" restart="never" nodeType="tmRoot"/>
+      </p:par>
+    </p:tnLst>
+  </p:timing>
+</p:sld>
+</file>
+
+<file path=ppt/slides/slide26.xml><?xml version="1.0" encoding="utf-8"?>
+<p:sld xmlns:a="http://schemas.openxmlformats.org/drawingml/2006/main" xmlns:r="http://schemas.openxmlformats.org/officeDocument/2006/relationships" xmlns:p="http://schemas.openxmlformats.org/presentationml/2006/main">
+  <p:cSld>
+    <p:spTree>
+      <p:nvGrpSpPr>
+        <p:cNvPr id="1" name=""/>
+        <p:cNvGrpSpPr/>
+        <p:nvPr/>
+      </p:nvGrpSpPr>
+      <p:grpSpPr>
+        <a:xfrm>
+          <a:off x="0" y="0"/>
+          <a:ext cx="0" cy="0"/>
+          <a:chOff x="0" y="0"/>
+          <a:chExt cx="0" cy="0"/>
+        </a:xfrm>
+      </p:grpSpPr>
+      <p:sp>
+        <p:nvSpPr>
+          <p:cNvPr id="2" name="Заголовок 1"/>
+          <p:cNvSpPr>
+            <a:spLocks noGrp="1"/>
+          </p:cNvSpPr>
+          <p:nvPr>
+            <p:ph type="title"/>
+          </p:nvPr>
+        </p:nvSpPr>
+        <p:spPr/>
+        <p:txBody>
+          <a:bodyPr/>
+          <a:lstStyle/>
+          <a:p>
+            <a:r>
+              <a:rPr lang="ru-RU" dirty="0" smtClean="0"/>
+              <a:t>Прием у врача</a:t>
+            </a:r>
+            <a:endParaRPr lang="ru-RU" dirty="0"/>
+          </a:p>
+        </p:txBody>
+      </p:sp>
+      <p:pic>
+        <p:nvPicPr>
+          <p:cNvPr id="4" name="Объект 3"/>
+          <p:cNvPicPr>
+            <a:picLocks noGrp="1" noChangeAspect="1"/>
+          </p:cNvPicPr>
+          <p:nvPr>
+            <p:ph idx="1"/>
+          </p:nvPr>
+        </p:nvPicPr>
+        <p:blipFill>
+          <a:blip r:embed="rId2">
+            <a:extLst>
+              <a:ext uri="{28A0092B-C50C-407E-A947-70E740481C1C}">
+                <a14:useLocalDpi xmlns:a14="http://schemas.microsoft.com/office/drawing/2010/main" val="0"/>
+              </a:ext>
+            </a:extLst>
+          </a:blip>
+          <a:stretch>
+            <a:fillRect/>
+          </a:stretch>
+        </p:blipFill>
+        <p:spPr>
+          <a:xfrm>
+            <a:off x="1379481" y="1600200"/>
+            <a:ext cx="6385038" cy="4525963"/>
+          </a:xfrm>
+        </p:spPr>
+      </p:pic>
+    </p:spTree>
+    <p:extLst>
+      <p:ext uri="{BB962C8B-B14F-4D97-AF65-F5344CB8AC3E}">
+        <p14:creationId xmlns:p14="http://schemas.microsoft.com/office/powerpoint/2010/main" val="4236404169"/>
+      </p:ext>
+    </p:extLst>
+  </p:cSld>
+  <p:clrMapOvr>
+    <a:masterClrMapping/>
+  </p:clrMapOvr>
+  <p:timing>
+    <p:tnLst>
+      <p:par>
+        <p:cTn id="1" dur="indefinite" restart="never" nodeType="tmRoot"/>
+      </p:par>
+    </p:tnLst>
+  </p:timing>
+</p:sld>
+</file>
+
+<file path=ppt/slides/slide27.xml><?xml version="1.0" encoding="utf-8"?>
+<p:sld xmlns:a="http://schemas.openxmlformats.org/drawingml/2006/main" xmlns:r="http://schemas.openxmlformats.org/officeDocument/2006/relationships" xmlns:p="http://schemas.openxmlformats.org/presentationml/2006/main">
+  <p:cSld>
+    <p:spTree>
+      <p:nvGrpSpPr>
+        <p:cNvPr id="1" name=""/>
+        <p:cNvGrpSpPr/>
+        <p:nvPr/>
+      </p:nvGrpSpPr>
+      <p:grpSpPr>
+        <a:xfrm>
+          <a:off x="0" y="0"/>
+          <a:ext cx="0" cy="0"/>
+          <a:chOff x="0" y="0"/>
+          <a:chExt cx="0" cy="0"/>
+        </a:xfrm>
+      </p:grpSpPr>
+      <p:sp>
+        <p:nvSpPr>
+          <p:cNvPr id="2" name="Заголовок 1"/>
+          <p:cNvSpPr>
+            <a:spLocks noGrp="1"/>
+          </p:cNvSpPr>
+          <p:nvPr>
+            <p:ph type="title"/>
+          </p:nvPr>
+        </p:nvSpPr>
+        <p:spPr/>
+        <p:txBody>
+          <a:bodyPr>
+            <a:normAutofit fontScale="90000"/>
+          </a:bodyPr>
+          <a:lstStyle/>
+          <a:p>
+            <a:r>
+              <a:rPr lang="ru-RU" dirty="0" smtClean="0"/>
+              <a:t>Список хирургических операций</a:t>
+            </a:r>
+            <a:endParaRPr lang="ru-RU" dirty="0"/>
+          </a:p>
+        </p:txBody>
+      </p:sp>
+      <p:pic>
+        <p:nvPicPr>
+          <p:cNvPr id="4" name="Объект 3"/>
+          <p:cNvPicPr>
+            <a:picLocks noGrp="1" noChangeAspect="1"/>
+          </p:cNvPicPr>
+          <p:nvPr>
+            <p:ph idx="1"/>
+          </p:nvPr>
+        </p:nvPicPr>
+        <p:blipFill>
+          <a:blip r:embed="rId2">
+            <a:extLst>
+              <a:ext uri="{28A0092B-C50C-407E-A947-70E740481C1C}">
+                <a14:useLocalDpi xmlns:a14="http://schemas.microsoft.com/office/drawing/2010/main" val="0"/>
+              </a:ext>
+            </a:extLst>
+          </a:blip>
+          <a:stretch>
+            <a:fillRect/>
+          </a:stretch>
+        </p:blipFill>
+        <p:spPr>
+          <a:xfrm>
+            <a:off x="1379481" y="1600200"/>
+            <a:ext cx="6385038" cy="4525963"/>
+          </a:xfrm>
+        </p:spPr>
+      </p:pic>
+    </p:spTree>
+    <p:extLst>
+      <p:ext uri="{BB962C8B-B14F-4D97-AF65-F5344CB8AC3E}">
+        <p14:creationId xmlns:p14="http://schemas.microsoft.com/office/powerpoint/2010/main" val="1130122812"/>
+      </p:ext>
+    </p:extLst>
+  </p:cSld>
+  <p:clrMapOvr>
+    <a:masterClrMapping/>
+  </p:clrMapOvr>
+  <p:timing>
+    <p:tnLst>
+      <p:par>
+        <p:cTn id="1" dur="indefinite" restart="never" nodeType="tmRoot"/>
+      </p:par>
+    </p:tnLst>
+  </p:timing>
+</p:sld>
+</file>
+
+<file path=ppt/slides/slide28.xml><?xml version="1.0" encoding="utf-8"?>
+<p:sld xmlns:a="http://schemas.openxmlformats.org/drawingml/2006/main" xmlns:r="http://schemas.openxmlformats.org/officeDocument/2006/relationships" xmlns:p="http://schemas.openxmlformats.org/presentationml/2006/main">
+  <p:cSld>
+    <p:spTree>
+      <p:nvGrpSpPr>
+        <p:cNvPr id="1" name=""/>
+        <p:cNvGrpSpPr/>
+        <p:nvPr/>
+      </p:nvGrpSpPr>
+      <p:grpSpPr>
+        <a:xfrm>
+          <a:off x="0" y="0"/>
+          <a:ext cx="0" cy="0"/>
+          <a:chOff x="0" y="0"/>
+          <a:chExt cx="0" cy="0"/>
+        </a:xfrm>
+      </p:grpSpPr>
+      <p:sp>
+        <p:nvSpPr>
+          <p:cNvPr id="2" name="Заголовок 1"/>
+          <p:cNvSpPr>
+            <a:spLocks noGrp="1"/>
+          </p:cNvSpPr>
+          <p:nvPr>
+            <p:ph type="title"/>
+          </p:nvPr>
+        </p:nvSpPr>
+        <p:spPr/>
+        <p:txBody>
+          <a:bodyPr/>
+          <a:lstStyle/>
+          <a:p>
+            <a:r>
+              <a:rPr lang="ru-RU" dirty="0" smtClean="0"/>
+              <a:t>Редактирование сущности</a:t>
+            </a:r>
+            <a:endParaRPr lang="ru-RU" dirty="0"/>
+          </a:p>
+        </p:txBody>
+      </p:sp>
+      <p:pic>
+        <p:nvPicPr>
+          <p:cNvPr id="4" name="Объект 3"/>
+          <p:cNvPicPr>
+            <a:picLocks noGrp="1" noChangeAspect="1"/>
+          </p:cNvPicPr>
+          <p:nvPr>
+            <p:ph idx="1"/>
+          </p:nvPr>
+        </p:nvPicPr>
+        <p:blipFill>
+          <a:blip r:embed="rId2">
+            <a:extLst>
+              <a:ext uri="{28A0092B-C50C-407E-A947-70E740481C1C}">
+                <a14:useLocalDpi xmlns:a14="http://schemas.microsoft.com/office/drawing/2010/main" val="0"/>
+              </a:ext>
+            </a:extLst>
+          </a:blip>
+          <a:stretch>
+            <a:fillRect/>
+          </a:stretch>
+        </p:blipFill>
+        <p:spPr>
+          <a:xfrm>
+            <a:off x="1353538" y="1600200"/>
+            <a:ext cx="6436924" cy="4525963"/>
+          </a:xfrm>
+        </p:spPr>
+      </p:pic>
+    </p:spTree>
+    <p:extLst>
+      <p:ext uri="{BB962C8B-B14F-4D97-AF65-F5344CB8AC3E}">
+        <p14:creationId xmlns:p14="http://schemas.microsoft.com/office/powerpoint/2010/main" val="3527810536"/>
+      </p:ext>
+    </p:extLst>
+  </p:cSld>
+  <p:clrMapOvr>
+    <a:masterClrMapping/>
+  </p:clrMapOvr>
+  <p:timing>
+    <p:tnLst>
+      <p:par>
+        <p:cTn id="1" dur="indefinite" restart="never" nodeType="tmRoot"/>
+      </p:par>
+    </p:tnLst>
+  </p:timing>
 </p:sld>
 </file>
 
@@ -4964,6 +6234,13 @@
   <p:clrMapOvr>
     <a:masterClrMapping/>
   </p:clrMapOvr>
+  <p:timing>
+    <p:tnLst>
+      <p:par>
+        <p:cTn id="1" dur="indefinite" restart="never" nodeType="tmRoot"/>
+      </p:par>
+    </p:tnLst>
+  </p:timing>
 </p:sld>
 </file>
 
@@ -5054,6 +6331,13 @@
   <p:clrMapOvr>
     <a:masterClrMapping/>
   </p:clrMapOvr>
+  <p:timing>
+    <p:tnLst>
+      <p:par>
+        <p:cTn id="1" dur="indefinite" restart="never" nodeType="tmRoot"/>
+      </p:par>
+    </p:tnLst>
+  </p:timing>
 </p:sld>
 </file>
 
@@ -5146,6 +6430,13 @@
   <p:clrMapOvr>
     <a:masterClrMapping/>
   </p:clrMapOvr>
+  <p:timing>
+    <p:tnLst>
+      <p:par>
+        <p:cTn id="1" dur="indefinite" restart="never" nodeType="tmRoot"/>
+      </p:par>
+    </p:tnLst>
+  </p:timing>
 </p:sld>
 </file>
 
@@ -5228,6 +6519,13 @@
   <p:clrMapOvr>
     <a:masterClrMapping/>
   </p:clrMapOvr>
+  <p:timing>
+    <p:tnLst>
+      <p:par>
+        <p:cTn id="1" dur="indefinite" restart="never" nodeType="tmRoot"/>
+      </p:par>
+    </p:tnLst>
+  </p:timing>
 </p:sld>
 </file>
 
@@ -5312,6 +6610,13 @@
   <p:clrMapOvr>
     <a:masterClrMapping/>
   </p:clrMapOvr>
+  <p:timing>
+    <p:tnLst>
+      <p:par>
+        <p:cTn id="1" dur="indefinite" restart="never" nodeType="tmRoot"/>
+      </p:par>
+    </p:tnLst>
+  </p:timing>
 </p:sld>
 </file>
 
@@ -5394,6 +6699,13 @@
   <p:clrMapOvr>
     <a:masterClrMapping/>
   </p:clrMapOvr>
+  <p:timing>
+    <p:tnLst>
+      <p:par>
+        <p:cTn id="1" dur="indefinite" restart="never" nodeType="tmRoot"/>
+      </p:par>
+    </p:tnLst>
+  </p:timing>
 </p:sld>
 </file>
 
@@ -5466,6 +6778,13 @@
   <p:clrMapOvr>
     <a:masterClrMapping/>
   </p:clrMapOvr>
+  <p:timing>
+    <p:tnLst>
+      <p:par>
+        <p:cTn id="1" dur="indefinite" restart="never" nodeType="tmRoot"/>
+      </p:par>
+    </p:tnLst>
+  </p:timing>
 </p:sld>
 </file>
 

--- a/Presentation/main.pptx
+++ b/Presentation/main.pptx
@@ -5,7 +5,7 @@
     <p:sldMasterId id="2147483684" r:id="rId1"/>
   </p:sldMasterIdLst>
   <p:notesMasterIdLst>
-    <p:notesMasterId r:id="rId30"/>
+    <p:notesMasterId r:id="rId41"/>
   </p:notesMasterIdLst>
   <p:sldIdLst>
     <p:sldId id="256" r:id="rId2"/>
@@ -20,22 +20,33 @@
     <p:sldId id="260" r:id="rId11"/>
     <p:sldId id="261" r:id="rId12"/>
     <p:sldId id="265" r:id="rId13"/>
-    <p:sldId id="266" r:id="rId14"/>
-    <p:sldId id="262" r:id="rId15"/>
-    <p:sldId id="263" r:id="rId16"/>
-    <p:sldId id="271" r:id="rId17"/>
-    <p:sldId id="273" r:id="rId18"/>
-    <p:sldId id="274" r:id="rId19"/>
-    <p:sldId id="275" r:id="rId20"/>
-    <p:sldId id="276" r:id="rId21"/>
-    <p:sldId id="277" r:id="rId22"/>
-    <p:sldId id="278" r:id="rId23"/>
-    <p:sldId id="279" r:id="rId24"/>
-    <p:sldId id="280" r:id="rId25"/>
-    <p:sldId id="281" r:id="rId26"/>
-    <p:sldId id="282" r:id="rId27"/>
-    <p:sldId id="283" r:id="rId28"/>
-    <p:sldId id="284" r:id="rId29"/>
+    <p:sldId id="285" r:id="rId14"/>
+    <p:sldId id="286" r:id="rId15"/>
+    <p:sldId id="266" r:id="rId16"/>
+    <p:sldId id="288" r:id="rId17"/>
+    <p:sldId id="289" r:id="rId18"/>
+    <p:sldId id="290" r:id="rId19"/>
+    <p:sldId id="291" r:id="rId20"/>
+    <p:sldId id="262" r:id="rId21"/>
+    <p:sldId id="292" r:id="rId22"/>
+    <p:sldId id="293" r:id="rId23"/>
+    <p:sldId id="294" r:id="rId24"/>
+    <p:sldId id="295" r:id="rId25"/>
+    <p:sldId id="296" r:id="rId26"/>
+    <p:sldId id="263" r:id="rId27"/>
+    <p:sldId id="271" r:id="rId28"/>
+    <p:sldId id="273" r:id="rId29"/>
+    <p:sldId id="274" r:id="rId30"/>
+    <p:sldId id="275" r:id="rId31"/>
+    <p:sldId id="276" r:id="rId32"/>
+    <p:sldId id="277" r:id="rId33"/>
+    <p:sldId id="278" r:id="rId34"/>
+    <p:sldId id="279" r:id="rId35"/>
+    <p:sldId id="280" r:id="rId36"/>
+    <p:sldId id="281" r:id="rId37"/>
+    <p:sldId id="282" r:id="rId38"/>
+    <p:sldId id="283" r:id="rId39"/>
+    <p:sldId id="284" r:id="rId40"/>
   </p:sldIdLst>
   <p:sldSz cx="9144000" cy="6858000" type="screen4x3"/>
   <p:notesSz cx="6858000" cy="9144000"/>
@@ -171,12 +182,23 @@
           <p14:sldIdLst>
             <p14:sldId id="261"/>
             <p14:sldId id="265"/>
+            <p14:sldId id="285"/>
+            <p14:sldId id="286"/>
             <p14:sldId id="266"/>
+            <p14:sldId id="288"/>
+            <p14:sldId id="289"/>
+            <p14:sldId id="290"/>
+            <p14:sldId id="291"/>
           </p14:sldIdLst>
         </p14:section>
         <p14:section name="6.Принцип разработки" id="{C5A6B3A0-5B84-478C-B216-34D8620D45D5}">
           <p14:sldIdLst>
             <p14:sldId id="262"/>
+            <p14:sldId id="292"/>
+            <p14:sldId id="293"/>
+            <p14:sldId id="294"/>
+            <p14:sldId id="295"/>
+            <p14:sldId id="296"/>
           </p14:sldIdLst>
         </p14:section>
         <p14:section name="7.Реализация" id="{8E042968-4A1C-4DBB-B2D0-A7C988269CFB}">
@@ -285,7 +307,7 @@
           <a:p>
             <a:fld id="{950CA9C2-E8F5-4BEF-9B9B-527CA143BDA9}" type="datetimeFigureOut">
               <a:rPr lang="ru-RU" smtClean="0"/>
-              <a:t>15.04.2012</a:t>
+              <a:t>16.04.2012</a:t>
             </a:fld>
             <a:endParaRPr lang="ru-RU"/>
           </a:p>
@@ -553,6 +575,1358 @@
 </p:notesMaster>
 </file>
 
+<file path=ppt/notesSlides/notesSlide1.xml><?xml version="1.0" encoding="utf-8"?>
+<p:notes xmlns:a="http://schemas.openxmlformats.org/drawingml/2006/main" xmlns:r="http://schemas.openxmlformats.org/officeDocument/2006/relationships" xmlns:p="http://schemas.openxmlformats.org/presentationml/2006/main">
+  <p:cSld>
+    <p:spTree>
+      <p:nvGrpSpPr>
+        <p:cNvPr id="1" name=""/>
+        <p:cNvGrpSpPr/>
+        <p:nvPr/>
+      </p:nvGrpSpPr>
+      <p:grpSpPr>
+        <a:xfrm>
+          <a:off x="0" y="0"/>
+          <a:ext cx="0" cy="0"/>
+          <a:chOff x="0" y="0"/>
+          <a:chExt cx="0" cy="0"/>
+        </a:xfrm>
+      </p:grpSpPr>
+      <p:sp>
+        <p:nvSpPr>
+          <p:cNvPr id="2" name="Образ слайда 1"/>
+          <p:cNvSpPr>
+            <a:spLocks noGrp="1" noRot="1" noChangeAspect="1"/>
+          </p:cNvSpPr>
+          <p:nvPr>
+            <p:ph type="sldImg"/>
+          </p:nvPr>
+        </p:nvSpPr>
+        <p:spPr/>
+      </p:sp>
+      <p:sp>
+        <p:nvSpPr>
+          <p:cNvPr id="3" name="Заметки 2"/>
+          <p:cNvSpPr>
+            <a:spLocks noGrp="1"/>
+          </p:cNvSpPr>
+          <p:nvPr>
+            <p:ph type="body" idx="1"/>
+          </p:nvPr>
+        </p:nvSpPr>
+        <p:spPr/>
+        <p:txBody>
+          <a:bodyPr/>
+          <a:lstStyle/>
+          <a:p>
+            <a:endParaRPr lang="ru-RU" dirty="0"/>
+          </a:p>
+        </p:txBody>
+      </p:sp>
+      <p:sp>
+        <p:nvSpPr>
+          <p:cNvPr id="4" name="Номер слайда 3"/>
+          <p:cNvSpPr>
+            <a:spLocks noGrp="1"/>
+          </p:cNvSpPr>
+          <p:nvPr>
+            <p:ph type="sldNum" sz="quarter" idx="10"/>
+          </p:nvPr>
+        </p:nvSpPr>
+        <p:spPr/>
+        <p:txBody>
+          <a:bodyPr/>
+          <a:lstStyle/>
+          <a:p>
+            <a:fld id="{02B1A641-8862-4DDE-9E06-F84D330A3577}" type="slidenum">
+              <a:rPr lang="ru-RU" smtClean="0"/>
+              <a:t>19</a:t>
+            </a:fld>
+            <a:endParaRPr lang="ru-RU"/>
+          </a:p>
+        </p:txBody>
+      </p:sp>
+    </p:spTree>
+    <p:extLst>
+      <p:ext uri="{BB962C8B-B14F-4D97-AF65-F5344CB8AC3E}">
+        <p14:creationId xmlns:p14="http://schemas.microsoft.com/office/powerpoint/2010/main" val="3775336174"/>
+      </p:ext>
+    </p:extLst>
+  </p:cSld>
+  <p:clrMapOvr>
+    <a:masterClrMapping/>
+  </p:clrMapOvr>
+</p:notes>
+</file>
+
+<file path=ppt/notesSlides/notesSlide2.xml><?xml version="1.0" encoding="utf-8"?>
+<p:notes xmlns:a="http://schemas.openxmlformats.org/drawingml/2006/main" xmlns:r="http://schemas.openxmlformats.org/officeDocument/2006/relationships" xmlns:p="http://schemas.openxmlformats.org/presentationml/2006/main">
+  <p:cSld>
+    <p:spTree>
+      <p:nvGrpSpPr>
+        <p:cNvPr id="1" name=""/>
+        <p:cNvGrpSpPr/>
+        <p:nvPr/>
+      </p:nvGrpSpPr>
+      <p:grpSpPr>
+        <a:xfrm>
+          <a:off x="0" y="0"/>
+          <a:ext cx="0" cy="0"/>
+          <a:chOff x="0" y="0"/>
+          <a:chExt cx="0" cy="0"/>
+        </a:xfrm>
+      </p:grpSpPr>
+      <p:sp>
+        <p:nvSpPr>
+          <p:cNvPr id="2" name="Образ слайда 1"/>
+          <p:cNvSpPr>
+            <a:spLocks noGrp="1" noRot="1" noChangeAspect="1"/>
+          </p:cNvSpPr>
+          <p:nvPr>
+            <p:ph type="sldImg"/>
+          </p:nvPr>
+        </p:nvSpPr>
+        <p:spPr/>
+      </p:sp>
+      <p:sp>
+        <p:nvSpPr>
+          <p:cNvPr id="3" name="Заметки 2"/>
+          <p:cNvSpPr>
+            <a:spLocks noGrp="1"/>
+          </p:cNvSpPr>
+          <p:nvPr>
+            <p:ph type="body" idx="1"/>
+          </p:nvPr>
+        </p:nvSpPr>
+        <p:spPr/>
+        <p:txBody>
+          <a:bodyPr/>
+          <a:lstStyle/>
+          <a:p>
+            <a:r>
+              <a:rPr lang="en-US" dirty="0" smtClean="0"/>
+              <a:t>http://ru.wikipedia.org/wiki/GitHub</a:t>
+            </a:r>
+            <a:endParaRPr lang="ru-RU" dirty="0" smtClean="0"/>
+          </a:p>
+          <a:p>
+            <a:endParaRPr lang="ru-RU" dirty="0" smtClean="0"/>
+          </a:p>
+          <a:p>
+            <a:r>
+              <a:rPr lang="ru-RU" b="1" dirty="0" err="1" smtClean="0"/>
+              <a:t>GitHub</a:t>
+            </a:r>
+            <a:r>
+              <a:rPr lang="ru-RU" dirty="0" smtClean="0"/>
+              <a:t> — самый большой</a:t>
+            </a:r>
+            <a:r>
+              <a:rPr lang="ru-RU" baseline="30000" dirty="0" smtClean="0">
+                <a:hlinkClick r:id="rId3"/>
+              </a:rPr>
+              <a:t>[4]</a:t>
+            </a:r>
+            <a:r>
+              <a:rPr lang="ru-RU" dirty="0" smtClean="0"/>
+              <a:t> </a:t>
+            </a:r>
+            <a:r>
+              <a:rPr lang="ru-RU" dirty="0" smtClean="0">
+                <a:hlinkClick r:id="rId4" tooltip="Веб-сервис"/>
+              </a:rPr>
+              <a:t>веб-сервис</a:t>
+            </a:r>
+            <a:r>
+              <a:rPr lang="ru-RU" dirty="0" smtClean="0"/>
+              <a:t> для хостинга проектов и их совместной разработки. Основан на системе контроля версий </a:t>
+            </a:r>
+            <a:r>
+              <a:rPr lang="ru-RU" i="1" dirty="0" err="1" smtClean="0">
+                <a:hlinkClick r:id="rId5" tooltip="Git"/>
+              </a:rPr>
+              <a:t>Git</a:t>
+            </a:r>
+            <a:r>
+              <a:rPr lang="ru-RU" dirty="0" smtClean="0"/>
+              <a:t> и разработан на </a:t>
+            </a:r>
+            <a:r>
+              <a:rPr lang="ru-RU" i="1" dirty="0" err="1" smtClean="0">
+                <a:hlinkClick r:id="rId6" tooltip="Ruby on Rails"/>
+              </a:rPr>
+              <a:t>Ruby</a:t>
+            </a:r>
+            <a:r>
+              <a:rPr lang="ru-RU" i="1" dirty="0" smtClean="0">
+                <a:hlinkClick r:id="rId6" tooltip="Ruby on Rails"/>
+              </a:rPr>
+              <a:t> </a:t>
+            </a:r>
+            <a:r>
+              <a:rPr lang="ru-RU" i="1" dirty="0" err="1" smtClean="0">
+                <a:hlinkClick r:id="rId6" tooltip="Ruby on Rails"/>
+              </a:rPr>
+              <a:t>on</a:t>
+            </a:r>
+            <a:r>
+              <a:rPr lang="ru-RU" i="1" dirty="0" smtClean="0">
+                <a:hlinkClick r:id="rId6" tooltip="Ruby on Rails"/>
+              </a:rPr>
+              <a:t> </a:t>
+            </a:r>
+            <a:r>
+              <a:rPr lang="ru-RU" i="1" dirty="0" err="1" smtClean="0">
+                <a:hlinkClick r:id="rId6" tooltip="Ruby on Rails"/>
+              </a:rPr>
+              <a:t>Rails</a:t>
+            </a:r>
+            <a:r>
+              <a:rPr lang="ru-RU" baseline="30000" dirty="0" smtClean="0">
+                <a:hlinkClick r:id="rId3"/>
+              </a:rPr>
+              <a:t>[5]</a:t>
+            </a:r>
+            <a:r>
+              <a:rPr lang="ru-RU" dirty="0" smtClean="0"/>
+              <a:t> и </a:t>
+            </a:r>
+            <a:r>
+              <a:rPr lang="ru-RU" i="1" dirty="0" err="1" smtClean="0">
+                <a:hlinkClick r:id="rId7" tooltip="Erlang"/>
+              </a:rPr>
+              <a:t>Erlang</a:t>
+            </a:r>
+            <a:r>
+              <a:rPr lang="ru-RU" dirty="0" smtClean="0"/>
+              <a:t> компанией </a:t>
+            </a:r>
+            <a:r>
+              <a:rPr lang="ru-RU" i="1" dirty="0" err="1" smtClean="0">
+                <a:hlinkClick r:id="rId8" tooltip="GitHub, Inc (страница отсутствует)"/>
+              </a:rPr>
+              <a:t>GitHub</a:t>
+            </a:r>
+            <a:r>
+              <a:rPr lang="ru-RU" i="1" dirty="0" smtClean="0">
+                <a:hlinkClick r:id="rId8" tooltip="GitHub, Inc (страница отсутствует)"/>
+              </a:rPr>
+              <a:t>, </a:t>
+            </a:r>
+            <a:r>
+              <a:rPr lang="ru-RU" i="1" dirty="0" err="1" smtClean="0">
+                <a:hlinkClick r:id="rId8" tooltip="GitHub, Inc (страница отсутствует)"/>
+              </a:rPr>
+              <a:t>Inc</a:t>
+            </a:r>
+            <a:r>
+              <a:rPr lang="ru-RU" dirty="0" smtClean="0"/>
+              <a:t> (ранее известной как </a:t>
+            </a:r>
+            <a:r>
+              <a:rPr lang="ru-RU" i="1" dirty="0" err="1" smtClean="0"/>
+              <a:t>Logical</a:t>
+            </a:r>
+            <a:r>
+              <a:rPr lang="ru-RU" i="1" dirty="0" smtClean="0"/>
+              <a:t> </a:t>
+            </a:r>
+            <a:r>
+              <a:rPr lang="ru-RU" i="1" dirty="0" err="1" smtClean="0"/>
+              <a:t>Awesome</a:t>
+            </a:r>
+            <a:r>
+              <a:rPr lang="ru-RU" dirty="0" smtClean="0"/>
+              <a:t>) разработчиками Крисом </a:t>
+            </a:r>
+            <a:r>
+              <a:rPr lang="ru-RU" dirty="0" err="1" smtClean="0"/>
+              <a:t>Ванстрасом</a:t>
+            </a:r>
+            <a:r>
+              <a:rPr lang="ru-RU" dirty="0" smtClean="0"/>
+              <a:t>, PJ </a:t>
+            </a:r>
+            <a:r>
+              <a:rPr lang="ru-RU" dirty="0" err="1" smtClean="0"/>
+              <a:t>Хиеттом</a:t>
+            </a:r>
+            <a:r>
+              <a:rPr lang="ru-RU" dirty="0" smtClean="0"/>
+              <a:t> и Томом Престон-Вернером</a:t>
+            </a:r>
+            <a:r>
+              <a:rPr lang="ru-RU" baseline="30000" dirty="0" smtClean="0">
+                <a:hlinkClick r:id="rId3"/>
+              </a:rPr>
+              <a:t>[6]</a:t>
+            </a:r>
+            <a:endParaRPr lang="ru-RU" dirty="0" smtClean="0"/>
+          </a:p>
+          <a:p>
+            <a:r>
+              <a:rPr lang="ru-RU" dirty="0" smtClean="0"/>
+              <a:t>Сервис абсолютно бесплатен и предоставляет все возможности (включая SSL</a:t>
+            </a:r>
+            <a:r>
+              <a:rPr lang="ru-RU" baseline="30000" dirty="0" smtClean="0">
+                <a:hlinkClick r:id="rId3"/>
+              </a:rPr>
+              <a:t>[7]</a:t>
+            </a:r>
+            <a:r>
+              <a:rPr lang="ru-RU" dirty="0" smtClean="0"/>
+              <a:t>) для проектов с </a:t>
+            </a:r>
+            <a:r>
+              <a:rPr lang="ru-RU" dirty="0" smtClean="0">
+                <a:hlinkClick r:id="rId9" tooltip="Открытое программное обеспечение"/>
+              </a:rPr>
+              <a:t>открытым исходным кодом</a:t>
+            </a:r>
+            <a:r>
+              <a:rPr lang="ru-RU" dirty="0" smtClean="0"/>
+              <a:t>, а для частных проектов предлагаются различные платные тарифные планы</a:t>
+            </a:r>
+            <a:r>
+              <a:rPr lang="ru-RU" baseline="30000" dirty="0" smtClean="0">
+                <a:hlinkClick r:id="rId3"/>
+              </a:rPr>
+              <a:t>[8]</a:t>
+            </a:r>
+            <a:r>
+              <a:rPr lang="ru-RU" dirty="0" smtClean="0"/>
+              <a:t>.</a:t>
+            </a:r>
+          </a:p>
+          <a:p>
+            <a:r>
+              <a:rPr lang="ru-RU" dirty="0" smtClean="0"/>
+              <a:t>Слоган сервиса — «</a:t>
+            </a:r>
+            <a:r>
+              <a:rPr lang="ru-RU" dirty="0" err="1" smtClean="0"/>
+              <a:t>Social</a:t>
+            </a:r>
+            <a:r>
+              <a:rPr lang="ru-RU" dirty="0" smtClean="0"/>
+              <a:t> </a:t>
+            </a:r>
+            <a:r>
+              <a:rPr lang="ru-RU" dirty="0" err="1" smtClean="0"/>
+              <a:t>Coding</a:t>
+            </a:r>
+            <a:r>
+              <a:rPr lang="ru-RU" dirty="0" smtClean="0"/>
+              <a:t>» — на русский можно перевести как «Пишем код вместе». На футболках же печатают совсем другую фразу: «</a:t>
+            </a:r>
+            <a:r>
+              <a:rPr lang="ru-RU" dirty="0" err="1" smtClean="0"/>
+              <a:t>Fork</a:t>
+            </a:r>
+            <a:r>
+              <a:rPr lang="ru-RU" dirty="0" smtClean="0"/>
+              <a:t> </a:t>
+            </a:r>
+            <a:r>
+              <a:rPr lang="ru-RU" dirty="0" err="1" smtClean="0"/>
+              <a:t>you</a:t>
+            </a:r>
+            <a:r>
+              <a:rPr lang="ru-RU" dirty="0" smtClean="0"/>
+              <a:t>» («Ответвись!»)</a:t>
+            </a:r>
+            <a:r>
+              <a:rPr lang="ru-RU" baseline="30000" dirty="0" smtClean="0">
+                <a:hlinkClick r:id="rId3"/>
+              </a:rPr>
+              <a:t>[9]</a:t>
+            </a:r>
+            <a:r>
+              <a:rPr lang="ru-RU" dirty="0" smtClean="0"/>
+              <a:t>. С одной стороны, она похожа на распространённое англоязычное ругательство и намекает на неформальную атмосферу совместной разработки. С другой, эти слова напоминают, что создавать новые </a:t>
+            </a:r>
+            <a:r>
+              <a:rPr lang="ru-RU" dirty="0" err="1" smtClean="0">
+                <a:hlinkClick r:id="rId10" tooltip="Форк"/>
+              </a:rPr>
+              <a:t>форки</a:t>
+            </a:r>
+            <a:r>
+              <a:rPr lang="ru-RU" dirty="0" smtClean="0"/>
+              <a:t> с </a:t>
+            </a:r>
+            <a:r>
+              <a:rPr lang="ru-RU" i="1" dirty="0" err="1" smtClean="0"/>
+              <a:t>Git</a:t>
+            </a:r>
+            <a:r>
+              <a:rPr lang="ru-RU" dirty="0" smtClean="0"/>
+              <a:t> можно легко и безболезненно — традиционно, к созданию веток разработчики проектов с открытым исходным кодом относятся негативно</a:t>
+            </a:r>
+            <a:r>
+              <a:rPr lang="ru-RU" baseline="30000" dirty="0" smtClean="0">
+                <a:hlinkClick r:id="rId3"/>
+              </a:rPr>
+              <a:t>[10]</a:t>
+            </a:r>
+            <a:r>
+              <a:rPr lang="ru-RU" dirty="0" smtClean="0"/>
+              <a:t> — а также созвучна названию одной из возможностей </a:t>
+            </a:r>
+            <a:r>
+              <a:rPr lang="ru-RU" i="1" dirty="0" err="1" smtClean="0"/>
+              <a:t>Github</a:t>
+            </a:r>
+            <a:r>
+              <a:rPr lang="ru-RU" dirty="0" smtClean="0"/>
+              <a:t> — очереди </a:t>
+            </a:r>
+            <a:r>
+              <a:rPr lang="ru-RU" dirty="0" err="1" smtClean="0"/>
+              <a:t>форков</a:t>
+            </a:r>
+            <a:r>
+              <a:rPr lang="ru-RU" baseline="30000" dirty="0" smtClean="0">
+                <a:hlinkClick r:id="rId3"/>
+              </a:rPr>
+              <a:t>[11]</a:t>
+            </a:r>
+            <a:r>
+              <a:rPr lang="ru-RU" dirty="0" smtClean="0"/>
+              <a:t>. Талисманом </a:t>
+            </a:r>
+            <a:r>
+              <a:rPr lang="ru-RU" i="1" dirty="0" err="1" smtClean="0"/>
+              <a:t>GitHub</a:t>
+            </a:r>
+            <a:r>
+              <a:rPr lang="ru-RU" dirty="0" smtClean="0"/>
+              <a:t> выбран </a:t>
+            </a:r>
+            <a:r>
+              <a:rPr lang="ru-RU" dirty="0" err="1" smtClean="0"/>
+              <a:t>осьминогокот</a:t>
+            </a:r>
+            <a:r>
+              <a:rPr lang="ru-RU" dirty="0" smtClean="0"/>
+              <a:t> (</a:t>
+            </a:r>
+            <a:r>
+              <a:rPr lang="ru-RU" dirty="0" smtClean="0">
+                <a:hlinkClick r:id="rId11" tooltip="Английский язык"/>
+              </a:rPr>
+              <a:t>англ.</a:t>
+            </a:r>
+            <a:r>
+              <a:rPr lang="ru-RU" dirty="0" smtClean="0"/>
+              <a:t> </a:t>
+            </a:r>
+            <a:r>
+              <a:rPr lang="ru-RU" i="1" dirty="0" err="1" smtClean="0"/>
+              <a:t>octocat</a:t>
+            </a:r>
+            <a:r>
+              <a:rPr lang="ru-RU" dirty="0" smtClean="0"/>
+              <a:t>), который впервые появился в короткометражке </a:t>
+            </a:r>
+            <a:r>
+              <a:rPr lang="ru-RU" i="1" dirty="0" err="1" smtClean="0"/>
+              <a:t>Octocat</a:t>
+            </a:r>
+            <a:r>
+              <a:rPr lang="ru-RU" i="1" dirty="0" smtClean="0"/>
+              <a:t> </a:t>
+            </a:r>
+            <a:r>
+              <a:rPr lang="ru-RU" i="1" dirty="0" err="1" smtClean="0"/>
+              <a:t>Adventure</a:t>
+            </a:r>
+            <a:r>
+              <a:rPr lang="ru-RU" dirty="0" smtClean="0"/>
+              <a:t> на </a:t>
+            </a:r>
+            <a:r>
+              <a:rPr lang="ru-RU" i="1" dirty="0" err="1" smtClean="0">
+                <a:hlinkClick r:id="rId12" tooltip="YouTube"/>
+              </a:rPr>
+              <a:t>YouTube</a:t>
+            </a:r>
+            <a:r>
+              <a:rPr lang="ru-RU" baseline="30000" dirty="0" smtClean="0">
+                <a:hlinkClick r:id="rId3"/>
+              </a:rPr>
+              <a:t>[12]</a:t>
+            </a:r>
+            <a:r>
+              <a:rPr lang="ru-RU" dirty="0" smtClean="0"/>
+              <a:t>.</a:t>
+            </a:r>
+          </a:p>
+          <a:p>
+            <a:endParaRPr lang="ru-RU" b="1" dirty="0" smtClean="0"/>
+          </a:p>
+          <a:p>
+            <a:r>
+              <a:rPr lang="ru-RU" b="1" dirty="0" smtClean="0"/>
+              <a:t>Возможности</a:t>
+            </a:r>
+          </a:p>
+          <a:p>
+            <a:r>
+              <a:rPr lang="ru-RU" dirty="0" smtClean="0"/>
+              <a:t>Сами разработчики называют </a:t>
+            </a:r>
+            <a:r>
+              <a:rPr lang="ru-RU" dirty="0" err="1" smtClean="0"/>
+              <a:t>GitHub</a:t>
+            </a:r>
+            <a:r>
+              <a:rPr lang="ru-RU" dirty="0" smtClean="0"/>
+              <a:t> «</a:t>
+            </a:r>
+            <a:r>
+              <a:rPr lang="ru-RU" dirty="0" smtClean="0">
+                <a:hlinkClick r:id="rId13" tooltip="Социальная сеть"/>
+              </a:rPr>
+              <a:t>социальной сетью</a:t>
+            </a:r>
+            <a:r>
+              <a:rPr lang="ru-RU" dirty="0" smtClean="0"/>
+              <a:t> для разработчиков». Кроме размещения кода, участники могут общаться, комментировать правки друг друга, следить за новостями знакомых. С помощью широких возможностей </a:t>
+            </a:r>
+            <a:r>
+              <a:rPr lang="ru-RU" dirty="0" err="1" smtClean="0"/>
+              <a:t>Git</a:t>
+            </a:r>
+            <a:r>
+              <a:rPr lang="ru-RU" dirty="0" smtClean="0"/>
+              <a:t> программисты могут объединять свои </a:t>
+            </a:r>
+            <a:r>
+              <a:rPr lang="ru-RU" dirty="0" err="1" smtClean="0">
+                <a:hlinkClick r:id="rId14" tooltip="Репозиторий"/>
+              </a:rPr>
+              <a:t>репозитории</a:t>
+            </a:r>
+            <a:r>
+              <a:rPr lang="ru-RU" dirty="0" smtClean="0"/>
+              <a:t> и </a:t>
+            </a:r>
+            <a:r>
+              <a:rPr lang="ru-RU" dirty="0" err="1" smtClean="0"/>
+              <a:t>GitHub</a:t>
+            </a:r>
+            <a:r>
+              <a:rPr lang="ru-RU" dirty="0" smtClean="0"/>
+              <a:t> предлагает удобный интерфейс для этого и может отобразить вклад каждого участника в виде </a:t>
+            </a:r>
+            <a:r>
+              <a:rPr lang="ru-RU" dirty="0" smtClean="0">
+                <a:hlinkClick r:id="rId15" tooltip="Дерево (теория графов)"/>
+              </a:rPr>
+              <a:t>дерева</a:t>
+            </a:r>
+            <a:r>
+              <a:rPr lang="ru-RU" dirty="0" smtClean="0"/>
+              <a:t>.</a:t>
+            </a:r>
+          </a:p>
+          <a:p>
+            <a:r>
+              <a:rPr lang="ru-RU" dirty="0" smtClean="0"/>
+              <a:t>Для проектов есть личные страницы, небольшие </a:t>
+            </a:r>
+            <a:r>
+              <a:rPr lang="ru-RU" dirty="0" smtClean="0">
+                <a:hlinkClick r:id="rId16" tooltip="Вики"/>
+              </a:rPr>
+              <a:t>Вики</a:t>
+            </a:r>
+            <a:r>
+              <a:rPr lang="ru-RU" dirty="0" smtClean="0"/>
+              <a:t> и </a:t>
+            </a:r>
+            <a:r>
+              <a:rPr lang="ru-RU" dirty="0" smtClean="0">
+                <a:hlinkClick r:id="rId17" tooltip="Система отслеживания ошибок"/>
+              </a:rPr>
+              <a:t>система отслеживания ошибок</a:t>
+            </a:r>
+            <a:r>
+              <a:rPr lang="ru-RU" dirty="0" smtClean="0"/>
+              <a:t>. Прямо на сервисе можно просмотреть файлы проектов с </a:t>
+            </a:r>
+            <a:r>
+              <a:rPr lang="ru-RU" dirty="0" smtClean="0">
+                <a:hlinkClick r:id="rId18" tooltip="Подсветка синтаксиса"/>
+              </a:rPr>
+              <a:t>подсветкой синтаксиса</a:t>
+            </a:r>
+            <a:r>
+              <a:rPr lang="ru-RU" dirty="0" smtClean="0"/>
+              <a:t> для большинства языков. На платных тарифных планах можно создавать </a:t>
+            </a:r>
+            <a:r>
+              <a:rPr lang="ru-RU" dirty="0" err="1" smtClean="0"/>
+              <a:t>репозитории</a:t>
+            </a:r>
+            <a:r>
+              <a:rPr lang="ru-RU" dirty="0" smtClean="0"/>
+              <a:t>, доступные только ограниченному кругу пользователей.</a:t>
+            </a:r>
+          </a:p>
+          <a:p>
+            <a:r>
+              <a:rPr lang="ru-RU" dirty="0" smtClean="0"/>
+              <a:t>Код проектов можно не только скопировать через </a:t>
+            </a:r>
+            <a:r>
+              <a:rPr lang="ru-RU" dirty="0" err="1" smtClean="0">
+                <a:hlinkClick r:id="rId5" tooltip="Git"/>
+              </a:rPr>
+              <a:t>Git</a:t>
+            </a:r>
+            <a:r>
+              <a:rPr lang="ru-RU" dirty="0" smtClean="0"/>
+              <a:t>, но и скачать обычный архив с сайта.</a:t>
+            </a:r>
+          </a:p>
+          <a:p>
+            <a:r>
+              <a:rPr lang="ru-RU" dirty="0" smtClean="0"/>
+              <a:t>Кроме </a:t>
+            </a:r>
+            <a:r>
+              <a:rPr lang="ru-RU" dirty="0" err="1" smtClean="0">
+                <a:hlinkClick r:id="rId5" tooltip="Git"/>
+              </a:rPr>
+              <a:t>Git</a:t>
+            </a:r>
+            <a:r>
+              <a:rPr lang="ru-RU" dirty="0" smtClean="0"/>
+              <a:t>, сервис поддерживает получение и редактирование кода через </a:t>
+            </a:r>
+            <a:r>
+              <a:rPr lang="ru-RU" dirty="0" smtClean="0">
+                <a:hlinkClick r:id="rId19" tooltip="SVN"/>
+              </a:rPr>
+              <a:t>SVN</a:t>
+            </a:r>
+            <a:r>
+              <a:rPr lang="ru-RU" baseline="30000" dirty="0" smtClean="0">
+                <a:effectLst/>
+                <a:hlinkClick r:id="rId3"/>
+              </a:rPr>
+              <a:t>[13]</a:t>
+            </a:r>
+            <a:r>
+              <a:rPr lang="ru-RU" baseline="30000" dirty="0" smtClean="0">
+                <a:effectLst/>
+                <a:hlinkClick r:id="rId3"/>
+              </a:rPr>
+              <a:t>[14]</a:t>
+            </a:r>
+            <a:r>
+              <a:rPr lang="ru-RU" dirty="0" smtClean="0"/>
+              <a:t> и </a:t>
+            </a:r>
+            <a:r>
+              <a:rPr lang="ru-RU" dirty="0" err="1" smtClean="0">
+                <a:hlinkClick r:id="rId20" tooltip="Mercurial"/>
+              </a:rPr>
+              <a:t>Mercurial</a:t>
+            </a:r>
+            <a:r>
+              <a:rPr lang="ru-RU" dirty="0" smtClean="0"/>
+              <a:t>.</a:t>
+            </a:r>
+            <a:r>
+              <a:rPr lang="ru-RU" baseline="30000" dirty="0" smtClean="0">
+                <a:effectLst/>
+                <a:hlinkClick r:id="rId3"/>
+              </a:rPr>
+              <a:t>[15]</a:t>
+            </a:r>
+            <a:endParaRPr lang="ru-RU" dirty="0" smtClean="0"/>
+          </a:p>
+          <a:p>
+            <a:r>
+              <a:rPr lang="ru-RU" dirty="0" smtClean="0"/>
+              <a:t>Ранее </a:t>
+            </a:r>
+            <a:r>
+              <a:rPr lang="ru-RU" dirty="0" err="1" smtClean="0">
+                <a:hlinkClick r:id="rId21" tooltip="Ruby"/>
+              </a:rPr>
+              <a:t>Ruby</a:t>
+            </a:r>
+            <a:r>
+              <a:rPr lang="ru-RU" dirty="0" smtClean="0"/>
+              <a:t>-проекты могли быть автоматически опубликованы в </a:t>
+            </a:r>
+            <a:r>
+              <a:rPr lang="ru-RU" dirty="0" err="1" smtClean="0">
+                <a:hlinkClick r:id="rId22" tooltip="RubyGems"/>
+              </a:rPr>
+              <a:t>RubyGems</a:t>
+            </a:r>
+            <a:r>
+              <a:rPr lang="ru-RU" dirty="0" err="1" smtClean="0"/>
+              <a:t>-репозитории</a:t>
+            </a:r>
+            <a:r>
+              <a:rPr lang="ru-RU" dirty="0" smtClean="0"/>
+              <a:t> сервиса, но в октябре 2009 </a:t>
+            </a:r>
+            <a:r>
+              <a:rPr lang="ru-RU" dirty="0" err="1" smtClean="0"/>
+              <a:t>GitHub</a:t>
+            </a:r>
+            <a:r>
+              <a:rPr lang="ru-RU" dirty="0" smtClean="0"/>
+              <a:t> отказался от этого сервиса.</a:t>
+            </a:r>
+            <a:r>
+              <a:rPr lang="ru-RU" baseline="30000" dirty="0" smtClean="0">
+                <a:effectLst/>
+                <a:hlinkClick r:id="rId3"/>
+              </a:rPr>
+              <a:t>[16]</a:t>
+            </a:r>
+            <a:endParaRPr lang="ru-RU" dirty="0" smtClean="0"/>
+          </a:p>
+          <a:p>
+            <a:r>
+              <a:rPr lang="ru-RU" dirty="0" smtClean="0"/>
+              <a:t>Также на сайте есть </a:t>
+            </a:r>
+            <a:r>
+              <a:rPr lang="ru-RU" dirty="0" err="1" smtClean="0">
+                <a:hlinkClick r:id="rId23" tooltip="Pastebin"/>
+              </a:rPr>
+              <a:t>pastebin</a:t>
+            </a:r>
+            <a:r>
+              <a:rPr lang="ru-RU" dirty="0" smtClean="0"/>
+              <a:t>-сервис </a:t>
+            </a:r>
+            <a:r>
+              <a:rPr lang="ru-RU" dirty="0" smtClean="0">
+                <a:hlinkClick r:id="rId24"/>
+              </a:rPr>
+              <a:t>gist.github.com</a:t>
+            </a:r>
+            <a:r>
+              <a:rPr lang="ru-RU" dirty="0" smtClean="0"/>
+              <a:t> для быстрой публикации фрагментов кода.</a:t>
+            </a:r>
+          </a:p>
+          <a:p>
+            <a:endParaRPr lang="ru-RU" b="1" dirty="0" smtClean="0"/>
+          </a:p>
+          <a:p>
+            <a:r>
+              <a:rPr lang="ru-RU" b="1" dirty="0" smtClean="0"/>
+              <a:t>Популярность</a:t>
+            </a:r>
+          </a:p>
+          <a:p>
+            <a:r>
+              <a:rPr lang="ru-RU" dirty="0" smtClean="0"/>
+              <a:t>Первый частный </a:t>
+            </a:r>
+            <a:r>
+              <a:rPr lang="ru-RU" dirty="0" err="1" smtClean="0">
+                <a:hlinkClick r:id="rId14" tooltip="Репозиторий"/>
+              </a:rPr>
+              <a:t>репозиторий</a:t>
+            </a:r>
+            <a:r>
+              <a:rPr lang="ru-RU" dirty="0" smtClean="0"/>
+              <a:t> был создан </a:t>
+            </a:r>
+            <a:r>
+              <a:rPr lang="ru-RU" dirty="0" smtClean="0">
+                <a:hlinkClick r:id="rId25" tooltip="12 января"/>
+              </a:rPr>
+              <a:t>12 января</a:t>
+            </a:r>
+            <a:r>
+              <a:rPr lang="ru-RU" dirty="0" smtClean="0"/>
+              <a:t> </a:t>
+            </a:r>
+            <a:r>
+              <a:rPr lang="ru-RU" dirty="0" smtClean="0">
+                <a:hlinkClick r:id="rId26" tooltip="2008"/>
+              </a:rPr>
+              <a:t>2008</a:t>
+            </a:r>
+            <a:r>
+              <a:rPr lang="ru-RU" dirty="0" smtClean="0"/>
+              <a:t>. На конец </a:t>
+            </a:r>
+            <a:r>
+              <a:rPr lang="ru-RU" dirty="0" smtClean="0">
+                <a:hlinkClick r:id="rId27" tooltip="2011 год"/>
+              </a:rPr>
+              <a:t>2011 года</a:t>
+            </a:r>
+            <a:r>
+              <a:rPr lang="ru-RU" dirty="0" smtClean="0"/>
+              <a:t> в проекте уже было зарегистрировано более 1 млн участников</a:t>
+            </a:r>
+            <a:r>
+              <a:rPr lang="ru-RU" baseline="30000" dirty="0" smtClean="0">
+                <a:hlinkClick r:id="rId3"/>
+              </a:rPr>
+              <a:t>[17]</a:t>
+            </a:r>
+            <a:r>
+              <a:rPr lang="ru-RU" dirty="0" smtClean="0"/>
+              <a:t> и более 2 млн </a:t>
+            </a:r>
+            <a:r>
+              <a:rPr lang="ru-RU" dirty="0" err="1" smtClean="0"/>
+              <a:t>репозиториев</a:t>
+            </a:r>
+            <a:r>
+              <a:rPr lang="ru-RU" dirty="0" smtClean="0"/>
+              <a:t>.</a:t>
+            </a:r>
+            <a:r>
+              <a:rPr lang="ru-RU" baseline="30000" dirty="0" smtClean="0">
+                <a:effectLst/>
+                <a:hlinkClick r:id="rId3"/>
+              </a:rPr>
+              <a:t>[18]</a:t>
+            </a:r>
+            <a:endParaRPr lang="ru-RU" dirty="0" smtClean="0"/>
+          </a:p>
+          <a:p>
+            <a:r>
+              <a:rPr lang="ru-RU" dirty="0" smtClean="0"/>
+              <a:t>В конце </a:t>
+            </a:r>
+            <a:r>
+              <a:rPr lang="ru-RU" dirty="0" smtClean="0">
+                <a:hlinkClick r:id="rId28" tooltip="2008 год"/>
+              </a:rPr>
+              <a:t>2008 года</a:t>
+            </a:r>
+            <a:r>
+              <a:rPr lang="ru-RU" dirty="0" smtClean="0"/>
+              <a:t> </a:t>
+            </a:r>
+            <a:r>
+              <a:rPr lang="ru-RU" dirty="0" err="1" smtClean="0"/>
+              <a:t>GitHub</a:t>
+            </a:r>
+            <a:r>
+              <a:rPr lang="ru-RU" dirty="0" smtClean="0"/>
+              <a:t> получил награду как «Лучший </a:t>
+            </a:r>
+            <a:r>
+              <a:rPr lang="ru-RU" dirty="0" err="1" smtClean="0">
+                <a:hlinkClick r:id="rId29" tooltip="Стартап"/>
+              </a:rPr>
+              <a:t>стартап</a:t>
+            </a:r>
+            <a:r>
+              <a:rPr lang="ru-RU" dirty="0" smtClean="0"/>
+              <a:t>-дебют».</a:t>
+            </a:r>
+            <a:r>
+              <a:rPr lang="ru-RU" baseline="30000" dirty="0" smtClean="0">
+                <a:effectLst/>
+                <a:hlinkClick r:id="rId3"/>
+              </a:rPr>
+              <a:t>[19]</a:t>
+            </a:r>
+            <a:endParaRPr lang="ru-RU" dirty="0" smtClean="0"/>
+          </a:p>
+          <a:p>
+            <a:r>
+              <a:rPr lang="ru-RU" dirty="0" err="1" smtClean="0"/>
+              <a:t>GitHub</a:t>
+            </a:r>
+            <a:r>
+              <a:rPr lang="ru-RU" dirty="0" smtClean="0"/>
+              <a:t> очень популярен среди </a:t>
+            </a:r>
+            <a:r>
+              <a:rPr lang="ru-RU" dirty="0" err="1" smtClean="0">
+                <a:hlinkClick r:id="rId21" tooltip="Ruby"/>
+              </a:rPr>
+              <a:t>Ruby</a:t>
+            </a:r>
+            <a:r>
+              <a:rPr lang="ru-RU" dirty="0" smtClean="0"/>
+              <a:t>-разработчиков.</a:t>
+            </a:r>
+            <a:r>
+              <a:rPr lang="ru-RU" baseline="30000" dirty="0" smtClean="0">
+                <a:effectLst/>
+                <a:hlinkClick r:id="rId3"/>
+              </a:rPr>
+              <a:t>[20]</a:t>
+            </a:r>
+            <a:r>
+              <a:rPr lang="ru-RU" dirty="0" smtClean="0"/>
+              <a:t> Многие крупные и важные проекты размещают свои официальные </a:t>
+            </a:r>
+            <a:r>
+              <a:rPr lang="ru-RU" dirty="0" err="1" smtClean="0">
+                <a:hlinkClick r:id="rId14" tooltip="Репозиторий"/>
+              </a:rPr>
+              <a:t>репозитории</a:t>
+            </a:r>
+            <a:r>
+              <a:rPr lang="ru-RU" dirty="0" smtClean="0"/>
+              <a:t> на этом сервисе:</a:t>
+            </a:r>
+            <a:r>
+              <a:rPr lang="ru-RU" baseline="30000" dirty="0" smtClean="0">
+                <a:hlinkClick r:id="rId3"/>
+              </a:rPr>
+              <a:t>[21]</a:t>
+            </a:r>
+            <a:endParaRPr lang="ru-RU" dirty="0" smtClean="0"/>
+          </a:p>
+          <a:p>
+            <a:r>
+              <a:rPr lang="ru-RU" dirty="0" err="1" smtClean="0">
+                <a:hlinkClick r:id="rId30" tooltip="Facebook"/>
+              </a:rPr>
+              <a:t>Facebook</a:t>
+            </a:r>
+            <a:r>
+              <a:rPr lang="ru-RU" baseline="30000" dirty="0" smtClean="0">
+                <a:hlinkClick r:id="rId3"/>
+              </a:rPr>
+              <a:t>[22]</a:t>
+            </a:r>
+            <a:endParaRPr lang="ru-RU" dirty="0" smtClean="0"/>
+          </a:p>
+          <a:p>
+            <a:r>
+              <a:rPr lang="ru-RU" dirty="0" err="1" smtClean="0">
+                <a:hlinkClick r:id="rId31" tooltip="Twitter"/>
+              </a:rPr>
+              <a:t>Twitter</a:t>
+            </a:r>
+            <a:r>
+              <a:rPr lang="ru-RU" baseline="30000" dirty="0" smtClean="0">
+                <a:hlinkClick r:id="rId3"/>
+              </a:rPr>
+              <a:t>[23]</a:t>
+            </a:r>
+            <a:endParaRPr lang="ru-RU" dirty="0" smtClean="0"/>
+          </a:p>
+          <a:p>
+            <a:r>
+              <a:rPr lang="ru-RU" dirty="0" smtClean="0">
+                <a:hlinkClick r:id="rId32" tooltip="HP webOS"/>
+              </a:rPr>
+              <a:t>HP </a:t>
+            </a:r>
+            <a:r>
+              <a:rPr lang="ru-RU" dirty="0" err="1" smtClean="0">
+                <a:hlinkClick r:id="rId32" tooltip="HP webOS"/>
+              </a:rPr>
+              <a:t>webOS</a:t>
+            </a:r>
+            <a:r>
+              <a:rPr lang="ru-RU" baseline="30000" dirty="0" smtClean="0">
+                <a:hlinkClick r:id="rId3"/>
+              </a:rPr>
+              <a:t>[24]</a:t>
+            </a:r>
+            <a:endParaRPr lang="ru-RU" dirty="0" smtClean="0"/>
+          </a:p>
+          <a:p>
+            <a:r>
+              <a:rPr lang="ru-RU" dirty="0" err="1" smtClean="0">
+                <a:hlinkClick r:id="rId33" tooltip="Yahoo"/>
+              </a:rPr>
+              <a:t>Yahoo</a:t>
+            </a:r>
+            <a:r>
+              <a:rPr lang="ru-RU" baseline="30000" dirty="0" smtClean="0">
+                <a:hlinkClick r:id="rId3"/>
+              </a:rPr>
+              <a:t>[25]</a:t>
+            </a:r>
+            <a:endParaRPr lang="ru-RU" dirty="0" smtClean="0"/>
+          </a:p>
+          <a:p>
+            <a:r>
+              <a:rPr lang="ru-RU" dirty="0" err="1" smtClean="0">
+                <a:hlinkClick r:id="rId34" tooltip="Perl"/>
+              </a:rPr>
+              <a:t>Perl</a:t>
+            </a:r>
+            <a:r>
+              <a:rPr lang="ru-RU" baseline="30000" dirty="0" smtClean="0">
+                <a:hlinkClick r:id="rId3"/>
+              </a:rPr>
+              <a:t>[26]</a:t>
+            </a:r>
+            <a:r>
+              <a:rPr lang="ru-RU" baseline="30000" dirty="0" smtClean="0">
+                <a:hlinkClick r:id="rId3"/>
+              </a:rPr>
+              <a:t>[27]</a:t>
+            </a:r>
+            <a:endParaRPr lang="ru-RU" dirty="0" smtClean="0"/>
+          </a:p>
+          <a:p>
+            <a:r>
+              <a:rPr lang="ru-RU" dirty="0" err="1" smtClean="0">
+                <a:hlinkClick r:id="rId7" tooltip="Erlang"/>
+              </a:rPr>
+              <a:t>Erlang</a:t>
+            </a:r>
+            <a:endParaRPr lang="ru-RU" dirty="0" smtClean="0"/>
+          </a:p>
+          <a:p>
+            <a:r>
+              <a:rPr lang="ru-RU" dirty="0" err="1" smtClean="0">
+                <a:hlinkClick r:id="rId35" tooltip="Scala (язык программирования)"/>
+              </a:rPr>
+              <a:t>Scala</a:t>
+            </a:r>
+            <a:r>
+              <a:rPr lang="ru-RU" baseline="30000" dirty="0" smtClean="0">
+                <a:hlinkClick r:id="rId3"/>
+              </a:rPr>
+              <a:t>[28]</a:t>
+            </a:r>
+            <a:r>
+              <a:rPr lang="ru-RU" baseline="30000" dirty="0" smtClean="0">
+                <a:hlinkClick r:id="rId3"/>
+              </a:rPr>
+              <a:t>[29]</a:t>
+            </a:r>
+            <a:endParaRPr lang="ru-RU" dirty="0" smtClean="0"/>
+          </a:p>
+          <a:p>
+            <a:r>
+              <a:rPr lang="ru-RU" dirty="0" err="1" smtClean="0">
+                <a:hlinkClick r:id="rId6" tooltip="Ruby on Rails"/>
+              </a:rPr>
+              <a:t>Ruby</a:t>
+            </a:r>
+            <a:r>
+              <a:rPr lang="ru-RU" dirty="0" smtClean="0">
+                <a:hlinkClick r:id="rId6" tooltip="Ruby on Rails"/>
+              </a:rPr>
+              <a:t> </a:t>
+            </a:r>
+            <a:r>
+              <a:rPr lang="ru-RU" dirty="0" err="1" smtClean="0">
+                <a:hlinkClick r:id="rId6" tooltip="Ruby on Rails"/>
+              </a:rPr>
+              <a:t>on</a:t>
+            </a:r>
+            <a:r>
+              <a:rPr lang="ru-RU" dirty="0" smtClean="0">
+                <a:hlinkClick r:id="rId6" tooltip="Ruby on Rails"/>
+              </a:rPr>
+              <a:t> </a:t>
+            </a:r>
+            <a:r>
+              <a:rPr lang="ru-RU" dirty="0" err="1" smtClean="0">
+                <a:hlinkClick r:id="rId6" tooltip="Ruby on Rails"/>
+              </a:rPr>
+              <a:t>Rails</a:t>
+            </a:r>
+            <a:r>
+              <a:rPr lang="ru-RU" baseline="30000" dirty="0" smtClean="0">
+                <a:hlinkClick r:id="rId3"/>
+              </a:rPr>
+              <a:t>[30]</a:t>
+            </a:r>
+            <a:endParaRPr lang="ru-RU" dirty="0" smtClean="0"/>
+          </a:p>
+          <a:p>
+            <a:r>
+              <a:rPr lang="ru-RU" dirty="0" smtClean="0">
+                <a:hlinkClick r:id="rId36" tooltip="PHP"/>
+              </a:rPr>
+              <a:t>PHP</a:t>
+            </a:r>
+            <a:r>
+              <a:rPr lang="ru-RU" baseline="30000" dirty="0" smtClean="0">
+                <a:hlinkClick r:id="rId3"/>
+              </a:rPr>
+              <a:t>[31]</a:t>
+            </a:r>
+            <a:endParaRPr lang="ru-RU" dirty="0" smtClean="0"/>
+          </a:p>
+          <a:p>
+            <a:r>
+              <a:rPr lang="ru-RU" dirty="0" err="1" smtClean="0">
+                <a:hlinkClick r:id="rId37" tooltip="JUnit"/>
+              </a:rPr>
+              <a:t>JUnit</a:t>
+            </a:r>
+            <a:endParaRPr lang="ru-RU" dirty="0" smtClean="0"/>
+          </a:p>
+          <a:p>
+            <a:r>
+              <a:rPr lang="ru-RU" dirty="0" err="1" smtClean="0">
+                <a:hlinkClick r:id="rId38" tooltip="JQuery"/>
+              </a:rPr>
+              <a:t>jQuery</a:t>
+            </a:r>
+            <a:endParaRPr lang="ru-RU" dirty="0" smtClean="0"/>
+          </a:p>
+          <a:p>
+            <a:r>
+              <a:rPr lang="ru-RU" dirty="0" err="1" smtClean="0">
+                <a:hlinkClick r:id="rId39" tooltip="Prototype (фреймворк)"/>
+              </a:rPr>
+              <a:t>Prototype</a:t>
+            </a:r>
+            <a:endParaRPr lang="ru-RU" dirty="0" smtClean="0"/>
+          </a:p>
+          <a:p>
+            <a:r>
+              <a:rPr lang="ru-RU" dirty="0" err="1" smtClean="0">
+                <a:hlinkClick r:id="rId40" tooltip="MooTools"/>
+              </a:rPr>
+              <a:t>MooTools</a:t>
+            </a:r>
+            <a:endParaRPr lang="ru-RU" dirty="0" smtClean="0"/>
+          </a:p>
+          <a:p>
+            <a:r>
+              <a:rPr lang="ru-RU" dirty="0" smtClean="0"/>
+              <a:t>Microsoft </a:t>
+            </a:r>
+            <a:r>
+              <a:rPr lang="ru-RU" dirty="0" err="1" smtClean="0">
+                <a:hlinkClick r:id="rId41" tooltip="IronRuby"/>
+              </a:rPr>
+              <a:t>IronRuby</a:t>
+            </a:r>
+            <a:endParaRPr lang="ru-RU" dirty="0"/>
+          </a:p>
+        </p:txBody>
+      </p:sp>
+      <p:sp>
+        <p:nvSpPr>
+          <p:cNvPr id="4" name="Номер слайда 3"/>
+          <p:cNvSpPr>
+            <a:spLocks noGrp="1"/>
+          </p:cNvSpPr>
+          <p:nvPr>
+            <p:ph type="sldNum" sz="quarter" idx="10"/>
+          </p:nvPr>
+        </p:nvSpPr>
+        <p:spPr/>
+        <p:txBody>
+          <a:bodyPr/>
+          <a:lstStyle/>
+          <a:p>
+            <a:fld id="{02B1A641-8862-4DDE-9E06-F84D330A3577}" type="slidenum">
+              <a:rPr lang="ru-RU" smtClean="0"/>
+              <a:t>23</a:t>
+            </a:fld>
+            <a:endParaRPr lang="ru-RU"/>
+          </a:p>
+        </p:txBody>
+      </p:sp>
+    </p:spTree>
+    <p:extLst>
+      <p:ext uri="{BB962C8B-B14F-4D97-AF65-F5344CB8AC3E}">
+        <p14:creationId xmlns:p14="http://schemas.microsoft.com/office/powerpoint/2010/main" val="597815953"/>
+      </p:ext>
+    </p:extLst>
+  </p:cSld>
+  <p:clrMapOvr>
+    <a:masterClrMapping/>
+  </p:clrMapOvr>
+</p:notes>
+</file>
+
+<file path=ppt/notesSlides/notesSlide3.xml><?xml version="1.0" encoding="utf-8"?>
+<p:notes xmlns:a="http://schemas.openxmlformats.org/drawingml/2006/main" xmlns:r="http://schemas.openxmlformats.org/officeDocument/2006/relationships" xmlns:p="http://schemas.openxmlformats.org/presentationml/2006/main">
+  <p:cSld>
+    <p:spTree>
+      <p:nvGrpSpPr>
+        <p:cNvPr id="1" name=""/>
+        <p:cNvGrpSpPr/>
+        <p:nvPr/>
+      </p:nvGrpSpPr>
+      <p:grpSpPr>
+        <a:xfrm>
+          <a:off x="0" y="0"/>
+          <a:ext cx="0" cy="0"/>
+          <a:chOff x="0" y="0"/>
+          <a:chExt cx="0" cy="0"/>
+        </a:xfrm>
+      </p:grpSpPr>
+      <p:sp>
+        <p:nvSpPr>
+          <p:cNvPr id="2" name="Образ слайда 1"/>
+          <p:cNvSpPr>
+            <a:spLocks noGrp="1" noRot="1" noChangeAspect="1"/>
+          </p:cNvSpPr>
+          <p:nvPr>
+            <p:ph type="sldImg"/>
+          </p:nvPr>
+        </p:nvSpPr>
+        <p:spPr/>
+      </p:sp>
+      <p:sp>
+        <p:nvSpPr>
+          <p:cNvPr id="3" name="Заметки 2"/>
+          <p:cNvSpPr>
+            <a:spLocks noGrp="1"/>
+          </p:cNvSpPr>
+          <p:nvPr>
+            <p:ph type="body" idx="1"/>
+          </p:nvPr>
+        </p:nvSpPr>
+        <p:spPr/>
+        <p:txBody>
+          <a:bodyPr/>
+          <a:lstStyle/>
+          <a:p>
+            <a:r>
+              <a:rPr lang="ru-RU" dirty="0" smtClean="0"/>
+              <a:t>Было бы неплохо показать в реальности, через</a:t>
+            </a:r>
+            <a:r>
+              <a:rPr lang="ru-RU" baseline="0" dirty="0" smtClean="0"/>
+              <a:t> интернет, может быть запись.</a:t>
+            </a:r>
+            <a:endParaRPr lang="ru-RU" dirty="0"/>
+          </a:p>
+        </p:txBody>
+      </p:sp>
+      <p:sp>
+        <p:nvSpPr>
+          <p:cNvPr id="4" name="Номер слайда 3"/>
+          <p:cNvSpPr>
+            <a:spLocks noGrp="1"/>
+          </p:cNvSpPr>
+          <p:nvPr>
+            <p:ph type="sldNum" sz="quarter" idx="10"/>
+          </p:nvPr>
+        </p:nvSpPr>
+        <p:spPr/>
+        <p:txBody>
+          <a:bodyPr/>
+          <a:lstStyle/>
+          <a:p>
+            <a:fld id="{02B1A641-8862-4DDE-9E06-F84D330A3577}" type="slidenum">
+              <a:rPr lang="ru-RU" smtClean="0"/>
+              <a:t>24</a:t>
+            </a:fld>
+            <a:endParaRPr lang="ru-RU"/>
+          </a:p>
+        </p:txBody>
+      </p:sp>
+    </p:spTree>
+    <p:extLst>
+      <p:ext uri="{BB962C8B-B14F-4D97-AF65-F5344CB8AC3E}">
+        <p14:creationId xmlns:p14="http://schemas.microsoft.com/office/powerpoint/2010/main" val="3657326217"/>
+      </p:ext>
+    </p:extLst>
+  </p:cSld>
+  <p:clrMapOvr>
+    <a:masterClrMapping/>
+  </p:clrMapOvr>
+</p:notes>
+</file>
+
+<file path=ppt/notesSlides/notesSlide4.xml><?xml version="1.0" encoding="utf-8"?>
+<p:notes xmlns:a="http://schemas.openxmlformats.org/drawingml/2006/main" xmlns:r="http://schemas.openxmlformats.org/officeDocument/2006/relationships" xmlns:p="http://schemas.openxmlformats.org/presentationml/2006/main">
+  <p:cSld>
+    <p:spTree>
+      <p:nvGrpSpPr>
+        <p:cNvPr id="1" name=""/>
+        <p:cNvGrpSpPr/>
+        <p:nvPr/>
+      </p:nvGrpSpPr>
+      <p:grpSpPr>
+        <a:xfrm>
+          <a:off x="0" y="0"/>
+          <a:ext cx="0" cy="0"/>
+          <a:chOff x="0" y="0"/>
+          <a:chExt cx="0" cy="0"/>
+        </a:xfrm>
+      </p:grpSpPr>
+      <p:sp>
+        <p:nvSpPr>
+          <p:cNvPr id="2" name="Образ слайда 1"/>
+          <p:cNvSpPr>
+            <a:spLocks noGrp="1" noRot="1" noChangeAspect="1"/>
+          </p:cNvSpPr>
+          <p:nvPr>
+            <p:ph type="sldImg"/>
+          </p:nvPr>
+        </p:nvSpPr>
+        <p:spPr/>
+      </p:sp>
+      <p:sp>
+        <p:nvSpPr>
+          <p:cNvPr id="3" name="Заметки 2"/>
+          <p:cNvSpPr>
+            <a:spLocks noGrp="1"/>
+          </p:cNvSpPr>
+          <p:nvPr>
+            <p:ph type="body" idx="1"/>
+          </p:nvPr>
+        </p:nvSpPr>
+        <p:spPr/>
+        <p:txBody>
+          <a:bodyPr/>
+          <a:lstStyle/>
+          <a:p>
+            <a:endParaRPr lang="ru-RU" dirty="0"/>
+          </a:p>
+        </p:txBody>
+      </p:sp>
+      <p:sp>
+        <p:nvSpPr>
+          <p:cNvPr id="4" name="Номер слайда 3"/>
+          <p:cNvSpPr>
+            <a:spLocks noGrp="1"/>
+          </p:cNvSpPr>
+          <p:nvPr>
+            <p:ph type="sldNum" sz="quarter" idx="10"/>
+          </p:nvPr>
+        </p:nvSpPr>
+        <p:spPr/>
+        <p:txBody>
+          <a:bodyPr/>
+          <a:lstStyle/>
+          <a:p>
+            <a:fld id="{02B1A641-8862-4DDE-9E06-F84D330A3577}" type="slidenum">
+              <a:rPr lang="ru-RU" smtClean="0"/>
+              <a:t>25</a:t>
+            </a:fld>
+            <a:endParaRPr lang="ru-RU"/>
+          </a:p>
+        </p:txBody>
+      </p:sp>
+    </p:spTree>
+    <p:extLst>
+      <p:ext uri="{BB962C8B-B14F-4D97-AF65-F5344CB8AC3E}">
+        <p14:creationId xmlns:p14="http://schemas.microsoft.com/office/powerpoint/2010/main" val="1335606890"/>
+      </p:ext>
+    </p:extLst>
+  </p:cSld>
+  <p:clrMapOvr>
+    <a:masterClrMapping/>
+  </p:clrMapOvr>
+</p:notes>
+</file>
+
 <file path=ppt/slideLayouts/slideLayout1.xml><?xml version="1.0" encoding="utf-8"?>
 <p:sldLayout xmlns:a="http://schemas.openxmlformats.org/drawingml/2006/main" xmlns:r="http://schemas.openxmlformats.org/officeDocument/2006/relationships" xmlns:p="http://schemas.openxmlformats.org/presentationml/2006/main" type="title" preserve="1">
   <p:cSld name="Титульный слайд">
@@ -734,7 +2108,7 @@
           <a:p>
             <a:fld id="{598EB3BC-0E1B-40DB-B991-A02E2FD922E9}" type="datetimeFigureOut">
               <a:rPr lang="ru-RU" smtClean="0"/>
-              <a:t>15.04.2012</a:t>
+              <a:t>16.04.2012</a:t>
             </a:fld>
             <a:endParaRPr lang="ru-RU"/>
           </a:p>
@@ -904,7 +2278,7 @@
           <a:p>
             <a:fld id="{598EB3BC-0E1B-40DB-B991-A02E2FD922E9}" type="datetimeFigureOut">
               <a:rPr lang="ru-RU" smtClean="0"/>
-              <a:t>15.04.2012</a:t>
+              <a:t>16.04.2012</a:t>
             </a:fld>
             <a:endParaRPr lang="ru-RU"/>
           </a:p>
@@ -1084,7 +2458,7 @@
           <a:p>
             <a:fld id="{598EB3BC-0E1B-40DB-B991-A02E2FD922E9}" type="datetimeFigureOut">
               <a:rPr lang="ru-RU" smtClean="0"/>
-              <a:t>15.04.2012</a:t>
+              <a:t>16.04.2012</a:t>
             </a:fld>
             <a:endParaRPr lang="ru-RU"/>
           </a:p>
@@ -1254,7 +2628,7 @@
           <a:p>
             <a:fld id="{598EB3BC-0E1B-40DB-B991-A02E2FD922E9}" type="datetimeFigureOut">
               <a:rPr lang="ru-RU" smtClean="0"/>
-              <a:t>15.04.2012</a:t>
+              <a:t>16.04.2012</a:t>
             </a:fld>
             <a:endParaRPr lang="ru-RU"/>
           </a:p>
@@ -1500,7 +2874,7 @@
           <a:p>
             <a:fld id="{598EB3BC-0E1B-40DB-B991-A02E2FD922E9}" type="datetimeFigureOut">
               <a:rPr lang="ru-RU" smtClean="0"/>
-              <a:t>15.04.2012</a:t>
+              <a:t>16.04.2012</a:t>
             </a:fld>
             <a:endParaRPr lang="ru-RU"/>
           </a:p>
@@ -1788,7 +3162,7 @@
           <a:p>
             <a:fld id="{598EB3BC-0E1B-40DB-B991-A02E2FD922E9}" type="datetimeFigureOut">
               <a:rPr lang="ru-RU" smtClean="0"/>
-              <a:t>15.04.2012</a:t>
+              <a:t>16.04.2012</a:t>
             </a:fld>
             <a:endParaRPr lang="ru-RU"/>
           </a:p>
@@ -2210,7 +3584,7 @@
           <a:p>
             <a:fld id="{598EB3BC-0E1B-40DB-B991-A02E2FD922E9}" type="datetimeFigureOut">
               <a:rPr lang="ru-RU" smtClean="0"/>
-              <a:t>15.04.2012</a:t>
+              <a:t>16.04.2012</a:t>
             </a:fld>
             <a:endParaRPr lang="ru-RU"/>
           </a:p>
@@ -2328,7 +3702,7 @@
           <a:p>
             <a:fld id="{598EB3BC-0E1B-40DB-B991-A02E2FD922E9}" type="datetimeFigureOut">
               <a:rPr lang="ru-RU" smtClean="0"/>
-              <a:t>15.04.2012</a:t>
+              <a:t>16.04.2012</a:t>
             </a:fld>
             <a:endParaRPr lang="ru-RU"/>
           </a:p>
@@ -2423,7 +3797,7 @@
           <a:p>
             <a:fld id="{598EB3BC-0E1B-40DB-B991-A02E2FD922E9}" type="datetimeFigureOut">
               <a:rPr lang="ru-RU" smtClean="0"/>
-              <a:t>15.04.2012</a:t>
+              <a:t>16.04.2012</a:t>
             </a:fld>
             <a:endParaRPr lang="ru-RU"/>
           </a:p>
@@ -2700,7 +4074,7 @@
           <a:p>
             <a:fld id="{598EB3BC-0E1B-40DB-B991-A02E2FD922E9}" type="datetimeFigureOut">
               <a:rPr lang="ru-RU" smtClean="0"/>
-              <a:t>15.04.2012</a:t>
+              <a:t>16.04.2012</a:t>
             </a:fld>
             <a:endParaRPr lang="ru-RU"/>
           </a:p>
@@ -2953,7 +4327,7 @@
           <a:p>
             <a:fld id="{598EB3BC-0E1B-40DB-B991-A02E2FD922E9}" type="datetimeFigureOut">
               <a:rPr lang="ru-RU" smtClean="0"/>
-              <a:t>15.04.2012</a:t>
+              <a:t>16.04.2012</a:t>
             </a:fld>
             <a:endParaRPr lang="ru-RU"/>
           </a:p>
@@ -3166,7 +4540,7 @@
           <a:p>
             <a:fld id="{598EB3BC-0E1B-40DB-B991-A02E2FD922E9}" type="datetimeFigureOut">
               <a:rPr lang="ru-RU" smtClean="0"/>
-              <a:t>15.04.2012</a:t>
+              <a:t>16.04.2012</a:t>
             </a:fld>
             <a:endParaRPr lang="ru-RU"/>
           </a:p>
@@ -3828,6 +5202,10 @@
           <a:bodyPr/>
           <a:lstStyle/>
           <a:p>
+            <a:r>
+              <a:rPr lang="ru-RU" dirty="0" smtClean="0"/>
+              <a:t>Какая есть? Какая будет? Пожелания ))</a:t>
+            </a:r>
             <a:endParaRPr lang="ru-RU" dirty="0"/>
           </a:p>
         </p:txBody>
@@ -3927,13 +5305,41 @@
           <a:p>
             <a:pPr algn="ctr"/>
             <a:r>
-              <a:rPr lang="ru-RU" sz="2400" dirty="0" smtClean="0">
+              <a:rPr lang="ru-RU" sz="2200" dirty="0" smtClean="0">
                 <a:latin typeface="+mj-lt"/>
                 <a:cs typeface="Times New Roman" pitchFamily="18" charset="0"/>
               </a:rPr>
-              <a:t>База данных</a:t>
-            </a:r>
-            <a:endParaRPr lang="ru-RU" sz="2400" dirty="0">
+              <a:t>База </a:t>
+            </a:r>
+            <a:r>
+              <a:rPr lang="ru-RU" sz="2200" dirty="0" smtClean="0">
+                <a:latin typeface="+mj-lt"/>
+                <a:cs typeface="Times New Roman" pitchFamily="18" charset="0"/>
+              </a:rPr>
+              <a:t>данных</a:t>
+            </a:r>
+            <a:r>
+              <a:rPr lang="en-US" sz="2200" dirty="0" smtClean="0">
+                <a:latin typeface="+mj-lt"/>
+                <a:cs typeface="Times New Roman" pitchFamily="18" charset="0"/>
+              </a:rPr>
+              <a:t> (</a:t>
+            </a:r>
+            <a:r>
+              <a:rPr lang="en-US" sz="2200" dirty="0" smtClean="0">
+                <a:latin typeface="+mj-lt"/>
+                <a:cs typeface="Times New Roman" pitchFamily="18" charset="0"/>
+              </a:rPr>
+              <a:t>Microsoft SQL Server 2008</a:t>
+            </a:r>
+            <a:r>
+              <a:rPr lang="en-US" sz="2200" dirty="0" smtClean="0">
+                <a:latin typeface="+mj-lt"/>
+                <a:cs typeface="Times New Roman" pitchFamily="18" charset="0"/>
+              </a:rPr>
+              <a:t>)</a:t>
+            </a:r>
+            <a:endParaRPr lang="ru-RU" sz="2200" dirty="0">
               <a:latin typeface="+mj-lt"/>
               <a:cs typeface="Times New Roman" pitchFamily="18" charset="0"/>
             </a:endParaRPr>
@@ -3975,13 +5381,34 @@
           <a:p>
             <a:pPr algn="ctr"/>
             <a:r>
-              <a:rPr lang="ru-RU" sz="2400" dirty="0" smtClean="0">
+              <a:rPr lang="ru-RU" sz="2200" dirty="0" smtClean="0">
                 <a:latin typeface="+mj-lt"/>
                 <a:cs typeface="Times New Roman" pitchFamily="18" charset="0"/>
               </a:rPr>
               <a:t>Модель</a:t>
             </a:r>
-            <a:endParaRPr lang="ru-RU" sz="2400" dirty="0">
+            <a:r>
+              <a:rPr lang="en-US" sz="2200" dirty="0" smtClean="0">
+                <a:latin typeface="+mj-lt"/>
+                <a:cs typeface="Times New Roman" pitchFamily="18" charset="0"/>
+              </a:rPr>
+              <a:t> (C# </a:t>
+            </a:r>
+            <a:r>
+              <a:rPr lang="ru-RU" sz="2200" dirty="0" smtClean="0">
+                <a:latin typeface="+mj-lt"/>
+                <a:cs typeface="Times New Roman" pitchFamily="18" charset="0"/>
+              </a:rPr>
+              <a:t>библиотека на базе</a:t>
+            </a:r>
+            <a:r>
+              <a:rPr lang="en-US" sz="2200" dirty="0" smtClean="0">
+                <a:latin typeface="+mj-lt"/>
+                <a:cs typeface="Times New Roman" pitchFamily="18" charset="0"/>
+              </a:rPr>
+              <a:t> Entity Framework)</a:t>
+            </a:r>
+            <a:endParaRPr lang="ru-RU" sz="2200" dirty="0">
               <a:latin typeface="+mj-lt"/>
               <a:cs typeface="Times New Roman" pitchFamily="18" charset="0"/>
             </a:endParaRPr>
@@ -4023,13 +5450,20 @@
           <a:p>
             <a:pPr algn="ctr"/>
             <a:r>
-              <a:rPr lang="ru-RU" sz="2400" dirty="0" smtClean="0">
+              <a:rPr lang="ru-RU" sz="2200" dirty="0" smtClean="0">
                 <a:latin typeface="+mj-lt"/>
                 <a:cs typeface="Times New Roman" pitchFamily="18" charset="0"/>
               </a:rPr>
               <a:t>Поддержка</a:t>
             </a:r>
-            <a:endParaRPr lang="ru-RU" sz="2400" dirty="0">
+            <a:r>
+              <a:rPr lang="en-US" sz="2200" dirty="0" smtClean="0">
+                <a:latin typeface="+mj-lt"/>
+                <a:cs typeface="Times New Roman" pitchFamily="18" charset="0"/>
+              </a:rPr>
+              <a:t> (Windows console)</a:t>
+            </a:r>
+            <a:endParaRPr lang="ru-RU" sz="2200" dirty="0">
               <a:latin typeface="+mj-lt"/>
               <a:cs typeface="Times New Roman" pitchFamily="18" charset="0"/>
             </a:endParaRPr>
@@ -4071,20 +5505,27 @@
           <a:p>
             <a:pPr algn="ctr"/>
             <a:r>
-              <a:rPr lang="en-US" sz="2400" dirty="0" smtClean="0">
+              <a:rPr lang="en-US" sz="2200" dirty="0" smtClean="0">
                 <a:latin typeface="+mj-lt"/>
                 <a:cs typeface="Times New Roman" pitchFamily="18" charset="0"/>
               </a:rPr>
               <a:t>Desktop-</a:t>
             </a:r>
             <a:r>
-              <a:rPr lang="ru-RU" sz="2400" dirty="0" smtClean="0">
+              <a:rPr lang="ru-RU" sz="2200" dirty="0" smtClean="0">
                 <a:latin typeface="+mj-lt"/>
                 <a:cs typeface="Times New Roman" pitchFamily="18" charset="0"/>
               </a:rPr>
               <a:t>клиент</a:t>
             </a:r>
-            <a:endParaRPr lang="ru-RU" sz="2400" dirty="0">
+            <a:r>
+              <a:rPr lang="en-US" sz="2200" dirty="0" smtClean="0">
+                <a:latin typeface="+mj-lt"/>
+                <a:cs typeface="Times New Roman" pitchFamily="18" charset="0"/>
+              </a:rPr>
+              <a:t> (Windows Forms)</a:t>
+            </a:r>
+            <a:endParaRPr lang="ru-RU" sz="2200" dirty="0">
               <a:latin typeface="+mj-lt"/>
               <a:cs typeface="Times New Roman" pitchFamily="18" charset="0"/>
             </a:endParaRPr>
@@ -4246,6 +5687,475 @@
         </p:nvSpPr>
         <p:spPr/>
         <p:txBody>
+          <a:bodyPr>
+            <a:normAutofit fontScale="90000"/>
+          </a:bodyPr>
+          <a:lstStyle/>
+          <a:p>
+            <a:r>
+              <a:rPr lang="ru-RU" dirty="0" smtClean="0">
+                <a:cs typeface="Times New Roman" pitchFamily="18" charset="0"/>
+              </a:rPr>
+              <a:t/>
+            </a:r>
+            <a:br>
+              <a:rPr lang="ru-RU" dirty="0" smtClean="0">
+                <a:cs typeface="Times New Roman" pitchFamily="18" charset="0"/>
+              </a:rPr>
+            </a:br>
+            <a:r>
+              <a:rPr lang="ru-RU" dirty="0" smtClean="0">
+                <a:cs typeface="Times New Roman" pitchFamily="18" charset="0"/>
+              </a:rPr>
+              <a:t>База </a:t>
+            </a:r>
+            <a:r>
+              <a:rPr lang="ru-RU" dirty="0">
+                <a:cs typeface="Times New Roman" pitchFamily="18" charset="0"/>
+              </a:rPr>
+              <a:t>данных</a:t>
+            </a:r>
+            <a:r>
+              <a:rPr lang="en-US" dirty="0">
+                <a:cs typeface="Times New Roman" pitchFamily="18" charset="0"/>
+              </a:rPr>
+              <a:t> (Microsoft SQL Server 2008)</a:t>
+            </a:r>
+            <a:r>
+              <a:rPr lang="ru-RU" dirty="0">
+                <a:cs typeface="Times New Roman" pitchFamily="18" charset="0"/>
+              </a:rPr>
+              <a:t/>
+            </a:r>
+            <a:br>
+              <a:rPr lang="ru-RU" dirty="0">
+                <a:cs typeface="Times New Roman" pitchFamily="18" charset="0"/>
+              </a:rPr>
+            </a:br>
+            <a:endParaRPr lang="ru-RU" dirty="0"/>
+          </a:p>
+        </p:txBody>
+      </p:sp>
+      <p:sp>
+        <p:nvSpPr>
+          <p:cNvPr id="3" name="TextBox 2"/>
+          <p:cNvSpPr txBox="1"/>
+          <p:nvPr/>
+        </p:nvSpPr>
+        <p:spPr>
+          <a:xfrm>
+            <a:off x="827584" y="2012647"/>
+            <a:ext cx="2326406" cy="923330"/>
+          </a:xfrm>
+          <a:prstGeom prst="rect">
+            <a:avLst/>
+          </a:prstGeom>
+          <a:noFill/>
+        </p:spPr>
+        <p:txBody>
+          <a:bodyPr wrap="none" rtlCol="0">
+            <a:spAutoFit/>
+          </a:bodyPr>
+          <a:lstStyle/>
+          <a:p>
+            <a:r>
+              <a:rPr lang="ru-RU" dirty="0" smtClean="0"/>
+              <a:t>Функции</a:t>
+            </a:r>
+          </a:p>
+          <a:p>
+            <a:pPr marL="285750" indent="-285750">
+              <a:buFontTx/>
+              <a:buChar char="-"/>
+            </a:pPr>
+            <a:r>
+              <a:rPr lang="ru-RU" dirty="0" smtClean="0"/>
+              <a:t>хранение данных;</a:t>
+            </a:r>
+          </a:p>
+          <a:p>
+            <a:pPr marL="285750" indent="-285750">
+              <a:buFontTx/>
+              <a:buChar char="-"/>
+            </a:pPr>
+            <a:r>
+              <a:rPr lang="ru-RU" dirty="0" smtClean="0"/>
+              <a:t>доступ к данным;</a:t>
+            </a:r>
+            <a:endParaRPr lang="ru-RU" dirty="0"/>
+          </a:p>
+        </p:txBody>
+      </p:sp>
+    </p:spTree>
+    <p:extLst>
+      <p:ext uri="{BB962C8B-B14F-4D97-AF65-F5344CB8AC3E}">
+        <p14:creationId xmlns:p14="http://schemas.microsoft.com/office/powerpoint/2010/main" val="2343043480"/>
+      </p:ext>
+    </p:extLst>
+  </p:cSld>
+  <p:clrMapOvr>
+    <a:masterClrMapping/>
+  </p:clrMapOvr>
+  <p:timing>
+    <p:tnLst>
+      <p:par>
+        <p:cTn id="1" dur="indefinite" restart="never" nodeType="tmRoot"/>
+      </p:par>
+    </p:tnLst>
+  </p:timing>
+</p:sld>
+</file>
+
+<file path=ppt/slides/slide14.xml><?xml version="1.0" encoding="utf-8"?>
+<p:sld xmlns:a="http://schemas.openxmlformats.org/drawingml/2006/main" xmlns:r="http://schemas.openxmlformats.org/officeDocument/2006/relationships" xmlns:p="http://schemas.openxmlformats.org/presentationml/2006/main">
+  <p:cSld>
+    <p:spTree>
+      <p:nvGrpSpPr>
+        <p:cNvPr id="1" name=""/>
+        <p:cNvGrpSpPr/>
+        <p:nvPr/>
+      </p:nvGrpSpPr>
+      <p:grpSpPr>
+        <a:xfrm>
+          <a:off x="0" y="0"/>
+          <a:ext cx="0" cy="0"/>
+          <a:chOff x="0" y="0"/>
+          <a:chExt cx="0" cy="0"/>
+        </a:xfrm>
+      </p:grpSpPr>
+      <p:sp>
+        <p:nvSpPr>
+          <p:cNvPr id="2" name="Заголовок 1"/>
+          <p:cNvSpPr>
+            <a:spLocks noGrp="1"/>
+          </p:cNvSpPr>
+          <p:nvPr>
+            <p:ph type="title"/>
+          </p:nvPr>
+        </p:nvSpPr>
+        <p:spPr/>
+        <p:txBody>
+          <a:bodyPr>
+            <a:normAutofit fontScale="90000"/>
+          </a:bodyPr>
+          <a:lstStyle/>
+          <a:p>
+            <a:r>
+              <a:rPr lang="ru-RU" dirty="0">
+                <a:cs typeface="Times New Roman" pitchFamily="18" charset="0"/>
+              </a:rPr>
+              <a:t>Модель</a:t>
+            </a:r>
+            <a:r>
+              <a:rPr lang="en-US" dirty="0">
+                <a:cs typeface="Times New Roman" pitchFamily="18" charset="0"/>
+              </a:rPr>
+              <a:t> (C# </a:t>
+            </a:r>
+            <a:r>
+              <a:rPr lang="ru-RU" dirty="0">
+                <a:cs typeface="Times New Roman" pitchFamily="18" charset="0"/>
+              </a:rPr>
+              <a:t>библиотека на базе</a:t>
+            </a:r>
+            <a:r>
+              <a:rPr lang="en-US" dirty="0">
+                <a:cs typeface="Times New Roman" pitchFamily="18" charset="0"/>
+              </a:rPr>
+              <a:t> Entity Framework)</a:t>
+            </a:r>
+            <a:endParaRPr lang="ru-RU" dirty="0"/>
+          </a:p>
+        </p:txBody>
+      </p:sp>
+      <p:sp>
+        <p:nvSpPr>
+          <p:cNvPr id="3" name="TextBox 2"/>
+          <p:cNvSpPr txBox="1"/>
+          <p:nvPr/>
+        </p:nvSpPr>
+        <p:spPr>
+          <a:xfrm>
+            <a:off x="611560" y="1772816"/>
+            <a:ext cx="6893747" cy="1200329"/>
+          </a:xfrm>
+          <a:prstGeom prst="rect">
+            <a:avLst/>
+          </a:prstGeom>
+          <a:noFill/>
+        </p:spPr>
+        <p:txBody>
+          <a:bodyPr wrap="none" rtlCol="0">
+            <a:spAutoFit/>
+          </a:bodyPr>
+          <a:lstStyle/>
+          <a:p>
+            <a:r>
+              <a:rPr lang="ru-RU" dirty="0" smtClean="0"/>
+              <a:t>Функции</a:t>
+            </a:r>
+          </a:p>
+          <a:p>
+            <a:pPr marL="285750" indent="-285750">
+              <a:buFontTx/>
+              <a:buChar char="-"/>
+            </a:pPr>
+            <a:r>
+              <a:rPr lang="en-US" dirty="0" smtClean="0"/>
+              <a:t>API </a:t>
+            </a:r>
+            <a:r>
+              <a:rPr lang="ru-RU" dirty="0" smtClean="0"/>
+              <a:t>для доступа к базе данных;</a:t>
+            </a:r>
+          </a:p>
+          <a:p>
+            <a:pPr marL="285750" indent="-285750">
+              <a:buFontTx/>
+              <a:buChar char="-"/>
+            </a:pPr>
+            <a:r>
+              <a:rPr lang="ru-RU" dirty="0" smtClean="0"/>
+              <a:t>синхронизация структуры базы данных с предметной областью;</a:t>
+            </a:r>
+          </a:p>
+          <a:p>
+            <a:pPr marL="285750" indent="-285750">
+              <a:buFontTx/>
+              <a:buChar char="-"/>
+            </a:pPr>
+            <a:r>
+              <a:rPr lang="en-US" dirty="0" smtClean="0">
+                <a:solidFill>
+                  <a:srgbClr val="FF0000"/>
+                </a:solidFill>
+              </a:rPr>
+              <a:t>&lt;</a:t>
+            </a:r>
+            <a:r>
+              <a:rPr lang="ru-RU" dirty="0" smtClean="0">
+                <a:solidFill>
+                  <a:srgbClr val="FF0000"/>
+                </a:solidFill>
+              </a:rPr>
+              <a:t>!</a:t>
+            </a:r>
+            <a:r>
+              <a:rPr lang="en-US" dirty="0" smtClean="0">
+                <a:solidFill>
+                  <a:srgbClr val="FF0000"/>
+                </a:solidFill>
+              </a:rPr>
+              <a:t>&gt;</a:t>
+            </a:r>
+            <a:r>
+              <a:rPr lang="ru-RU" dirty="0" smtClean="0"/>
+              <a:t>бизнес-логика</a:t>
+            </a:r>
+            <a:r>
+              <a:rPr lang="en-US" dirty="0" smtClean="0">
+                <a:solidFill>
+                  <a:srgbClr val="FF0000"/>
+                </a:solidFill>
+              </a:rPr>
+              <a:t>&lt;/!&gt;</a:t>
+            </a:r>
+            <a:r>
+              <a:rPr lang="ru-RU" dirty="0" smtClean="0"/>
+              <a:t>;</a:t>
+            </a:r>
+            <a:endParaRPr lang="ru-RU" dirty="0"/>
+          </a:p>
+        </p:txBody>
+      </p:sp>
+      <p:sp>
+        <p:nvSpPr>
+          <p:cNvPr id="4" name="TextBox 3"/>
+          <p:cNvSpPr txBox="1"/>
+          <p:nvPr/>
+        </p:nvSpPr>
+        <p:spPr>
+          <a:xfrm>
+            <a:off x="683568" y="3140968"/>
+            <a:ext cx="6151364" cy="1200329"/>
+          </a:xfrm>
+          <a:prstGeom prst="rect">
+            <a:avLst/>
+          </a:prstGeom>
+          <a:noFill/>
+        </p:spPr>
+        <p:txBody>
+          <a:bodyPr wrap="none" rtlCol="0">
+            <a:spAutoFit/>
+          </a:bodyPr>
+          <a:lstStyle/>
+          <a:p>
+            <a:r>
+              <a:rPr lang="ru-RU" dirty="0" smtClean="0"/>
+              <a:t>Преимущества</a:t>
+            </a:r>
+          </a:p>
+          <a:p>
+            <a:pPr marL="285750" indent="-285750">
+              <a:buFontTx/>
+              <a:buChar char="-"/>
+            </a:pPr>
+            <a:r>
+              <a:rPr lang="ru-RU" dirty="0" smtClean="0"/>
+              <a:t>избавляет от необходимости писать </a:t>
+            </a:r>
+            <a:r>
+              <a:rPr lang="en-US" dirty="0" err="1" smtClean="0"/>
+              <a:t>sql</a:t>
+            </a:r>
+            <a:r>
+              <a:rPr lang="en-US" dirty="0" smtClean="0"/>
+              <a:t> </a:t>
+            </a:r>
+            <a:r>
+              <a:rPr lang="ru-RU" dirty="0" smtClean="0"/>
+              <a:t>запросы;</a:t>
+            </a:r>
+          </a:p>
+          <a:p>
+            <a:pPr marL="285750" indent="-285750">
+              <a:buFontTx/>
+              <a:buChar char="-"/>
+            </a:pPr>
+            <a:r>
+              <a:rPr lang="en-US" dirty="0" smtClean="0">
+                <a:solidFill>
+                  <a:srgbClr val="00B0F0"/>
+                </a:solidFill>
+              </a:rPr>
+              <a:t>&lt;</a:t>
+            </a:r>
+            <a:r>
+              <a:rPr lang="ru-RU" dirty="0" smtClean="0">
+                <a:solidFill>
+                  <a:srgbClr val="00B0F0"/>
+                </a:solidFill>
+              </a:rPr>
+              <a:t>ирония</a:t>
+            </a:r>
+            <a:r>
+              <a:rPr lang="en-US" dirty="0" smtClean="0">
+                <a:solidFill>
+                  <a:srgbClr val="00B0F0"/>
+                </a:solidFill>
+              </a:rPr>
+              <a:t>&gt;</a:t>
+            </a:r>
+            <a:r>
+              <a:rPr lang="ru-RU" dirty="0" smtClean="0"/>
+              <a:t>независимость от конкретной СУБД</a:t>
+            </a:r>
+            <a:r>
+              <a:rPr lang="en-US" dirty="0" smtClean="0">
+                <a:solidFill>
+                  <a:srgbClr val="00B0F0"/>
+                </a:solidFill>
+              </a:rPr>
+              <a:t>&lt;/</a:t>
+            </a:r>
+            <a:r>
+              <a:rPr lang="ru-RU" dirty="0" smtClean="0">
+                <a:solidFill>
+                  <a:srgbClr val="00B0F0"/>
+                </a:solidFill>
+              </a:rPr>
+              <a:t>ирония</a:t>
+            </a:r>
+            <a:r>
+              <a:rPr lang="en-US" dirty="0" smtClean="0">
+                <a:solidFill>
+                  <a:srgbClr val="00B0F0"/>
+                </a:solidFill>
+              </a:rPr>
+              <a:t>&gt;</a:t>
+            </a:r>
+            <a:r>
+              <a:rPr lang="ru-RU" dirty="0" smtClean="0"/>
+              <a:t>;</a:t>
+            </a:r>
+          </a:p>
+          <a:p>
+            <a:pPr marL="285750" indent="-285750">
+              <a:buFontTx/>
+              <a:buChar char="-"/>
+            </a:pPr>
+            <a:r>
+              <a:rPr lang="ru-RU" dirty="0" smtClean="0"/>
+              <a:t>контролируемое изменение структуры </a:t>
+            </a:r>
+            <a:r>
+              <a:rPr lang="ru-RU" dirty="0" err="1" smtClean="0"/>
+              <a:t>бд</a:t>
+            </a:r>
+            <a:r>
+              <a:rPr lang="ru-RU" dirty="0" smtClean="0"/>
+              <a:t> в </a:t>
+            </a:r>
+            <a:r>
+              <a:rPr lang="ru-RU" dirty="0" err="1" smtClean="0"/>
+              <a:t>продакшене</a:t>
+            </a:r>
+            <a:r>
+              <a:rPr lang="ru-RU" dirty="0" smtClean="0"/>
+              <a:t>;</a:t>
+            </a:r>
+          </a:p>
+        </p:txBody>
+      </p:sp>
+    </p:spTree>
+    <p:extLst>
+      <p:ext uri="{BB962C8B-B14F-4D97-AF65-F5344CB8AC3E}">
+        <p14:creationId xmlns:p14="http://schemas.microsoft.com/office/powerpoint/2010/main" val="3246170440"/>
+      </p:ext>
+    </p:extLst>
+  </p:cSld>
+  <p:clrMapOvr>
+    <a:masterClrMapping/>
+  </p:clrMapOvr>
+  <p:timing>
+    <p:tnLst>
+      <p:par>
+        <p:cTn id="1" dur="indefinite" restart="never" nodeType="tmRoot"/>
+      </p:par>
+    </p:tnLst>
+  </p:timing>
+</p:sld>
+</file>
+
+<file path=ppt/slides/slide15.xml><?xml version="1.0" encoding="utf-8"?>
+<p:sld xmlns:a="http://schemas.openxmlformats.org/drawingml/2006/main" xmlns:r="http://schemas.openxmlformats.org/officeDocument/2006/relationships" xmlns:p="http://schemas.openxmlformats.org/presentationml/2006/main">
+  <p:cSld>
+    <p:spTree>
+      <p:nvGrpSpPr>
+        <p:cNvPr id="1" name=""/>
+        <p:cNvGrpSpPr/>
+        <p:nvPr/>
+      </p:nvGrpSpPr>
+      <p:grpSpPr>
+        <a:xfrm>
+          <a:off x="0" y="0"/>
+          <a:ext cx="0" cy="0"/>
+          <a:chOff x="0" y="0"/>
+          <a:chExt cx="0" cy="0"/>
+        </a:xfrm>
+      </p:grpSpPr>
+      <p:sp>
+        <p:nvSpPr>
+          <p:cNvPr id="2" name="Заголовок 1"/>
+          <p:cNvSpPr>
+            <a:spLocks noGrp="1"/>
+          </p:cNvSpPr>
+          <p:nvPr>
+            <p:ph type="title"/>
+          </p:nvPr>
+        </p:nvSpPr>
+        <p:spPr/>
+        <p:txBody>
           <a:bodyPr/>
           <a:lstStyle/>
           <a:p>
@@ -4292,10 +6202,41 @@
           <a:p>
             <a:pPr algn="ctr"/>
             <a:r>
-              <a:rPr lang="ru-RU" dirty="0" smtClean="0"/>
-              <a:t>База данных</a:t>
-            </a:r>
-            <a:endParaRPr lang="ru-RU" dirty="0"/>
+              <a:rPr lang="ru-RU" sz="2200" dirty="0" smtClean="0">
+                <a:latin typeface="+mj-lt"/>
+              </a:rPr>
+              <a:t>База </a:t>
+            </a:r>
+            <a:r>
+              <a:rPr lang="ru-RU" sz="2200" dirty="0" smtClean="0">
+                <a:latin typeface="+mj-lt"/>
+              </a:rPr>
+              <a:t>данных </a:t>
+            </a:r>
+            <a:r>
+              <a:rPr lang="en-US" sz="2200" dirty="0">
+                <a:latin typeface="+mj-lt"/>
+                <a:cs typeface="Times New Roman" pitchFamily="18" charset="0"/>
+              </a:rPr>
+              <a:t>(Microsoft SQL Server </a:t>
+            </a:r>
+            <a:r>
+              <a:rPr lang="ru-RU" sz="2200" dirty="0" smtClean="0">
+                <a:latin typeface="+mj-lt"/>
+                <a:cs typeface="Times New Roman" pitchFamily="18" charset="0"/>
+              </a:rPr>
+              <a:t>2008</a:t>
+            </a:r>
+            <a:r>
+              <a:rPr lang="en-US" sz="2200" dirty="0" smtClean="0">
+                <a:latin typeface="+mj-lt"/>
+                <a:cs typeface="Times New Roman" pitchFamily="18" charset="0"/>
+              </a:rPr>
+              <a:t>)</a:t>
+            </a:r>
+            <a:endParaRPr lang="ru-RU" sz="2200" dirty="0">
+              <a:latin typeface="+mj-lt"/>
+            </a:endParaRPr>
           </a:p>
         </p:txBody>
       </p:sp>
@@ -4334,10 +6275,44 @@
           <a:p>
             <a:pPr algn="ctr"/>
             <a:r>
-              <a:rPr lang="ru-RU" dirty="0" smtClean="0"/>
+              <a:rPr lang="ru-RU" sz="2200" dirty="0" smtClean="0">
+                <a:latin typeface="+mj-lt"/>
+              </a:rPr>
               <a:t>Модель</a:t>
             </a:r>
-            <a:endParaRPr lang="ru-RU" dirty="0"/>
+            <a:r>
+              <a:rPr lang="en-US" sz="2200" dirty="0" smtClean="0">
+                <a:latin typeface="+mj-lt"/>
+              </a:rPr>
+              <a:t> </a:t>
+            </a:r>
+            <a:r>
+              <a:rPr lang="en-US" sz="2200" dirty="0">
+                <a:cs typeface="Times New Roman" pitchFamily="18" charset="0"/>
+              </a:rPr>
+              <a:t>(C# </a:t>
+            </a:r>
+            <a:r>
+              <a:rPr lang="ru-RU" sz="2200" dirty="0">
+                <a:cs typeface="Times New Roman" pitchFamily="18" charset="0"/>
+              </a:rPr>
+              <a:t>библиотека на базе</a:t>
+            </a:r>
+            <a:r>
+              <a:rPr lang="en-US" sz="2200" dirty="0">
+                <a:cs typeface="Times New Roman" pitchFamily="18" charset="0"/>
+              </a:rPr>
+              <a:t> Entity Framework</a:t>
+            </a:r>
+            <a:r>
+              <a:rPr lang="en-US" sz="2200" dirty="0" smtClean="0">
+                <a:cs typeface="Times New Roman" pitchFamily="18" charset="0"/>
+              </a:rPr>
+              <a:t>)</a:t>
+            </a:r>
+            <a:endParaRPr lang="ru-RU" sz="2200" dirty="0">
+              <a:cs typeface="Times New Roman" pitchFamily="18" charset="0"/>
+            </a:endParaRPr>
           </a:p>
         </p:txBody>
       </p:sp>
@@ -4349,8 +6324,8 @@
         </p:nvSpPr>
         <p:spPr>
           <a:xfrm>
-            <a:off x="2699791" y="3681028"/>
-            <a:ext cx="5980301" cy="954106"/>
+            <a:off x="3131840" y="3681028"/>
+            <a:ext cx="5548252" cy="954106"/>
           </a:xfrm>
           <a:prstGeom prst="rect">
             <a:avLst/>
@@ -4376,14 +6351,26 @@
           <a:p>
             <a:pPr algn="ctr"/>
             <a:r>
-              <a:rPr lang="en-US" dirty="0" smtClean="0"/>
+              <a:rPr lang="en-US" sz="2200" dirty="0" smtClean="0">
+                <a:latin typeface="+mj-lt"/>
+              </a:rPr>
               <a:t>Web-</a:t>
             </a:r>
             <a:r>
-              <a:rPr lang="ru-RU" dirty="0" smtClean="0"/>
+              <a:rPr lang="ru-RU" sz="2200" dirty="0" smtClean="0">
+                <a:latin typeface="+mj-lt"/>
+              </a:rPr>
               <a:t>сервис</a:t>
             </a:r>
-            <a:endParaRPr lang="ru-RU" dirty="0"/>
+            <a:r>
+              <a:rPr lang="en-US" sz="2200" dirty="0" smtClean="0">
+                <a:latin typeface="+mj-lt"/>
+              </a:rPr>
+              <a:t> (WCF)</a:t>
+            </a:r>
+            <a:endParaRPr lang="ru-RU" sz="2200" dirty="0">
+              <a:latin typeface="+mj-lt"/>
+            </a:endParaRPr>
           </a:p>
         </p:txBody>
       </p:sp>
@@ -4422,14 +6409,35 @@
           <a:p>
             <a:pPr algn="ctr"/>
             <a:r>
-              <a:rPr lang="en-US" dirty="0" smtClean="0"/>
+              <a:rPr lang="en-US" sz="2200" dirty="0" smtClean="0">
+                <a:latin typeface="+mj-lt"/>
+              </a:rPr>
               <a:t>Web-</a:t>
             </a:r>
             <a:r>
-              <a:rPr lang="ru-RU" dirty="0" smtClean="0"/>
+              <a:rPr lang="ru-RU" sz="2200" dirty="0" smtClean="0">
+                <a:latin typeface="+mj-lt"/>
+              </a:rPr>
               <a:t>клиент</a:t>
             </a:r>
-            <a:endParaRPr lang="ru-RU" dirty="0"/>
+            <a:r>
+              <a:rPr lang="en-US" sz="2200" dirty="0" smtClean="0">
+                <a:latin typeface="+mj-lt"/>
+              </a:rPr>
+              <a:t> </a:t>
+            </a:r>
+          </a:p>
+          <a:p>
+            <a:pPr algn="ctr"/>
+            <a:r>
+              <a:rPr lang="en-US" sz="2200" dirty="0" smtClean="0">
+                <a:latin typeface="+mj-lt"/>
+              </a:rPr>
+              <a:t>(ASP.NET MVC)</a:t>
+            </a:r>
+            <a:endParaRPr lang="ru-RU" sz="2200" dirty="0">
+              <a:latin typeface="+mj-lt"/>
+            </a:endParaRPr>
           </a:p>
         </p:txBody>
       </p:sp>
@@ -4442,7 +6450,7 @@
         <p:spPr>
           <a:xfrm>
             <a:off x="611560" y="3681028"/>
-            <a:ext cx="1944216" cy="954106"/>
+            <a:ext cx="2376264" cy="954106"/>
           </a:xfrm>
           <a:prstGeom prst="rect">
             <a:avLst/>
@@ -4467,11 +6475,48 @@
           <a:lstStyle/>
           <a:p>
             <a:pPr algn="ctr"/>
-            <a:r>
-              <a:rPr lang="ru-RU" dirty="0" smtClean="0"/>
+            <a:endParaRPr lang="en-US" dirty="0" smtClean="0">
+              <a:latin typeface="+mj-lt"/>
+            </a:endParaRPr>
+          </a:p>
+          <a:p>
+            <a:pPr algn="ctr"/>
+            <a:r>
+              <a:rPr lang="ru-RU" dirty="0" smtClean="0">
+                <a:latin typeface="+mj-lt"/>
+              </a:rPr>
               <a:t>Поддержка</a:t>
             </a:r>
-            <a:endParaRPr lang="ru-RU" dirty="0"/>
+            <a:endParaRPr lang="en-US" dirty="0" smtClean="0">
+              <a:latin typeface="+mj-lt"/>
+            </a:endParaRPr>
+          </a:p>
+          <a:p>
+            <a:pPr algn="ctr"/>
+            <a:r>
+              <a:rPr lang="en-US" dirty="0" smtClean="0">
+                <a:latin typeface="+mj-lt"/>
+                <a:cs typeface="Times New Roman" pitchFamily="18" charset="0"/>
+              </a:rPr>
+              <a:t>(</a:t>
+            </a:r>
+            <a:r>
+              <a:rPr lang="en-US" dirty="0">
+                <a:latin typeface="+mj-lt"/>
+                <a:cs typeface="Times New Roman" pitchFamily="18" charset="0"/>
+              </a:rPr>
+              <a:t>Windows console)</a:t>
+            </a:r>
+            <a:endParaRPr lang="ru-RU" dirty="0">
+              <a:latin typeface="+mj-lt"/>
+              <a:cs typeface="Times New Roman" pitchFamily="18" charset="0"/>
+            </a:endParaRPr>
+          </a:p>
+          <a:p>
+            <a:pPr algn="ctr"/>
+            <a:endParaRPr lang="ru-RU" dirty="0">
+              <a:latin typeface="+mj-lt"/>
+            </a:endParaRPr>
           </a:p>
         </p:txBody>
       </p:sp>
@@ -4510,14 +6555,35 @@
           <a:p>
             <a:pPr algn="ctr"/>
             <a:r>
-              <a:rPr lang="en-US" dirty="0" smtClean="0"/>
+              <a:rPr lang="en-US" sz="2200" dirty="0" smtClean="0">
+                <a:latin typeface="+mj-lt"/>
+              </a:rPr>
               <a:t>Desktop-</a:t>
             </a:r>
             <a:r>
-              <a:rPr lang="ru-RU" dirty="0" smtClean="0"/>
+              <a:rPr lang="ru-RU" sz="2200" dirty="0" smtClean="0">
+                <a:latin typeface="+mj-lt"/>
+              </a:rPr>
               <a:t>клиент</a:t>
             </a:r>
-            <a:endParaRPr lang="ru-RU" dirty="0"/>
+            <a:r>
+              <a:rPr lang="en-US" sz="2200" dirty="0" smtClean="0">
+                <a:latin typeface="+mj-lt"/>
+              </a:rPr>
+              <a:t> </a:t>
+            </a:r>
+          </a:p>
+          <a:p>
+            <a:pPr algn="ctr"/>
+            <a:r>
+              <a:rPr lang="en-US" sz="2200" dirty="0" smtClean="0">
+                <a:latin typeface="+mj-lt"/>
+              </a:rPr>
+              <a:t>(Windows Forms)</a:t>
+            </a:r>
+            <a:endParaRPr lang="ru-RU" sz="2200" dirty="0">
+              <a:latin typeface="+mj-lt"/>
+            </a:endParaRPr>
           </a:p>
         </p:txBody>
       </p:sp>
@@ -4566,9 +6632,9 @@
           <p:nvPr/>
         </p:nvCxnSpPr>
         <p:spPr>
-          <a:xfrm flipH="1" flipV="1">
-            <a:off x="5689941" y="3465004"/>
-            <a:ext cx="1" cy="216024"/>
+          <a:xfrm flipV="1">
+            <a:off x="5905966" y="3465004"/>
+            <a:ext cx="0" cy="216024"/>
           </a:xfrm>
           <a:prstGeom prst="straightConnector1">
             <a:avLst/>
@@ -4602,7 +6668,7 @@
         </p:nvCxnSpPr>
         <p:spPr>
           <a:xfrm flipV="1">
-            <a:off x="1583668" y="3465004"/>
+            <a:off x="1799692" y="3465004"/>
             <a:ext cx="0" cy="216024"/>
           </a:xfrm>
           <a:prstGeom prst="straightConnector1">
@@ -4621,39 +6687,6 @@
           </a:fillRef>
           <a:effectRef idx="1">
             <a:schemeClr val="dk1"/>
-          </a:effectRef>
-          <a:fontRef idx="minor">
-            <a:schemeClr val="tx1"/>
-          </a:fontRef>
-        </p:style>
-      </p:cxnSp>
-      <p:cxnSp>
-        <p:nvCxnSpPr>
-          <p:cNvPr id="19" name="Прямая со стрелкой 18"/>
-          <p:cNvCxnSpPr/>
-          <p:nvPr/>
-        </p:nvCxnSpPr>
-        <p:spPr>
-          <a:xfrm flipV="1">
-            <a:off x="4194866" y="4041068"/>
-            <a:ext cx="0" cy="162018"/>
-          </a:xfrm>
-          <a:prstGeom prst="straightConnector1">
-            <a:avLst/>
-          </a:prstGeom>
-          <a:ln>
-            <a:tailEnd type="arrow"/>
-          </a:ln>
-        </p:spPr>
-        <p:style>
-          <a:lnRef idx="1">
-            <a:schemeClr val="accent1"/>
-          </a:lnRef>
-          <a:fillRef idx="0">
-            <a:schemeClr val="accent1"/>
-          </a:fillRef>
-          <a:effectRef idx="0">
-            <a:schemeClr val="accent1"/>
           </a:effectRef>
           <a:fontRef idx="minor">
             <a:schemeClr val="tx1"/>
@@ -4781,7 +6814,7 @@
 </p:sld>
 </file>
 
-<file path=ppt/slides/slide14.xml><?xml version="1.0" encoding="utf-8"?>
+<file path=ppt/slides/slide16.xml><?xml version="1.0" encoding="utf-8"?>
 <p:sld xmlns:a="http://schemas.openxmlformats.org/drawingml/2006/main" xmlns:r="http://schemas.openxmlformats.org/officeDocument/2006/relationships" xmlns:p="http://schemas.openxmlformats.org/presentationml/2006/main">
   <p:cSld>
     <p:spTree>
@@ -4798,6 +6831,859 @@
           <a:chExt cx="0" cy="0"/>
         </a:xfrm>
       </p:grpSpPr>
+      <p:sp>
+        <p:nvSpPr>
+          <p:cNvPr id="2" name="Заголовок 1"/>
+          <p:cNvSpPr>
+            <a:spLocks noGrp="1"/>
+          </p:cNvSpPr>
+          <p:nvPr>
+            <p:ph type="title"/>
+          </p:nvPr>
+        </p:nvSpPr>
+        <p:spPr/>
+        <p:txBody>
+          <a:bodyPr>
+            <a:normAutofit fontScale="90000"/>
+          </a:bodyPr>
+          <a:lstStyle/>
+          <a:p>
+            <a:r>
+              <a:rPr lang="ru-RU" dirty="0" smtClean="0">
+                <a:cs typeface="Times New Roman" pitchFamily="18" charset="0"/>
+              </a:rPr>
+              <a:t/>
+            </a:r>
+            <a:br>
+              <a:rPr lang="ru-RU" dirty="0" smtClean="0">
+                <a:cs typeface="Times New Roman" pitchFamily="18" charset="0"/>
+              </a:rPr>
+            </a:br>
+            <a:r>
+              <a:rPr lang="ru-RU" dirty="0" smtClean="0">
+                <a:cs typeface="Times New Roman" pitchFamily="18" charset="0"/>
+              </a:rPr>
+              <a:t>База </a:t>
+            </a:r>
+            <a:r>
+              <a:rPr lang="ru-RU" dirty="0">
+                <a:cs typeface="Times New Roman" pitchFamily="18" charset="0"/>
+              </a:rPr>
+              <a:t>данных</a:t>
+            </a:r>
+            <a:r>
+              <a:rPr lang="en-US" dirty="0">
+                <a:cs typeface="Times New Roman" pitchFamily="18" charset="0"/>
+              </a:rPr>
+              <a:t> (Microsoft SQL Server 2008)</a:t>
+            </a:r>
+            <a:r>
+              <a:rPr lang="ru-RU" dirty="0">
+                <a:cs typeface="Times New Roman" pitchFamily="18" charset="0"/>
+              </a:rPr>
+              <a:t/>
+            </a:r>
+            <a:br>
+              <a:rPr lang="ru-RU" dirty="0">
+                <a:cs typeface="Times New Roman" pitchFamily="18" charset="0"/>
+              </a:rPr>
+            </a:br>
+            <a:endParaRPr lang="ru-RU" dirty="0"/>
+          </a:p>
+        </p:txBody>
+      </p:sp>
+      <p:sp>
+        <p:nvSpPr>
+          <p:cNvPr id="3" name="TextBox 2"/>
+          <p:cNvSpPr txBox="1"/>
+          <p:nvPr/>
+        </p:nvSpPr>
+        <p:spPr>
+          <a:xfrm>
+            <a:off x="827584" y="1988840"/>
+            <a:ext cx="2277996" cy="1200329"/>
+          </a:xfrm>
+          <a:prstGeom prst="rect">
+            <a:avLst/>
+          </a:prstGeom>
+          <a:noFill/>
+        </p:spPr>
+        <p:txBody>
+          <a:bodyPr wrap="none" rtlCol="0">
+            <a:spAutoFit/>
+          </a:bodyPr>
+          <a:lstStyle/>
+          <a:p>
+            <a:pPr marL="285750" indent="-285750">
+              <a:buFontTx/>
+              <a:buChar char="-"/>
+            </a:pPr>
+            <a:r>
+              <a:rPr lang="ru-RU" dirty="0" smtClean="0"/>
+              <a:t>хранение данных;</a:t>
+            </a:r>
+          </a:p>
+          <a:p>
+            <a:pPr marL="285750" indent="-285750">
+              <a:buFontTx/>
+              <a:buChar char="-"/>
+            </a:pPr>
+            <a:r>
+              <a:rPr lang="ru-RU" dirty="0" smtClean="0"/>
+              <a:t>доступ к данным;</a:t>
+            </a:r>
+          </a:p>
+          <a:p>
+            <a:pPr marL="285750" indent="-285750">
+              <a:buFontTx/>
+              <a:buChar char="-"/>
+            </a:pPr>
+            <a:r>
+              <a:rPr lang="ru-RU" dirty="0" smtClean="0"/>
+              <a:t>репликация;</a:t>
+            </a:r>
+          </a:p>
+          <a:p>
+            <a:pPr marL="285750" indent="-285750">
+              <a:buFontTx/>
+              <a:buChar char="-"/>
+            </a:pPr>
+            <a:r>
+              <a:rPr lang="ru-RU" dirty="0" smtClean="0"/>
+              <a:t>зеркалирование;</a:t>
+            </a:r>
+            <a:endParaRPr lang="ru-RU" dirty="0"/>
+          </a:p>
+        </p:txBody>
+      </p:sp>
+      <p:sp>
+        <p:nvSpPr>
+          <p:cNvPr id="4" name="TextBox 3"/>
+          <p:cNvSpPr txBox="1"/>
+          <p:nvPr/>
+        </p:nvSpPr>
+        <p:spPr>
+          <a:xfrm>
+            <a:off x="1547664" y="3933056"/>
+            <a:ext cx="4656596" cy="369332"/>
+          </a:xfrm>
+          <a:prstGeom prst="rect">
+            <a:avLst/>
+          </a:prstGeom>
+          <a:noFill/>
+        </p:spPr>
+        <p:txBody>
+          <a:bodyPr wrap="none" rtlCol="0">
+            <a:spAutoFit/>
+          </a:bodyPr>
+          <a:lstStyle/>
+          <a:p>
+            <a:r>
+              <a:rPr lang="ru-RU" dirty="0" smtClean="0"/>
+              <a:t>Нарисовать архитектуру (масштабирование)</a:t>
+            </a:r>
+            <a:endParaRPr lang="ru-RU" dirty="0"/>
+          </a:p>
+        </p:txBody>
+      </p:sp>
+    </p:spTree>
+    <p:extLst>
+      <p:ext uri="{BB962C8B-B14F-4D97-AF65-F5344CB8AC3E}">
+        <p14:creationId xmlns:p14="http://schemas.microsoft.com/office/powerpoint/2010/main" val="4099471815"/>
+      </p:ext>
+    </p:extLst>
+  </p:cSld>
+  <p:clrMapOvr>
+    <a:masterClrMapping/>
+  </p:clrMapOvr>
+  <p:timing>
+    <p:tnLst>
+      <p:par>
+        <p:cTn id="1" dur="indefinite" restart="never" nodeType="tmRoot"/>
+      </p:par>
+    </p:tnLst>
+  </p:timing>
+</p:sld>
+</file>
+
+<file path=ppt/slides/slide17.xml><?xml version="1.0" encoding="utf-8"?>
+<p:sld xmlns:a="http://schemas.openxmlformats.org/drawingml/2006/main" xmlns:r="http://schemas.openxmlformats.org/officeDocument/2006/relationships" xmlns:p="http://schemas.openxmlformats.org/presentationml/2006/main">
+  <p:cSld>
+    <p:spTree>
+      <p:nvGrpSpPr>
+        <p:cNvPr id="1" name=""/>
+        <p:cNvGrpSpPr/>
+        <p:nvPr/>
+      </p:nvGrpSpPr>
+      <p:grpSpPr>
+        <a:xfrm>
+          <a:off x="0" y="0"/>
+          <a:ext cx="0" cy="0"/>
+          <a:chOff x="0" y="0"/>
+          <a:chExt cx="0" cy="0"/>
+        </a:xfrm>
+      </p:grpSpPr>
+      <p:sp>
+        <p:nvSpPr>
+          <p:cNvPr id="2" name="Заголовок 1"/>
+          <p:cNvSpPr>
+            <a:spLocks noGrp="1"/>
+          </p:cNvSpPr>
+          <p:nvPr>
+            <p:ph type="title"/>
+          </p:nvPr>
+        </p:nvSpPr>
+        <p:spPr/>
+        <p:txBody>
+          <a:bodyPr>
+            <a:normAutofit fontScale="90000"/>
+          </a:bodyPr>
+          <a:lstStyle/>
+          <a:p>
+            <a:r>
+              <a:rPr lang="ru-RU" dirty="0">
+                <a:cs typeface="Times New Roman" pitchFamily="18" charset="0"/>
+              </a:rPr>
+              <a:t>Модель</a:t>
+            </a:r>
+            <a:r>
+              <a:rPr lang="en-US" dirty="0">
+                <a:cs typeface="Times New Roman" pitchFamily="18" charset="0"/>
+              </a:rPr>
+              <a:t> (C# </a:t>
+            </a:r>
+            <a:r>
+              <a:rPr lang="ru-RU" dirty="0">
+                <a:cs typeface="Times New Roman" pitchFamily="18" charset="0"/>
+              </a:rPr>
+              <a:t>библиотека на базе</a:t>
+            </a:r>
+            <a:r>
+              <a:rPr lang="en-US" dirty="0">
+                <a:cs typeface="Times New Roman" pitchFamily="18" charset="0"/>
+              </a:rPr>
+              <a:t> Entity Framework)</a:t>
+            </a:r>
+            <a:endParaRPr lang="ru-RU" dirty="0"/>
+          </a:p>
+        </p:txBody>
+      </p:sp>
+      <p:sp>
+        <p:nvSpPr>
+          <p:cNvPr id="5" name="TextBox 4"/>
+          <p:cNvSpPr txBox="1"/>
+          <p:nvPr/>
+        </p:nvSpPr>
+        <p:spPr>
+          <a:xfrm>
+            <a:off x="2558100" y="1894034"/>
+            <a:ext cx="3965573" cy="523220"/>
+          </a:xfrm>
+          <a:prstGeom prst="rect">
+            <a:avLst/>
+          </a:prstGeom>
+          <a:noFill/>
+        </p:spPr>
+        <p:txBody>
+          <a:bodyPr wrap="none" rtlCol="0">
+            <a:spAutoFit/>
+          </a:bodyPr>
+          <a:lstStyle/>
+          <a:p>
+            <a:r>
+              <a:rPr lang="ru-RU" sz="2800" dirty="0" smtClean="0">
+                <a:solidFill>
+                  <a:srgbClr val="FF0000"/>
+                </a:solidFill>
+              </a:rPr>
+              <a:t>Убираем бизнес-логику!</a:t>
+            </a:r>
+            <a:endParaRPr lang="ru-RU" sz="2800" dirty="0">
+              <a:solidFill>
+                <a:srgbClr val="FF0000"/>
+              </a:solidFill>
+            </a:endParaRPr>
+          </a:p>
+        </p:txBody>
+      </p:sp>
+      <p:sp>
+        <p:nvSpPr>
+          <p:cNvPr id="6" name="TextBox 5"/>
+          <p:cNvSpPr txBox="1"/>
+          <p:nvPr/>
+        </p:nvSpPr>
+        <p:spPr>
+          <a:xfrm>
+            <a:off x="683568" y="2708920"/>
+            <a:ext cx="6893747" cy="1200329"/>
+          </a:xfrm>
+          <a:prstGeom prst="rect">
+            <a:avLst/>
+          </a:prstGeom>
+          <a:noFill/>
+        </p:spPr>
+        <p:txBody>
+          <a:bodyPr wrap="none" rtlCol="0">
+            <a:spAutoFit/>
+          </a:bodyPr>
+          <a:lstStyle/>
+          <a:p>
+            <a:r>
+              <a:rPr lang="ru-RU" dirty="0"/>
+              <a:t>Функции</a:t>
+            </a:r>
+          </a:p>
+          <a:p>
+            <a:pPr marL="285750" indent="-285750">
+              <a:buFontTx/>
+              <a:buChar char="-"/>
+            </a:pPr>
+            <a:r>
+              <a:rPr lang="en-US" dirty="0"/>
+              <a:t>API </a:t>
+            </a:r>
+            <a:r>
+              <a:rPr lang="ru-RU" dirty="0"/>
+              <a:t>для доступа к базе данных;</a:t>
+            </a:r>
+          </a:p>
+          <a:p>
+            <a:pPr marL="285750" indent="-285750">
+              <a:buFontTx/>
+              <a:buChar char="-"/>
+            </a:pPr>
+            <a:r>
+              <a:rPr lang="ru-RU" dirty="0"/>
+              <a:t>синхронизация структуры базы данных с предметной областью;</a:t>
+            </a:r>
+          </a:p>
+          <a:p>
+            <a:endParaRPr lang="ru-RU" dirty="0"/>
+          </a:p>
+        </p:txBody>
+      </p:sp>
+    </p:spTree>
+    <p:extLst>
+      <p:ext uri="{BB962C8B-B14F-4D97-AF65-F5344CB8AC3E}">
+        <p14:creationId xmlns:p14="http://schemas.microsoft.com/office/powerpoint/2010/main" val="3178001146"/>
+      </p:ext>
+    </p:extLst>
+  </p:cSld>
+  <p:clrMapOvr>
+    <a:masterClrMapping/>
+  </p:clrMapOvr>
+  <p:timing>
+    <p:tnLst>
+      <p:par>
+        <p:cTn id="1" dur="indefinite" restart="never" nodeType="tmRoot"/>
+      </p:par>
+    </p:tnLst>
+  </p:timing>
+</p:sld>
+</file>
+
+<file path=ppt/slides/slide18.xml><?xml version="1.0" encoding="utf-8"?>
+<p:sld xmlns:a="http://schemas.openxmlformats.org/drawingml/2006/main" xmlns:r="http://schemas.openxmlformats.org/officeDocument/2006/relationships" xmlns:p="http://schemas.openxmlformats.org/presentationml/2006/main">
+  <p:cSld>
+    <p:spTree>
+      <p:nvGrpSpPr>
+        <p:cNvPr id="1" name=""/>
+        <p:cNvGrpSpPr/>
+        <p:nvPr/>
+      </p:nvGrpSpPr>
+      <p:grpSpPr>
+        <a:xfrm>
+          <a:off x="0" y="0"/>
+          <a:ext cx="0" cy="0"/>
+          <a:chOff x="0" y="0"/>
+          <a:chExt cx="0" cy="0"/>
+        </a:xfrm>
+      </p:grpSpPr>
+      <p:sp>
+        <p:nvSpPr>
+          <p:cNvPr id="2" name="Заголовок 1"/>
+          <p:cNvSpPr>
+            <a:spLocks noGrp="1"/>
+          </p:cNvSpPr>
+          <p:nvPr>
+            <p:ph type="title"/>
+          </p:nvPr>
+        </p:nvSpPr>
+        <p:spPr/>
+        <p:txBody>
+          <a:bodyPr>
+            <a:normAutofit/>
+          </a:bodyPr>
+          <a:lstStyle/>
+          <a:p>
+            <a:r>
+              <a:rPr lang="en-US" dirty="0"/>
+              <a:t>Web-</a:t>
+            </a:r>
+            <a:r>
+              <a:rPr lang="ru-RU" dirty="0"/>
+              <a:t>сервис</a:t>
+            </a:r>
+            <a:r>
+              <a:rPr lang="en-US" dirty="0"/>
+              <a:t> (WCF</a:t>
+            </a:r>
+            <a:r>
+              <a:rPr lang="en-US" dirty="0" smtClean="0"/>
+              <a:t>)</a:t>
+            </a:r>
+            <a:endParaRPr lang="ru-RU" dirty="0"/>
+          </a:p>
+        </p:txBody>
+      </p:sp>
+      <p:sp>
+        <p:nvSpPr>
+          <p:cNvPr id="3" name="TextBox 2"/>
+          <p:cNvSpPr txBox="1"/>
+          <p:nvPr/>
+        </p:nvSpPr>
+        <p:spPr>
+          <a:xfrm>
+            <a:off x="1043608" y="1844824"/>
+            <a:ext cx="1989647" cy="923330"/>
+          </a:xfrm>
+          <a:prstGeom prst="rect">
+            <a:avLst/>
+          </a:prstGeom>
+          <a:noFill/>
+        </p:spPr>
+        <p:txBody>
+          <a:bodyPr wrap="none" rtlCol="0">
+            <a:spAutoFit/>
+          </a:bodyPr>
+          <a:lstStyle/>
+          <a:p>
+            <a:r>
+              <a:rPr lang="ru-RU" dirty="0" smtClean="0"/>
+              <a:t>Функции</a:t>
+            </a:r>
+          </a:p>
+          <a:p>
+            <a:pPr marL="285750" indent="-285750">
+              <a:buFontTx/>
+              <a:buChar char="-"/>
+            </a:pPr>
+            <a:r>
+              <a:rPr lang="ru-RU" dirty="0" smtClean="0"/>
+              <a:t>бизнес-логика;</a:t>
+            </a:r>
+          </a:p>
+          <a:p>
+            <a:pPr marL="285750" indent="-285750">
+              <a:buFontTx/>
+              <a:buChar char="-"/>
+            </a:pPr>
+            <a:r>
+              <a:rPr lang="ru-RU" dirty="0" smtClean="0"/>
+              <a:t>авторизация;</a:t>
+            </a:r>
+          </a:p>
+        </p:txBody>
+      </p:sp>
+    </p:spTree>
+    <p:extLst>
+      <p:ext uri="{BB962C8B-B14F-4D97-AF65-F5344CB8AC3E}">
+        <p14:creationId xmlns:p14="http://schemas.microsoft.com/office/powerpoint/2010/main" val="91073786"/>
+      </p:ext>
+    </p:extLst>
+  </p:cSld>
+  <p:clrMapOvr>
+    <a:masterClrMapping/>
+  </p:clrMapOvr>
+  <p:timing>
+    <p:tnLst>
+      <p:par>
+        <p:cTn id="1" dur="indefinite" restart="never" nodeType="tmRoot"/>
+      </p:par>
+    </p:tnLst>
+  </p:timing>
+</p:sld>
+</file>
+
+<file path=ppt/slides/slide19.xml><?xml version="1.0" encoding="utf-8"?>
+<p:sld xmlns:a="http://schemas.openxmlformats.org/drawingml/2006/main" xmlns:r="http://schemas.openxmlformats.org/officeDocument/2006/relationships" xmlns:p="http://schemas.openxmlformats.org/presentationml/2006/main">
+  <p:cSld>
+    <p:spTree>
+      <p:nvGrpSpPr>
+        <p:cNvPr id="1" name=""/>
+        <p:cNvGrpSpPr/>
+        <p:nvPr/>
+      </p:nvGrpSpPr>
+      <p:grpSpPr>
+        <a:xfrm>
+          <a:off x="0" y="0"/>
+          <a:ext cx="0" cy="0"/>
+          <a:chOff x="0" y="0"/>
+          <a:chExt cx="0" cy="0"/>
+        </a:xfrm>
+      </p:grpSpPr>
+      <p:sp>
+        <p:nvSpPr>
+          <p:cNvPr id="2" name="Заголовок 1"/>
+          <p:cNvSpPr>
+            <a:spLocks noGrp="1"/>
+          </p:cNvSpPr>
+          <p:nvPr>
+            <p:ph type="title"/>
+          </p:nvPr>
+        </p:nvSpPr>
+        <p:spPr/>
+        <p:txBody>
+          <a:bodyPr/>
+          <a:lstStyle/>
+          <a:p>
+            <a:r>
+              <a:rPr lang="ru-RU" dirty="0" smtClean="0"/>
+              <a:t>Хотелось бы ))</a:t>
+            </a:r>
+            <a:endParaRPr lang="ru-RU" dirty="0"/>
+          </a:p>
+        </p:txBody>
+      </p:sp>
+      <p:sp>
+        <p:nvSpPr>
+          <p:cNvPr id="3" name="TextBox 2"/>
+          <p:cNvSpPr txBox="1"/>
+          <p:nvPr/>
+        </p:nvSpPr>
+        <p:spPr>
+          <a:xfrm>
+            <a:off x="1835696" y="1412776"/>
+            <a:ext cx="5447325" cy="461665"/>
+          </a:xfrm>
+          <a:prstGeom prst="rect">
+            <a:avLst/>
+          </a:prstGeom>
+          <a:noFill/>
+        </p:spPr>
+        <p:txBody>
+          <a:bodyPr wrap="none" rtlCol="0">
+            <a:spAutoFit/>
+          </a:bodyPr>
+          <a:lstStyle/>
+          <a:p>
+            <a:r>
+              <a:rPr lang="ru-RU" sz="2400" dirty="0" smtClean="0">
+                <a:solidFill>
+                  <a:srgbClr val="0070C0"/>
+                </a:solidFill>
+              </a:rPr>
+              <a:t>Чтобы все работало через интерфейсы.</a:t>
+            </a:r>
+            <a:endParaRPr lang="ru-RU" sz="2400" dirty="0">
+              <a:solidFill>
+                <a:srgbClr val="0070C0"/>
+              </a:solidFill>
+            </a:endParaRPr>
+          </a:p>
+        </p:txBody>
+      </p:sp>
+      <p:sp>
+        <p:nvSpPr>
+          <p:cNvPr id="5" name="TextBox 4"/>
+          <p:cNvSpPr txBox="1"/>
+          <p:nvPr/>
+        </p:nvSpPr>
+        <p:spPr>
+          <a:xfrm>
+            <a:off x="539552" y="2348880"/>
+            <a:ext cx="5634106" cy="646331"/>
+          </a:xfrm>
+          <a:prstGeom prst="rect">
+            <a:avLst/>
+          </a:prstGeom>
+          <a:noFill/>
+        </p:spPr>
+        <p:txBody>
+          <a:bodyPr wrap="none" rtlCol="0">
+            <a:spAutoFit/>
+          </a:bodyPr>
+          <a:lstStyle/>
+          <a:p>
+            <a:r>
+              <a:rPr lang="ru-RU" dirty="0" smtClean="0"/>
+              <a:t>Преимущества</a:t>
+            </a:r>
+          </a:p>
+          <a:p>
+            <a:pPr marL="285750" indent="-285750">
+              <a:buFontTx/>
+              <a:buChar char="-"/>
+            </a:pPr>
+            <a:r>
+              <a:rPr lang="ru-RU" dirty="0" smtClean="0"/>
+              <a:t>минимум зависимостей от конкретных реализаций;</a:t>
+            </a:r>
+          </a:p>
+        </p:txBody>
+      </p:sp>
+      <p:sp>
+        <p:nvSpPr>
+          <p:cNvPr id="6" name="TextBox 5"/>
+          <p:cNvSpPr txBox="1"/>
+          <p:nvPr/>
+        </p:nvSpPr>
+        <p:spPr>
+          <a:xfrm>
+            <a:off x="539552" y="3501008"/>
+            <a:ext cx="8761822" cy="923330"/>
+          </a:xfrm>
+          <a:prstGeom prst="rect">
+            <a:avLst/>
+          </a:prstGeom>
+          <a:noFill/>
+        </p:spPr>
+        <p:txBody>
+          <a:bodyPr wrap="none" rtlCol="0">
+            <a:spAutoFit/>
+          </a:bodyPr>
+          <a:lstStyle/>
+          <a:p>
+            <a:r>
+              <a:rPr lang="ru-RU" dirty="0" smtClean="0"/>
+              <a:t>Следствия</a:t>
+            </a:r>
+          </a:p>
+          <a:p>
+            <a:pPr marL="285750" indent="-285750">
+              <a:buFontTx/>
+              <a:buChar char="-"/>
+            </a:pPr>
+            <a:r>
+              <a:rPr lang="ru-RU" dirty="0" smtClean="0"/>
+              <a:t>реализацию компонента системы можно будет изменить на уровне конфигурации;</a:t>
+            </a:r>
+          </a:p>
+          <a:p>
+            <a:endParaRPr lang="ru-RU" dirty="0"/>
+          </a:p>
+        </p:txBody>
+      </p:sp>
+      <p:sp>
+        <p:nvSpPr>
+          <p:cNvPr id="7" name="TextBox 6"/>
+          <p:cNvSpPr txBox="1"/>
+          <p:nvPr/>
+        </p:nvSpPr>
+        <p:spPr>
+          <a:xfrm>
+            <a:off x="611560" y="4797152"/>
+            <a:ext cx="4843890" cy="923330"/>
+          </a:xfrm>
+          <a:prstGeom prst="rect">
+            <a:avLst/>
+          </a:prstGeom>
+          <a:noFill/>
+        </p:spPr>
+        <p:txBody>
+          <a:bodyPr wrap="none" rtlCol="0">
+            <a:spAutoFit/>
+          </a:bodyPr>
+          <a:lstStyle/>
+          <a:p>
+            <a:r>
+              <a:rPr lang="ru-RU" dirty="0" smtClean="0"/>
+              <a:t>Почему «хотелось бы»</a:t>
+            </a:r>
+          </a:p>
+          <a:p>
+            <a:pPr marL="285750" indent="-285750">
+              <a:buFontTx/>
+              <a:buChar char="-"/>
+            </a:pPr>
+            <a:r>
+              <a:rPr lang="ru-RU" dirty="0" smtClean="0"/>
+              <a:t>сложно создать чистый универсальный </a:t>
+            </a:r>
+            <a:r>
+              <a:rPr lang="en-US" dirty="0" smtClean="0"/>
+              <a:t>API</a:t>
+            </a:r>
+            <a:r>
+              <a:rPr lang="ru-RU" dirty="0" smtClean="0"/>
+              <a:t>;</a:t>
+            </a:r>
+          </a:p>
+          <a:p>
+            <a:endParaRPr lang="ru-RU" dirty="0"/>
+          </a:p>
+        </p:txBody>
+      </p:sp>
+    </p:spTree>
+    <p:extLst>
+      <p:ext uri="{BB962C8B-B14F-4D97-AF65-F5344CB8AC3E}">
+        <p14:creationId xmlns:p14="http://schemas.microsoft.com/office/powerpoint/2010/main" val="1514013013"/>
+      </p:ext>
+    </p:extLst>
+  </p:cSld>
+  <p:clrMapOvr>
+    <a:masterClrMapping/>
+  </p:clrMapOvr>
+  <p:timing>
+    <p:tnLst>
+      <p:par>
+        <p:cTn id="1" dur="indefinite" restart="never" nodeType="tmRoot"/>
+      </p:par>
+    </p:tnLst>
+  </p:timing>
+</p:sld>
+</file>
+
+<file path=ppt/slides/slide2.xml><?xml version="1.0" encoding="utf-8"?>
+<p:sld xmlns:a="http://schemas.openxmlformats.org/drawingml/2006/main" xmlns:r="http://schemas.openxmlformats.org/officeDocument/2006/relationships" xmlns:p="http://schemas.openxmlformats.org/presentationml/2006/main">
+  <p:cSld>
+    <p:spTree>
+      <p:nvGrpSpPr>
+        <p:cNvPr id="1" name=""/>
+        <p:cNvGrpSpPr/>
+        <p:nvPr/>
+      </p:nvGrpSpPr>
+      <p:grpSpPr>
+        <a:xfrm>
+          <a:off x="0" y="0"/>
+          <a:ext cx="0" cy="0"/>
+          <a:chOff x="0" y="0"/>
+          <a:chExt cx="0" cy="0"/>
+        </a:xfrm>
+      </p:grpSpPr>
+      <p:sp>
+        <p:nvSpPr>
+          <p:cNvPr id="2" name="Заголовок 1"/>
+          <p:cNvSpPr>
+            <a:spLocks noGrp="1"/>
+          </p:cNvSpPr>
+          <p:nvPr>
+            <p:ph type="title"/>
+          </p:nvPr>
+        </p:nvSpPr>
+        <p:spPr/>
+        <p:txBody>
+          <a:bodyPr/>
+          <a:lstStyle/>
+          <a:p>
+            <a:r>
+              <a:rPr lang="ru-RU" dirty="0" smtClean="0"/>
+              <a:t>Предметная область (</a:t>
+            </a:r>
+            <a:r>
+              <a:rPr lang="en-US" dirty="0" smtClean="0"/>
+              <a:t>AS-IS</a:t>
+            </a:r>
+            <a:r>
+              <a:rPr lang="ru-RU" dirty="0" smtClean="0"/>
+              <a:t>)</a:t>
+            </a:r>
+            <a:endParaRPr lang="ru-RU" dirty="0"/>
+          </a:p>
+        </p:txBody>
+      </p:sp>
+      <p:sp>
+        <p:nvSpPr>
+          <p:cNvPr id="3" name="Объект 2"/>
+          <p:cNvSpPr>
+            <a:spLocks noGrp="1"/>
+          </p:cNvSpPr>
+          <p:nvPr>
+            <p:ph idx="1"/>
+          </p:nvPr>
+        </p:nvSpPr>
+        <p:spPr/>
+        <p:txBody>
+          <a:bodyPr/>
+          <a:lstStyle/>
+          <a:p>
+            <a:endParaRPr lang="ru-RU"/>
+          </a:p>
+        </p:txBody>
+      </p:sp>
+    </p:spTree>
+    <p:extLst>
+      <p:ext uri="{BB962C8B-B14F-4D97-AF65-F5344CB8AC3E}">
+        <p14:creationId xmlns:p14="http://schemas.microsoft.com/office/powerpoint/2010/main" val="3263852888"/>
+      </p:ext>
+    </p:extLst>
+  </p:cSld>
+  <p:clrMapOvr>
+    <a:masterClrMapping/>
+  </p:clrMapOvr>
+  <p:timing>
+    <p:tnLst>
+      <p:par>
+        <p:cTn id="1" dur="indefinite" restart="never" nodeType="tmRoot"/>
+      </p:par>
+    </p:tnLst>
+  </p:timing>
+</p:sld>
+</file>
+
+<file path=ppt/slides/slide20.xml><?xml version="1.0" encoding="utf-8"?>
+<p:sld xmlns:a="http://schemas.openxmlformats.org/drawingml/2006/main" xmlns:r="http://schemas.openxmlformats.org/officeDocument/2006/relationships" xmlns:p="http://schemas.openxmlformats.org/presentationml/2006/main">
+  <p:cSld>
+    <p:spTree>
+      <p:nvGrpSpPr>
+        <p:cNvPr id="1" name=""/>
+        <p:cNvGrpSpPr/>
+        <p:nvPr/>
+      </p:nvGrpSpPr>
+      <p:grpSpPr>
+        <a:xfrm>
+          <a:off x="0" y="0"/>
+          <a:ext cx="0" cy="0"/>
+          <a:chOff x="0" y="0"/>
+          <a:chExt cx="0" cy="0"/>
+        </a:xfrm>
+      </p:grpSpPr>
+      <p:sp>
+        <p:nvSpPr>
+          <p:cNvPr id="4" name="Заголовок 3"/>
+          <p:cNvSpPr>
+            <a:spLocks noGrp="1"/>
+          </p:cNvSpPr>
+          <p:nvPr>
+            <p:ph type="title"/>
+          </p:nvPr>
+        </p:nvSpPr>
+        <p:spPr/>
+        <p:txBody>
+          <a:bodyPr/>
+          <a:lstStyle/>
+          <a:p>
+            <a:r>
+              <a:rPr lang="ru-RU" dirty="0" smtClean="0"/>
+              <a:t>Принцип разработки</a:t>
+            </a:r>
+            <a:endParaRPr lang="ru-RU" dirty="0"/>
+          </a:p>
+        </p:txBody>
+      </p:sp>
+      <p:sp>
+        <p:nvSpPr>
+          <p:cNvPr id="5" name="Текст 4"/>
+          <p:cNvSpPr>
+            <a:spLocks noGrp="1"/>
+          </p:cNvSpPr>
+          <p:nvPr>
+            <p:ph type="body" idx="1"/>
+          </p:nvPr>
+        </p:nvSpPr>
+        <p:spPr/>
+        <p:txBody>
+          <a:bodyPr/>
+          <a:lstStyle/>
+          <a:p>
+            <a:r>
+              <a:rPr lang="en-US" dirty="0" smtClean="0"/>
+              <a:t>IDE, VCS, ORM</a:t>
+            </a:r>
+            <a:endParaRPr lang="ru-RU" dirty="0"/>
+          </a:p>
+        </p:txBody>
+      </p:sp>
     </p:spTree>
     <p:extLst>
       <p:ext uri="{BB962C8B-B14F-4D97-AF65-F5344CB8AC3E}">
@@ -4818,7 +7704,1833 @@
 </p:sld>
 </file>
 
-<file path=ppt/slides/slide15.xml><?xml version="1.0" encoding="utf-8"?>
+<file path=ppt/slides/slide21.xml><?xml version="1.0" encoding="utf-8"?>
+<p:sld xmlns:a="http://schemas.openxmlformats.org/drawingml/2006/main" xmlns:r="http://schemas.openxmlformats.org/officeDocument/2006/relationships" xmlns:p="http://schemas.openxmlformats.org/presentationml/2006/main">
+  <p:cSld>
+    <p:spTree>
+      <p:nvGrpSpPr>
+        <p:cNvPr id="1" name=""/>
+        <p:cNvGrpSpPr/>
+        <p:nvPr/>
+      </p:nvGrpSpPr>
+      <p:grpSpPr>
+        <a:xfrm>
+          <a:off x="0" y="0"/>
+          <a:ext cx="0" cy="0"/>
+          <a:chOff x="0" y="0"/>
+          <a:chExt cx="0" cy="0"/>
+        </a:xfrm>
+      </p:grpSpPr>
+      <p:sp>
+        <p:nvSpPr>
+          <p:cNvPr id="2" name="Заголовок 1"/>
+          <p:cNvSpPr>
+            <a:spLocks noGrp="1"/>
+          </p:cNvSpPr>
+          <p:nvPr>
+            <p:ph type="title"/>
+          </p:nvPr>
+        </p:nvSpPr>
+        <p:spPr/>
+        <p:txBody>
+          <a:bodyPr/>
+          <a:lstStyle/>
+          <a:p>
+            <a:r>
+              <a:rPr lang="ru-RU" dirty="0" smtClean="0"/>
+              <a:t>Условия разработки</a:t>
+            </a:r>
+            <a:endParaRPr lang="ru-RU" dirty="0"/>
+          </a:p>
+        </p:txBody>
+      </p:sp>
+      <p:sp>
+        <p:nvSpPr>
+          <p:cNvPr id="3" name="TextBox 2"/>
+          <p:cNvSpPr txBox="1"/>
+          <p:nvPr/>
+        </p:nvSpPr>
+        <p:spPr>
+          <a:xfrm>
+            <a:off x="755576" y="1628800"/>
+            <a:ext cx="4281621" cy="1200329"/>
+          </a:xfrm>
+          <a:prstGeom prst="rect">
+            <a:avLst/>
+          </a:prstGeom>
+          <a:noFill/>
+        </p:spPr>
+        <p:txBody>
+          <a:bodyPr wrap="none" rtlCol="0">
+            <a:spAutoFit/>
+          </a:bodyPr>
+          <a:lstStyle/>
+          <a:p>
+            <a:r>
+              <a:rPr lang="ru-RU" dirty="0" smtClean="0"/>
+              <a:t>Условия:</a:t>
+            </a:r>
+          </a:p>
+          <a:p>
+            <a:pPr marL="285750" indent="-285750">
+              <a:buFontTx/>
+              <a:buChar char="-"/>
+            </a:pPr>
+            <a:r>
+              <a:rPr lang="ru-RU" dirty="0" smtClean="0"/>
+              <a:t>даже 2 человека – это уже команда )) ;</a:t>
+            </a:r>
+          </a:p>
+          <a:p>
+            <a:pPr marL="285750" indent="-285750">
+              <a:buFontTx/>
+              <a:buChar char="-"/>
+            </a:pPr>
+            <a:r>
+              <a:rPr lang="ru-RU" dirty="0" smtClean="0"/>
+              <a:t>удаленная разработка;</a:t>
+            </a:r>
+          </a:p>
+          <a:p>
+            <a:pPr marL="285750" indent="-285750">
+              <a:buFontTx/>
+              <a:buChar char="-"/>
+            </a:pPr>
+            <a:r>
+              <a:rPr lang="ru-RU" dirty="0" smtClean="0"/>
+              <a:t>управление задачами;</a:t>
+            </a:r>
+            <a:endParaRPr lang="ru-RU" dirty="0"/>
+          </a:p>
+        </p:txBody>
+      </p:sp>
+      <p:sp>
+        <p:nvSpPr>
+          <p:cNvPr id="4" name="TextBox 3"/>
+          <p:cNvSpPr txBox="1"/>
+          <p:nvPr/>
+        </p:nvSpPr>
+        <p:spPr>
+          <a:xfrm>
+            <a:off x="755576" y="3213829"/>
+            <a:ext cx="7744043" cy="1477328"/>
+          </a:xfrm>
+          <a:prstGeom prst="rect">
+            <a:avLst/>
+          </a:prstGeom>
+          <a:noFill/>
+        </p:spPr>
+        <p:txBody>
+          <a:bodyPr wrap="none" rtlCol="0">
+            <a:spAutoFit/>
+          </a:bodyPr>
+          <a:lstStyle/>
+          <a:p>
+            <a:r>
+              <a:rPr lang="ru-RU" dirty="0" smtClean="0"/>
+              <a:t>Было бы прекрасно, если мы могли бы:</a:t>
+            </a:r>
+          </a:p>
+          <a:p>
+            <a:pPr marL="285750" indent="-285750">
+              <a:buFontTx/>
+              <a:buChar char="-"/>
+            </a:pPr>
+            <a:r>
+              <a:rPr lang="ru-RU" dirty="0" smtClean="0"/>
+              <a:t>синхронизировать наши изменения в коде;</a:t>
+            </a:r>
+          </a:p>
+          <a:p>
+            <a:pPr marL="285750" indent="-285750">
+              <a:buFontTx/>
+              <a:buChar char="-"/>
+            </a:pPr>
+            <a:r>
+              <a:rPr lang="ru-RU" dirty="0"/>
+              <a:t>ц</a:t>
+            </a:r>
+            <a:r>
+              <a:rPr lang="ru-RU" dirty="0" smtClean="0"/>
+              <a:t>ентрализованно управлять задачами;</a:t>
+            </a:r>
+          </a:p>
+          <a:p>
+            <a:pPr marL="285750" indent="-285750">
+              <a:buFontTx/>
+              <a:buChar char="-"/>
+            </a:pPr>
+            <a:r>
+              <a:rPr lang="ru-RU" dirty="0" smtClean="0"/>
+              <a:t>получать доступ к исходным кодам в любом месте, где есть интернет;</a:t>
+            </a:r>
+          </a:p>
+          <a:p>
+            <a:pPr marL="285750" indent="-285750">
+              <a:buFontTx/>
+              <a:buChar char="-"/>
+            </a:pPr>
+            <a:r>
+              <a:rPr lang="ru-RU" dirty="0" smtClean="0"/>
+              <a:t>вести разработку даже при отсутствии постоянного доступа к интернету;</a:t>
+            </a:r>
+            <a:endParaRPr lang="ru-RU" dirty="0"/>
+          </a:p>
+        </p:txBody>
+      </p:sp>
+    </p:spTree>
+    <p:extLst>
+      <p:ext uri="{BB962C8B-B14F-4D97-AF65-F5344CB8AC3E}">
+        <p14:creationId xmlns:p14="http://schemas.microsoft.com/office/powerpoint/2010/main" val="116634573"/>
+      </p:ext>
+    </p:extLst>
+  </p:cSld>
+  <p:clrMapOvr>
+    <a:masterClrMapping/>
+  </p:clrMapOvr>
+  <p:timing>
+    <p:tnLst>
+      <p:par>
+        <p:cTn id="1" dur="indefinite" restart="never" nodeType="tmRoot"/>
+      </p:par>
+    </p:tnLst>
+  </p:timing>
+</p:sld>
+</file>
+
+<file path=ppt/slides/slide22.xml><?xml version="1.0" encoding="utf-8"?>
+<p:sld xmlns:a="http://schemas.openxmlformats.org/drawingml/2006/main" xmlns:r="http://schemas.openxmlformats.org/officeDocument/2006/relationships" xmlns:p="http://schemas.openxmlformats.org/presentationml/2006/main">
+  <p:cSld>
+    <p:spTree>
+      <p:nvGrpSpPr>
+        <p:cNvPr id="1" name=""/>
+        <p:cNvGrpSpPr/>
+        <p:nvPr/>
+      </p:nvGrpSpPr>
+      <p:grpSpPr>
+        <a:xfrm>
+          <a:off x="0" y="0"/>
+          <a:ext cx="0" cy="0"/>
+          <a:chOff x="0" y="0"/>
+          <a:chExt cx="0" cy="0"/>
+        </a:xfrm>
+      </p:grpSpPr>
+      <p:sp>
+        <p:nvSpPr>
+          <p:cNvPr id="2" name="Заголовок 1"/>
+          <p:cNvSpPr>
+            <a:spLocks noGrp="1"/>
+          </p:cNvSpPr>
+          <p:nvPr>
+            <p:ph type="title"/>
+          </p:nvPr>
+        </p:nvSpPr>
+        <p:spPr/>
+        <p:txBody>
+          <a:bodyPr/>
+          <a:lstStyle/>
+          <a:p>
+            <a:r>
+              <a:rPr lang="en-US" dirty="0" smtClean="0"/>
+              <a:t>VCS</a:t>
+            </a:r>
+            <a:endParaRPr lang="ru-RU" dirty="0"/>
+          </a:p>
+        </p:txBody>
+      </p:sp>
+      <p:sp>
+        <p:nvSpPr>
+          <p:cNvPr id="3" name="TextBox 2"/>
+          <p:cNvSpPr txBox="1"/>
+          <p:nvPr/>
+        </p:nvSpPr>
+        <p:spPr>
+          <a:xfrm>
+            <a:off x="395536" y="1268760"/>
+            <a:ext cx="8280920" cy="3046988"/>
+          </a:xfrm>
+          <a:prstGeom prst="rect">
+            <a:avLst/>
+          </a:prstGeom>
+          <a:noFill/>
+        </p:spPr>
+        <p:txBody>
+          <a:bodyPr wrap="square" rtlCol="0">
+            <a:spAutoFit/>
+          </a:bodyPr>
+          <a:lstStyle/>
+          <a:p>
+            <a:pPr algn="just"/>
+            <a:r>
+              <a:rPr lang="ru-RU" sz="2400" b="1" dirty="0"/>
+              <a:t>Система управления версиями</a:t>
+            </a:r>
+            <a:r>
+              <a:rPr lang="ru-RU" sz="2400" dirty="0"/>
+              <a:t> </a:t>
+            </a:r>
+            <a:endParaRPr lang="en-US" sz="2400" dirty="0" smtClean="0"/>
+          </a:p>
+          <a:p>
+            <a:pPr algn="just"/>
+            <a:r>
+              <a:rPr lang="ru-RU" sz="2400" dirty="0" smtClean="0"/>
+              <a:t>(</a:t>
+            </a:r>
+            <a:r>
+              <a:rPr lang="ru-RU" sz="2400" dirty="0"/>
+              <a:t>от англ. </a:t>
+            </a:r>
+            <a:r>
+              <a:rPr lang="ru-RU" sz="2400" i="1" dirty="0" err="1"/>
+              <a:t>Version</a:t>
+            </a:r>
+            <a:r>
+              <a:rPr lang="ru-RU" sz="2400" i="1" dirty="0"/>
+              <a:t> </a:t>
+            </a:r>
+            <a:r>
+              <a:rPr lang="ru-RU" sz="2400" i="1" dirty="0" err="1"/>
+              <a:t>Control</a:t>
+            </a:r>
+            <a:r>
+              <a:rPr lang="ru-RU" sz="2400" i="1" dirty="0"/>
+              <a:t> </a:t>
+            </a:r>
+            <a:r>
+              <a:rPr lang="ru-RU" sz="2400" i="1" dirty="0" err="1"/>
+              <a:t>System</a:t>
+            </a:r>
+            <a:r>
+              <a:rPr lang="ru-RU" sz="2400" i="1" dirty="0"/>
+              <a:t>, VCS</a:t>
+            </a:r>
+            <a:r>
+              <a:rPr lang="ru-RU" sz="2400" dirty="0"/>
+              <a:t> или </a:t>
+            </a:r>
+            <a:r>
+              <a:rPr lang="ru-RU" sz="2400" i="1" dirty="0" err="1"/>
+              <a:t>Revision</a:t>
+            </a:r>
+            <a:r>
+              <a:rPr lang="ru-RU" sz="2400" i="1" dirty="0"/>
+              <a:t> </a:t>
+            </a:r>
+            <a:r>
+              <a:rPr lang="ru-RU" sz="2400" i="1" dirty="0" err="1"/>
+              <a:t>Control</a:t>
+            </a:r>
+            <a:r>
+              <a:rPr lang="ru-RU" sz="2400" i="1" dirty="0"/>
+              <a:t> </a:t>
+            </a:r>
+            <a:r>
+              <a:rPr lang="ru-RU" sz="2400" i="1" dirty="0" err="1"/>
+              <a:t>System</a:t>
+            </a:r>
+            <a:r>
+              <a:rPr lang="ru-RU" sz="2400" dirty="0"/>
+              <a:t>) </a:t>
+            </a:r>
+            <a:r>
+              <a:rPr lang="ru-RU" sz="2400" dirty="0" smtClean="0"/>
+              <a:t>— </a:t>
+            </a:r>
+            <a:r>
+              <a:rPr lang="ru-RU" sz="2400" dirty="0"/>
+              <a:t>программное обеспечение для облегчения работы с </a:t>
+            </a:r>
+            <a:r>
+              <a:rPr lang="ru-RU" sz="2400" dirty="0" smtClean="0"/>
+              <a:t>изменяющейся </a:t>
+            </a:r>
+            <a:r>
+              <a:rPr lang="ru-RU" sz="2400" dirty="0"/>
+              <a:t>информацией. </a:t>
+            </a:r>
+            <a:r>
+              <a:rPr lang="ru-RU" sz="2400" dirty="0" smtClean="0"/>
+              <a:t>Система </a:t>
+            </a:r>
+            <a:r>
+              <a:rPr lang="ru-RU" sz="2400" dirty="0"/>
+              <a:t>управления версиями позволяет хранить несколько </a:t>
+            </a:r>
+            <a:r>
+              <a:rPr lang="ru-RU" sz="2400" dirty="0" smtClean="0"/>
+              <a:t>версий </a:t>
+            </a:r>
+            <a:r>
+              <a:rPr lang="ru-RU" sz="2400" dirty="0"/>
+              <a:t>одного и того же документа, при необходимости </a:t>
+            </a:r>
+            <a:r>
+              <a:rPr lang="ru-RU" sz="2400" dirty="0" smtClean="0"/>
+              <a:t>возвращаться </a:t>
+            </a:r>
+            <a:r>
+              <a:rPr lang="ru-RU" sz="2400" dirty="0"/>
+              <a:t>к более ранним версиям, определять, </a:t>
+            </a:r>
+            <a:r>
+              <a:rPr lang="ru-RU" sz="2400" dirty="0" smtClean="0"/>
+              <a:t>кто </a:t>
+            </a:r>
+            <a:r>
+              <a:rPr lang="ru-RU" sz="2400" dirty="0"/>
+              <a:t>и когда сделал то или иное изменение, и многое другое.</a:t>
+            </a:r>
+          </a:p>
+        </p:txBody>
+      </p:sp>
+      <p:sp>
+        <p:nvSpPr>
+          <p:cNvPr id="4" name="TextBox 3"/>
+          <p:cNvSpPr txBox="1"/>
+          <p:nvPr/>
+        </p:nvSpPr>
+        <p:spPr>
+          <a:xfrm>
+            <a:off x="444024" y="4315749"/>
+            <a:ext cx="3015569" cy="830997"/>
+          </a:xfrm>
+          <a:prstGeom prst="rect">
+            <a:avLst/>
+          </a:prstGeom>
+        </p:spPr>
+        <p:style>
+          <a:lnRef idx="1">
+            <a:schemeClr val="accent1"/>
+          </a:lnRef>
+          <a:fillRef idx="3">
+            <a:schemeClr val="accent1"/>
+          </a:fillRef>
+          <a:effectRef idx="2">
+            <a:schemeClr val="accent1"/>
+          </a:effectRef>
+          <a:fontRef idx="minor">
+            <a:schemeClr val="lt1"/>
+          </a:fontRef>
+        </p:style>
+        <p:txBody>
+          <a:bodyPr wrap="none" rtlCol="0">
+            <a:spAutoFit/>
+          </a:bodyPr>
+          <a:lstStyle/>
+          <a:p>
+            <a:r>
+              <a:rPr lang="en-US" sz="4800" dirty="0" smtClean="0"/>
+              <a:t>Subversion</a:t>
+            </a:r>
+            <a:endParaRPr lang="ru-RU" sz="4800" dirty="0"/>
+          </a:p>
+        </p:txBody>
+      </p:sp>
+      <p:sp>
+        <p:nvSpPr>
+          <p:cNvPr id="5" name="TextBox 4"/>
+          <p:cNvSpPr txBox="1"/>
+          <p:nvPr/>
+        </p:nvSpPr>
+        <p:spPr>
+          <a:xfrm>
+            <a:off x="5556593" y="4315748"/>
+            <a:ext cx="3154778" cy="830997"/>
+          </a:xfrm>
+          <a:prstGeom prst="rect">
+            <a:avLst/>
+          </a:prstGeom>
+        </p:spPr>
+        <p:style>
+          <a:lnRef idx="1">
+            <a:schemeClr val="accent3"/>
+          </a:lnRef>
+          <a:fillRef idx="3">
+            <a:schemeClr val="accent3"/>
+          </a:fillRef>
+          <a:effectRef idx="2">
+            <a:schemeClr val="accent3"/>
+          </a:effectRef>
+          <a:fontRef idx="minor">
+            <a:schemeClr val="lt1"/>
+          </a:fontRef>
+        </p:style>
+        <p:txBody>
+          <a:bodyPr wrap="square" rtlCol="0">
+            <a:spAutoFit/>
+          </a:bodyPr>
+          <a:lstStyle/>
+          <a:p>
+            <a:pPr algn="ctr"/>
+            <a:r>
+              <a:rPr lang="en-US" sz="4800" dirty="0" err="1" smtClean="0"/>
+              <a:t>Git</a:t>
+            </a:r>
+            <a:endParaRPr lang="ru-RU" sz="4800" dirty="0"/>
+          </a:p>
+        </p:txBody>
+      </p:sp>
+      <p:cxnSp>
+        <p:nvCxnSpPr>
+          <p:cNvPr id="7" name="Прямая со стрелкой 6"/>
+          <p:cNvCxnSpPr/>
+          <p:nvPr/>
+        </p:nvCxnSpPr>
+        <p:spPr>
+          <a:xfrm flipV="1">
+            <a:off x="3483112" y="4365103"/>
+            <a:ext cx="2097000" cy="1"/>
+          </a:xfrm>
+          <a:prstGeom prst="straightConnector1">
+            <a:avLst/>
+          </a:prstGeom>
+          <a:ln>
+            <a:tailEnd type="arrow"/>
+          </a:ln>
+        </p:spPr>
+        <p:style>
+          <a:lnRef idx="3">
+            <a:schemeClr val="dk1"/>
+          </a:lnRef>
+          <a:fillRef idx="0">
+            <a:schemeClr val="dk1"/>
+          </a:fillRef>
+          <a:effectRef idx="2">
+            <a:schemeClr val="dk1"/>
+          </a:effectRef>
+          <a:fontRef idx="minor">
+            <a:schemeClr val="tx1"/>
+          </a:fontRef>
+        </p:style>
+      </p:cxnSp>
+      <p:sp>
+        <p:nvSpPr>
+          <p:cNvPr id="9" name="Прямоугольник 8"/>
+          <p:cNvSpPr/>
+          <p:nvPr/>
+        </p:nvSpPr>
+        <p:spPr>
+          <a:xfrm>
+            <a:off x="2259689" y="5949280"/>
+            <a:ext cx="4496808" cy="369332"/>
+          </a:xfrm>
+          <a:prstGeom prst="rect">
+            <a:avLst/>
+          </a:prstGeom>
+        </p:spPr>
+        <p:txBody>
+          <a:bodyPr wrap="none">
+            <a:spAutoFit/>
+          </a:bodyPr>
+          <a:lstStyle/>
+          <a:p>
+            <a:r>
+              <a:rPr lang="ru-RU" dirty="0" smtClean="0"/>
+              <a:t>синхронизировать </a:t>
+            </a:r>
+            <a:r>
+              <a:rPr lang="ru-RU" dirty="0"/>
+              <a:t>наши изменения в </a:t>
+            </a:r>
+            <a:r>
+              <a:rPr lang="ru-RU" dirty="0" smtClean="0"/>
+              <a:t>коде</a:t>
+            </a:r>
+            <a:endParaRPr lang="ru-RU" dirty="0"/>
+          </a:p>
+        </p:txBody>
+      </p:sp>
+      <p:pic>
+        <p:nvPicPr>
+          <p:cNvPr id="1026" name="Picture 2"/>
+          <p:cNvPicPr>
+            <a:picLocks noChangeAspect="1" noChangeArrowheads="1"/>
+          </p:cNvPicPr>
+          <p:nvPr/>
+        </p:nvPicPr>
+        <p:blipFill>
+          <a:blip r:embed="rId2">
+            <a:extLst>
+              <a:ext uri="{28A0092B-C50C-407E-A947-70E740481C1C}">
+                <a14:useLocalDpi xmlns:a14="http://schemas.microsoft.com/office/drawing/2010/main" val="0"/>
+              </a:ext>
+            </a:extLst>
+          </a:blip>
+          <a:srcRect/>
+          <a:stretch>
+            <a:fillRect/>
+          </a:stretch>
+        </p:blipFill>
+        <p:spPr bwMode="auto">
+          <a:xfrm>
+            <a:off x="3542390" y="4437112"/>
+            <a:ext cx="1965714" cy="1532327"/>
+          </a:xfrm>
+          <a:prstGeom prst="rect">
+            <a:avLst/>
+          </a:prstGeom>
+          <a:noFill/>
+          <a:ln>
+            <a:noFill/>
+          </a:ln>
+          <a:effectLst/>
+          <a:extLst>
+            <a:ext uri="{909E8E84-426E-40DD-AFC4-6F175D3DCCD1}">
+              <a14:hiddenFill xmlns:a14="http://schemas.microsoft.com/office/drawing/2010/main">
+                <a:solidFill>
+                  <a:schemeClr val="accent1"/>
+                </a:solidFill>
+              </a14:hiddenFill>
+            </a:ext>
+            <a:ext uri="{91240B29-F687-4F45-9708-019B960494DF}">
+              <a14:hiddenLine xmlns:a14="http://schemas.microsoft.com/office/drawing/2010/main" w="9525">
+                <a:solidFill>
+                  <a:schemeClr val="tx1"/>
+                </a:solidFill>
+                <a:miter lim="800000"/>
+                <a:headEnd/>
+                <a:tailEnd/>
+              </a14:hiddenLine>
+            </a:ext>
+            <a:ext uri="{AF507438-7753-43E0-B8FC-AC1667EBCBE1}">
+              <a14:hiddenEffects xmlns:a14="http://schemas.microsoft.com/office/drawing/2010/main">
+                <a:effectLst>
+                  <a:outerShdw dist="35921" dir="2700000" algn="ctr" rotWithShape="0">
+                    <a:schemeClr val="bg2"/>
+                  </a:outerShdw>
+                </a:effectLst>
+              </a14:hiddenEffects>
+            </a:ext>
+          </a:extLst>
+        </p:spPr>
+      </p:pic>
+    </p:spTree>
+    <p:extLst>
+      <p:ext uri="{BB962C8B-B14F-4D97-AF65-F5344CB8AC3E}">
+        <p14:creationId xmlns:p14="http://schemas.microsoft.com/office/powerpoint/2010/main" val="3275283567"/>
+      </p:ext>
+    </p:extLst>
+  </p:cSld>
+  <p:clrMapOvr>
+    <a:masterClrMapping/>
+  </p:clrMapOvr>
+  <mc:AlternateContent xmlns:mc="http://schemas.openxmlformats.org/markup-compatibility/2006">
+    <mc:Choice xmlns:p14="http://schemas.microsoft.com/office/powerpoint/2010/main" Requires="p14">
+      <p:transition p14:dur="0"/>
+    </mc:Choice>
+    <mc:Fallback>
+      <p:transition/>
+    </mc:Fallback>
+  </mc:AlternateContent>
+  <p:timing>
+    <p:tnLst>
+      <p:par>
+        <p:cTn id="1" dur="indefinite" restart="never" nodeType="tmRoot">
+          <p:childTnLst>
+            <p:seq concurrent="1" nextAc="seek">
+              <p:cTn id="2" dur="indefinite" nodeType="mainSeq">
+                <p:childTnLst>
+                  <p:par>
+                    <p:cTn id="3" fill="hold">
+                      <p:stCondLst>
+                        <p:cond delay="indefinite"/>
+                      </p:stCondLst>
+                      <p:childTnLst>
+                        <p:par>
+                          <p:cTn id="4" fill="hold">
+                            <p:stCondLst>
+                              <p:cond delay="0"/>
+                            </p:stCondLst>
+                            <p:childTnLst>
+                              <p:par>
+                                <p:cTn id="5" presetID="2" presetClass="entr" presetSubtype="4" fill="hold" nodeType="clickEffect">
+                                  <p:stCondLst>
+                                    <p:cond delay="0"/>
+                                  </p:stCondLst>
+                                  <p:childTnLst>
+                                    <p:set>
+                                      <p:cBhvr>
+                                        <p:cTn id="6" dur="1" fill="hold">
+                                          <p:stCondLst>
+                                            <p:cond delay="0"/>
+                                          </p:stCondLst>
+                                        </p:cTn>
+                                        <p:tgtEl>
+                                          <p:spTgt spid="1026"/>
+                                        </p:tgtEl>
+                                        <p:attrNameLst>
+                                          <p:attrName>style.visibility</p:attrName>
+                                        </p:attrNameLst>
+                                      </p:cBhvr>
+                                      <p:to>
+                                        <p:strVal val="visible"/>
+                                      </p:to>
+                                    </p:set>
+                                    <p:anim calcmode="lin" valueType="num">
+                                      <p:cBhvr additive="base">
+                                        <p:cTn id="7" dur="500" fill="hold"/>
+                                        <p:tgtEl>
+                                          <p:spTgt spid="1026"/>
+                                        </p:tgtEl>
+                                        <p:attrNameLst>
+                                          <p:attrName>ppt_x</p:attrName>
+                                        </p:attrNameLst>
+                                      </p:cBhvr>
+                                      <p:tavLst>
+                                        <p:tav tm="0">
+                                          <p:val>
+                                            <p:strVal val="#ppt_x"/>
+                                          </p:val>
+                                        </p:tav>
+                                        <p:tav tm="100000">
+                                          <p:val>
+                                            <p:strVal val="#ppt_x"/>
+                                          </p:val>
+                                        </p:tav>
+                                      </p:tavLst>
+                                    </p:anim>
+                                    <p:anim calcmode="lin" valueType="num">
+                                      <p:cBhvr additive="base">
+                                        <p:cTn id="8" dur="500" fill="hold"/>
+                                        <p:tgtEl>
+                                          <p:spTgt spid="1026"/>
+                                        </p:tgtEl>
+                                        <p:attrNameLst>
+                                          <p:attrName>ppt_y</p:attrName>
+                                        </p:attrNameLst>
+                                      </p:cBhvr>
+                                      <p:tavLst>
+                                        <p:tav tm="0">
+                                          <p:val>
+                                            <p:strVal val="1+#ppt_h/2"/>
+                                          </p:val>
+                                        </p:tav>
+                                        <p:tav tm="100000">
+                                          <p:val>
+                                            <p:strVal val="#ppt_y"/>
+                                          </p:val>
+                                        </p:tav>
+                                      </p:tavLst>
+                                    </p:anim>
+                                  </p:childTnLst>
+                                </p:cTn>
+                              </p:par>
+                            </p:childTnLst>
+                          </p:cTn>
+                        </p:par>
+                      </p:childTnLst>
+                    </p:cTn>
+                  </p:par>
+                </p:childTnLst>
+              </p:cTn>
+              <p:prevCondLst>
+                <p:cond evt="onPrev" delay="0">
+                  <p:tgtEl>
+                    <p:sldTgt/>
+                  </p:tgtEl>
+                </p:cond>
+              </p:prevCondLst>
+              <p:nextCondLst>
+                <p:cond evt="onNext" delay="0">
+                  <p:tgtEl>
+                    <p:sldTgt/>
+                  </p:tgtEl>
+                </p:cond>
+              </p:nextCondLst>
+            </p:seq>
+          </p:childTnLst>
+        </p:cTn>
+      </p:par>
+    </p:tnLst>
+  </p:timing>
+</p:sld>
+</file>
+
+<file path=ppt/slides/slide23.xml><?xml version="1.0" encoding="utf-8"?>
+<p:sld xmlns:a="http://schemas.openxmlformats.org/drawingml/2006/main" xmlns:r="http://schemas.openxmlformats.org/officeDocument/2006/relationships" xmlns:p="http://schemas.openxmlformats.org/presentationml/2006/main">
+  <p:cSld>
+    <p:spTree>
+      <p:nvGrpSpPr>
+        <p:cNvPr id="1" name=""/>
+        <p:cNvGrpSpPr/>
+        <p:nvPr/>
+      </p:nvGrpSpPr>
+      <p:grpSpPr>
+        <a:xfrm>
+          <a:off x="0" y="0"/>
+          <a:ext cx="0" cy="0"/>
+          <a:chOff x="0" y="0"/>
+          <a:chExt cx="0" cy="0"/>
+        </a:xfrm>
+      </p:grpSpPr>
+      <p:sp>
+        <p:nvSpPr>
+          <p:cNvPr id="2" name="Заголовок 1"/>
+          <p:cNvSpPr>
+            <a:spLocks noGrp="1"/>
+          </p:cNvSpPr>
+          <p:nvPr>
+            <p:ph type="title"/>
+          </p:nvPr>
+        </p:nvSpPr>
+        <p:spPr/>
+        <p:txBody>
+          <a:bodyPr/>
+          <a:lstStyle/>
+          <a:p>
+            <a:r>
+              <a:rPr lang="ru-RU" dirty="0" smtClean="0"/>
+              <a:t>Что делать с остальным?</a:t>
+            </a:r>
+            <a:endParaRPr lang="ru-RU" dirty="0"/>
+          </a:p>
+        </p:txBody>
+      </p:sp>
+      <p:sp>
+        <p:nvSpPr>
+          <p:cNvPr id="3" name="Прямоугольник 2"/>
+          <p:cNvSpPr/>
+          <p:nvPr/>
+        </p:nvSpPr>
+        <p:spPr>
+          <a:xfrm>
+            <a:off x="2555776" y="1412776"/>
+            <a:ext cx="3881191" cy="646331"/>
+          </a:xfrm>
+          <a:prstGeom prst="rect">
+            <a:avLst/>
+          </a:prstGeom>
+        </p:spPr>
+        <p:txBody>
+          <a:bodyPr wrap="none">
+            <a:spAutoFit/>
+          </a:bodyPr>
+          <a:lstStyle/>
+          <a:p>
+            <a:r>
+              <a:rPr lang="en-US" sz="3600" dirty="0"/>
+              <a:t>https://github.com/</a:t>
+            </a:r>
+            <a:endParaRPr lang="ru-RU" sz="3600" dirty="0"/>
+          </a:p>
+        </p:txBody>
+      </p:sp>
+      <p:sp>
+        <p:nvSpPr>
+          <p:cNvPr id="4" name="Прямоугольник 3"/>
+          <p:cNvSpPr/>
+          <p:nvPr/>
+        </p:nvSpPr>
+        <p:spPr>
+          <a:xfrm>
+            <a:off x="611560" y="2204864"/>
+            <a:ext cx="7920880" cy="830997"/>
+          </a:xfrm>
+          <a:prstGeom prst="rect">
+            <a:avLst/>
+          </a:prstGeom>
+        </p:spPr>
+        <p:txBody>
+          <a:bodyPr wrap="square">
+            <a:spAutoFit/>
+          </a:bodyPr>
+          <a:lstStyle/>
+          <a:p>
+            <a:r>
+              <a:rPr lang="ru-RU" sz="2400" b="1" dirty="0" err="1"/>
+              <a:t>GitHub</a:t>
+            </a:r>
+            <a:r>
+              <a:rPr lang="ru-RU" sz="2400" dirty="0"/>
+              <a:t> — самый </a:t>
+            </a:r>
+            <a:r>
+              <a:rPr lang="ru-RU" sz="2400" dirty="0" smtClean="0"/>
+              <a:t>большой </a:t>
+            </a:r>
+            <a:r>
+              <a:rPr lang="ru-RU" sz="2400" dirty="0"/>
+              <a:t>веб-сервис для хостинга проектов и их совместной разработки.</a:t>
+            </a:r>
+          </a:p>
+        </p:txBody>
+      </p:sp>
+      <p:sp>
+        <p:nvSpPr>
+          <p:cNvPr id="5" name="Прямоугольник 4"/>
+          <p:cNvSpPr/>
+          <p:nvPr/>
+        </p:nvSpPr>
+        <p:spPr>
+          <a:xfrm>
+            <a:off x="611560" y="3140224"/>
+            <a:ext cx="7632848" cy="830997"/>
+          </a:xfrm>
+          <a:prstGeom prst="rect">
+            <a:avLst/>
+          </a:prstGeom>
+        </p:spPr>
+        <p:txBody>
+          <a:bodyPr wrap="square">
+            <a:spAutoFit/>
+          </a:bodyPr>
+          <a:lstStyle/>
+          <a:p>
+            <a:r>
+              <a:rPr lang="ru-RU" sz="2400" dirty="0"/>
+              <a:t>Сами разработчики называют </a:t>
+            </a:r>
+            <a:r>
+              <a:rPr lang="ru-RU" sz="2400" dirty="0" err="1"/>
+              <a:t>GitHub</a:t>
+            </a:r>
+            <a:r>
+              <a:rPr lang="ru-RU" sz="2400" dirty="0"/>
+              <a:t> «социальной сетью для разработчиков».</a:t>
+            </a:r>
+          </a:p>
+        </p:txBody>
+      </p:sp>
+      <p:pic>
+        <p:nvPicPr>
+          <p:cNvPr id="2052" name="Picture 4"/>
+          <p:cNvPicPr>
+            <a:picLocks noChangeAspect="1" noChangeArrowheads="1"/>
+          </p:cNvPicPr>
+          <p:nvPr/>
+        </p:nvPicPr>
+        <p:blipFill>
+          <a:blip r:embed="rId3">
+            <a:extLst>
+              <a:ext uri="{28A0092B-C50C-407E-A947-70E740481C1C}">
+                <a14:useLocalDpi xmlns:a14="http://schemas.microsoft.com/office/drawing/2010/main" val="0"/>
+              </a:ext>
+            </a:extLst>
+          </a:blip>
+          <a:srcRect/>
+          <a:stretch>
+            <a:fillRect/>
+          </a:stretch>
+        </p:blipFill>
+        <p:spPr bwMode="auto">
+          <a:xfrm>
+            <a:off x="341866" y="1412776"/>
+            <a:ext cx="8460268" cy="4626709"/>
+          </a:xfrm>
+          <a:prstGeom prst="rect">
+            <a:avLst/>
+          </a:prstGeom>
+          <a:noFill/>
+          <a:ln>
+            <a:noFill/>
+          </a:ln>
+          <a:effectLst/>
+          <a:extLst>
+            <a:ext uri="{909E8E84-426E-40DD-AFC4-6F175D3DCCD1}">
+              <a14:hiddenFill xmlns:a14="http://schemas.microsoft.com/office/drawing/2010/main">
+                <a:solidFill>
+                  <a:schemeClr val="accent1"/>
+                </a:solidFill>
+              </a14:hiddenFill>
+            </a:ext>
+            <a:ext uri="{91240B29-F687-4F45-9708-019B960494DF}">
+              <a14:hiddenLine xmlns:a14="http://schemas.microsoft.com/office/drawing/2010/main" w="9525">
+                <a:solidFill>
+                  <a:schemeClr val="tx1"/>
+                </a:solidFill>
+                <a:miter lim="800000"/>
+                <a:headEnd/>
+                <a:tailEnd/>
+              </a14:hiddenLine>
+            </a:ext>
+            <a:ext uri="{AF507438-7753-43E0-B8FC-AC1667EBCBE1}">
+              <a14:hiddenEffects xmlns:a14="http://schemas.microsoft.com/office/drawing/2010/main">
+                <a:effectLst>
+                  <a:outerShdw dist="35921" dir="2700000" algn="ctr" rotWithShape="0">
+                    <a:schemeClr val="bg2"/>
+                  </a:outerShdw>
+                </a:effectLst>
+              </a14:hiddenEffects>
+            </a:ext>
+          </a:extLst>
+        </p:spPr>
+      </p:pic>
+    </p:spTree>
+    <p:extLst>
+      <p:ext uri="{BB962C8B-B14F-4D97-AF65-F5344CB8AC3E}">
+        <p14:creationId xmlns:p14="http://schemas.microsoft.com/office/powerpoint/2010/main" val="3277533545"/>
+      </p:ext>
+    </p:extLst>
+  </p:cSld>
+  <p:clrMapOvr>
+    <a:masterClrMapping/>
+  </p:clrMapOvr>
+  <p:timing>
+    <p:tnLst>
+      <p:par>
+        <p:cTn id="1" dur="indefinite" restart="never" nodeType="tmRoot">
+          <p:childTnLst>
+            <p:seq concurrent="1" nextAc="seek">
+              <p:cTn id="2" dur="indefinite" nodeType="mainSeq">
+                <p:childTnLst>
+                  <p:par>
+                    <p:cTn id="3" fill="hold">
+                      <p:stCondLst>
+                        <p:cond delay="indefinite"/>
+                      </p:stCondLst>
+                      <p:childTnLst>
+                        <p:par>
+                          <p:cTn id="4" fill="hold">
+                            <p:stCondLst>
+                              <p:cond delay="0"/>
+                            </p:stCondLst>
+                            <p:childTnLst>
+                              <p:par>
+                                <p:cTn id="5" presetID="2" presetClass="entr" presetSubtype="4" fill="hold" nodeType="clickEffect">
+                                  <p:stCondLst>
+                                    <p:cond delay="0"/>
+                                  </p:stCondLst>
+                                  <p:childTnLst>
+                                    <p:set>
+                                      <p:cBhvr>
+                                        <p:cTn id="6" dur="1" fill="hold">
+                                          <p:stCondLst>
+                                            <p:cond delay="0"/>
+                                          </p:stCondLst>
+                                        </p:cTn>
+                                        <p:tgtEl>
+                                          <p:spTgt spid="2052"/>
+                                        </p:tgtEl>
+                                        <p:attrNameLst>
+                                          <p:attrName>style.visibility</p:attrName>
+                                        </p:attrNameLst>
+                                      </p:cBhvr>
+                                      <p:to>
+                                        <p:strVal val="visible"/>
+                                      </p:to>
+                                    </p:set>
+                                    <p:anim calcmode="lin" valueType="num">
+                                      <p:cBhvr additive="base">
+                                        <p:cTn id="7" dur="500" fill="hold"/>
+                                        <p:tgtEl>
+                                          <p:spTgt spid="2052"/>
+                                        </p:tgtEl>
+                                        <p:attrNameLst>
+                                          <p:attrName>ppt_x</p:attrName>
+                                        </p:attrNameLst>
+                                      </p:cBhvr>
+                                      <p:tavLst>
+                                        <p:tav tm="0">
+                                          <p:val>
+                                            <p:strVal val="#ppt_x"/>
+                                          </p:val>
+                                        </p:tav>
+                                        <p:tav tm="100000">
+                                          <p:val>
+                                            <p:strVal val="#ppt_x"/>
+                                          </p:val>
+                                        </p:tav>
+                                      </p:tavLst>
+                                    </p:anim>
+                                    <p:anim calcmode="lin" valueType="num">
+                                      <p:cBhvr additive="base">
+                                        <p:cTn id="8" dur="500" fill="hold"/>
+                                        <p:tgtEl>
+                                          <p:spTgt spid="2052"/>
+                                        </p:tgtEl>
+                                        <p:attrNameLst>
+                                          <p:attrName>ppt_y</p:attrName>
+                                        </p:attrNameLst>
+                                      </p:cBhvr>
+                                      <p:tavLst>
+                                        <p:tav tm="0">
+                                          <p:val>
+                                            <p:strVal val="1+#ppt_h/2"/>
+                                          </p:val>
+                                        </p:tav>
+                                        <p:tav tm="100000">
+                                          <p:val>
+                                            <p:strVal val="#ppt_y"/>
+                                          </p:val>
+                                        </p:tav>
+                                      </p:tavLst>
+                                    </p:anim>
+                                  </p:childTnLst>
+                                </p:cTn>
+                              </p:par>
+                            </p:childTnLst>
+                          </p:cTn>
+                        </p:par>
+                      </p:childTnLst>
+                    </p:cTn>
+                  </p:par>
+                </p:childTnLst>
+              </p:cTn>
+              <p:prevCondLst>
+                <p:cond evt="onPrev" delay="0">
+                  <p:tgtEl>
+                    <p:sldTgt/>
+                  </p:tgtEl>
+                </p:cond>
+              </p:prevCondLst>
+              <p:nextCondLst>
+                <p:cond evt="onNext" delay="0">
+                  <p:tgtEl>
+                    <p:sldTgt/>
+                  </p:tgtEl>
+                </p:cond>
+              </p:nextCondLst>
+            </p:seq>
+          </p:childTnLst>
+        </p:cTn>
+      </p:par>
+    </p:tnLst>
+  </p:timing>
+</p:sld>
+</file>
+
+<file path=ppt/slides/slide24.xml><?xml version="1.0" encoding="utf-8"?>
+<p:sld xmlns:a="http://schemas.openxmlformats.org/drawingml/2006/main" xmlns:r="http://schemas.openxmlformats.org/officeDocument/2006/relationships" xmlns:p="http://schemas.openxmlformats.org/presentationml/2006/main">
+  <p:cSld>
+    <p:spTree>
+      <p:nvGrpSpPr>
+        <p:cNvPr id="1" name=""/>
+        <p:cNvGrpSpPr/>
+        <p:nvPr/>
+      </p:nvGrpSpPr>
+      <p:grpSpPr>
+        <a:xfrm>
+          <a:off x="0" y="0"/>
+          <a:ext cx="0" cy="0"/>
+          <a:chOff x="0" y="0"/>
+          <a:chExt cx="0" cy="0"/>
+        </a:xfrm>
+      </p:grpSpPr>
+      <p:sp>
+        <p:nvSpPr>
+          <p:cNvPr id="2" name="Заголовок 1"/>
+          <p:cNvSpPr>
+            <a:spLocks noGrp="1"/>
+          </p:cNvSpPr>
+          <p:nvPr>
+            <p:ph type="title"/>
+          </p:nvPr>
+        </p:nvSpPr>
+        <p:spPr/>
+        <p:txBody>
+          <a:bodyPr/>
+          <a:lstStyle/>
+          <a:p>
+            <a:r>
+              <a:rPr lang="ru-RU" dirty="0" smtClean="0"/>
+              <a:t>Управление задачами</a:t>
+            </a:r>
+            <a:endParaRPr lang="ru-RU" dirty="0"/>
+          </a:p>
+        </p:txBody>
+      </p:sp>
+      <p:pic>
+        <p:nvPicPr>
+          <p:cNvPr id="3074" name="Picture 2"/>
+          <p:cNvPicPr>
+            <a:picLocks noChangeAspect="1" noChangeArrowheads="1"/>
+          </p:cNvPicPr>
+          <p:nvPr/>
+        </p:nvPicPr>
+        <p:blipFill>
+          <a:blip r:embed="rId3">
+            <a:extLst>
+              <a:ext uri="{28A0092B-C50C-407E-A947-70E740481C1C}">
+                <a14:useLocalDpi xmlns:a14="http://schemas.microsoft.com/office/drawing/2010/main" val="0"/>
+              </a:ext>
+            </a:extLst>
+          </a:blip>
+          <a:srcRect/>
+          <a:stretch>
+            <a:fillRect/>
+          </a:stretch>
+        </p:blipFill>
+        <p:spPr bwMode="auto">
+          <a:xfrm>
+            <a:off x="179512" y="1268761"/>
+            <a:ext cx="8822008" cy="4824536"/>
+          </a:xfrm>
+          <a:prstGeom prst="rect">
+            <a:avLst/>
+          </a:prstGeom>
+          <a:noFill/>
+          <a:ln>
+            <a:noFill/>
+          </a:ln>
+          <a:effectLst/>
+          <a:extLst>
+            <a:ext uri="{909E8E84-426E-40DD-AFC4-6F175D3DCCD1}">
+              <a14:hiddenFill xmlns:a14="http://schemas.microsoft.com/office/drawing/2010/main">
+                <a:solidFill>
+                  <a:schemeClr val="accent1"/>
+                </a:solidFill>
+              </a14:hiddenFill>
+            </a:ext>
+            <a:ext uri="{91240B29-F687-4F45-9708-019B960494DF}">
+              <a14:hiddenLine xmlns:a14="http://schemas.microsoft.com/office/drawing/2010/main" w="9525">
+                <a:solidFill>
+                  <a:schemeClr val="tx1"/>
+                </a:solidFill>
+                <a:miter lim="800000"/>
+                <a:headEnd/>
+                <a:tailEnd/>
+              </a14:hiddenLine>
+            </a:ext>
+            <a:ext uri="{AF507438-7753-43E0-B8FC-AC1667EBCBE1}">
+              <a14:hiddenEffects xmlns:a14="http://schemas.microsoft.com/office/drawing/2010/main">
+                <a:effectLst>
+                  <a:outerShdw dist="35921" dir="2700000" algn="ctr" rotWithShape="0">
+                    <a:schemeClr val="bg2"/>
+                  </a:outerShdw>
+                </a:effectLst>
+              </a14:hiddenEffects>
+            </a:ext>
+          </a:extLst>
+        </p:spPr>
+      </p:pic>
+      <p:pic>
+        <p:nvPicPr>
+          <p:cNvPr id="3075" name="Picture 3"/>
+          <p:cNvPicPr>
+            <a:picLocks noChangeAspect="1" noChangeArrowheads="1"/>
+          </p:cNvPicPr>
+          <p:nvPr/>
+        </p:nvPicPr>
+        <p:blipFill>
+          <a:blip r:embed="rId4">
+            <a:extLst>
+              <a:ext uri="{28A0092B-C50C-407E-A947-70E740481C1C}">
+                <a14:useLocalDpi xmlns:a14="http://schemas.microsoft.com/office/drawing/2010/main" val="0"/>
+              </a:ext>
+            </a:extLst>
+          </a:blip>
+          <a:srcRect/>
+          <a:stretch>
+            <a:fillRect/>
+          </a:stretch>
+        </p:blipFill>
+        <p:spPr bwMode="auto">
+          <a:xfrm>
+            <a:off x="179512" y="1250479"/>
+            <a:ext cx="8855439" cy="4842818"/>
+          </a:xfrm>
+          <a:prstGeom prst="rect">
+            <a:avLst/>
+          </a:prstGeom>
+          <a:noFill/>
+          <a:ln>
+            <a:noFill/>
+          </a:ln>
+          <a:effectLst/>
+          <a:extLst>
+            <a:ext uri="{909E8E84-426E-40DD-AFC4-6F175D3DCCD1}">
+              <a14:hiddenFill xmlns:a14="http://schemas.microsoft.com/office/drawing/2010/main">
+                <a:solidFill>
+                  <a:schemeClr val="accent1"/>
+                </a:solidFill>
+              </a14:hiddenFill>
+            </a:ext>
+            <a:ext uri="{91240B29-F687-4F45-9708-019B960494DF}">
+              <a14:hiddenLine xmlns:a14="http://schemas.microsoft.com/office/drawing/2010/main" w="9525">
+                <a:solidFill>
+                  <a:schemeClr val="tx1"/>
+                </a:solidFill>
+                <a:miter lim="800000"/>
+                <a:headEnd/>
+                <a:tailEnd/>
+              </a14:hiddenLine>
+            </a:ext>
+            <a:ext uri="{AF507438-7753-43E0-B8FC-AC1667EBCBE1}">
+              <a14:hiddenEffects xmlns:a14="http://schemas.microsoft.com/office/drawing/2010/main">
+                <a:effectLst>
+                  <a:outerShdw dist="35921" dir="2700000" algn="ctr" rotWithShape="0">
+                    <a:schemeClr val="bg2"/>
+                  </a:outerShdw>
+                </a:effectLst>
+              </a14:hiddenEffects>
+            </a:ext>
+          </a:extLst>
+        </p:spPr>
+      </p:pic>
+      <p:pic>
+        <p:nvPicPr>
+          <p:cNvPr id="3076" name="Picture 4"/>
+          <p:cNvPicPr>
+            <a:picLocks noChangeAspect="1" noChangeArrowheads="1"/>
+          </p:cNvPicPr>
+          <p:nvPr/>
+        </p:nvPicPr>
+        <p:blipFill>
+          <a:blip r:embed="rId5">
+            <a:extLst>
+              <a:ext uri="{28A0092B-C50C-407E-A947-70E740481C1C}">
+                <a14:useLocalDpi xmlns:a14="http://schemas.microsoft.com/office/drawing/2010/main" val="0"/>
+              </a:ext>
+            </a:extLst>
+          </a:blip>
+          <a:srcRect/>
+          <a:stretch>
+            <a:fillRect/>
+          </a:stretch>
+        </p:blipFill>
+        <p:spPr bwMode="auto">
+          <a:xfrm>
+            <a:off x="179512" y="1250479"/>
+            <a:ext cx="8855438" cy="4842818"/>
+          </a:xfrm>
+          <a:prstGeom prst="rect">
+            <a:avLst/>
+          </a:prstGeom>
+          <a:noFill/>
+          <a:ln>
+            <a:noFill/>
+          </a:ln>
+          <a:effectLst/>
+          <a:extLst>
+            <a:ext uri="{909E8E84-426E-40DD-AFC4-6F175D3DCCD1}">
+              <a14:hiddenFill xmlns:a14="http://schemas.microsoft.com/office/drawing/2010/main">
+                <a:solidFill>
+                  <a:schemeClr val="accent1"/>
+                </a:solidFill>
+              </a14:hiddenFill>
+            </a:ext>
+            <a:ext uri="{91240B29-F687-4F45-9708-019B960494DF}">
+              <a14:hiddenLine xmlns:a14="http://schemas.microsoft.com/office/drawing/2010/main" w="9525">
+                <a:solidFill>
+                  <a:schemeClr val="tx1"/>
+                </a:solidFill>
+                <a:miter lim="800000"/>
+                <a:headEnd/>
+                <a:tailEnd/>
+              </a14:hiddenLine>
+            </a:ext>
+            <a:ext uri="{AF507438-7753-43E0-B8FC-AC1667EBCBE1}">
+              <a14:hiddenEffects xmlns:a14="http://schemas.microsoft.com/office/drawing/2010/main">
+                <a:effectLst>
+                  <a:outerShdw dist="35921" dir="2700000" algn="ctr" rotWithShape="0">
+                    <a:schemeClr val="bg2"/>
+                  </a:outerShdw>
+                </a:effectLst>
+              </a14:hiddenEffects>
+            </a:ext>
+          </a:extLst>
+        </p:spPr>
+      </p:pic>
+      <p:pic>
+        <p:nvPicPr>
+          <p:cNvPr id="6" name="Picture 2"/>
+          <p:cNvPicPr>
+            <a:picLocks noChangeAspect="1" noChangeArrowheads="1"/>
+          </p:cNvPicPr>
+          <p:nvPr/>
+        </p:nvPicPr>
+        <p:blipFill>
+          <a:blip r:embed="rId6">
+            <a:extLst>
+              <a:ext uri="{28A0092B-C50C-407E-A947-70E740481C1C}">
+                <a14:useLocalDpi xmlns:a14="http://schemas.microsoft.com/office/drawing/2010/main" val="0"/>
+              </a:ext>
+            </a:extLst>
+          </a:blip>
+          <a:srcRect/>
+          <a:stretch>
+            <a:fillRect/>
+          </a:stretch>
+        </p:blipFill>
+        <p:spPr bwMode="auto">
+          <a:xfrm>
+            <a:off x="3512103" y="3140968"/>
+            <a:ext cx="1965714" cy="1532327"/>
+          </a:xfrm>
+          <a:prstGeom prst="rect">
+            <a:avLst/>
+          </a:prstGeom>
+          <a:noFill/>
+          <a:ln>
+            <a:noFill/>
+          </a:ln>
+          <a:effectLst/>
+          <a:extLst>
+            <a:ext uri="{909E8E84-426E-40DD-AFC4-6F175D3DCCD1}">
+              <a14:hiddenFill xmlns:a14="http://schemas.microsoft.com/office/drawing/2010/main">
+                <a:solidFill>
+                  <a:schemeClr val="accent1"/>
+                </a:solidFill>
+              </a14:hiddenFill>
+            </a:ext>
+            <a:ext uri="{91240B29-F687-4F45-9708-019B960494DF}">
+              <a14:hiddenLine xmlns:a14="http://schemas.microsoft.com/office/drawing/2010/main" w="9525">
+                <a:solidFill>
+                  <a:schemeClr val="tx1"/>
+                </a:solidFill>
+                <a:miter lim="800000"/>
+                <a:headEnd/>
+                <a:tailEnd/>
+              </a14:hiddenLine>
+            </a:ext>
+            <a:ext uri="{AF507438-7753-43E0-B8FC-AC1667EBCBE1}">
+              <a14:hiddenEffects xmlns:a14="http://schemas.microsoft.com/office/drawing/2010/main">
+                <a:effectLst>
+                  <a:outerShdw dist="35921" dir="2700000" algn="ctr" rotWithShape="0">
+                    <a:schemeClr val="bg2"/>
+                  </a:outerShdw>
+                </a:effectLst>
+              </a14:hiddenEffects>
+            </a:ext>
+          </a:extLst>
+        </p:spPr>
+      </p:pic>
+    </p:spTree>
+    <p:extLst>
+      <p:ext uri="{BB962C8B-B14F-4D97-AF65-F5344CB8AC3E}">
+        <p14:creationId xmlns:p14="http://schemas.microsoft.com/office/powerpoint/2010/main" val="3752327181"/>
+      </p:ext>
+    </p:extLst>
+  </p:cSld>
+  <p:clrMapOvr>
+    <a:masterClrMapping/>
+  </p:clrMapOvr>
+  <p:timing>
+    <p:tnLst>
+      <p:par>
+        <p:cTn id="1" dur="indefinite" restart="never" nodeType="tmRoot">
+          <p:childTnLst>
+            <p:seq concurrent="1" nextAc="seek">
+              <p:cTn id="2" dur="indefinite" nodeType="mainSeq">
+                <p:childTnLst>
+                  <p:par>
+                    <p:cTn id="3" fill="hold">
+                      <p:stCondLst>
+                        <p:cond delay="indefinite"/>
+                      </p:stCondLst>
+                      <p:childTnLst>
+                        <p:par>
+                          <p:cTn id="4" fill="hold">
+                            <p:stCondLst>
+                              <p:cond delay="0"/>
+                            </p:stCondLst>
+                            <p:childTnLst>
+                              <p:par>
+                                <p:cTn id="5" presetID="2" presetClass="entr" presetSubtype="4" fill="hold" nodeType="clickEffect">
+                                  <p:stCondLst>
+                                    <p:cond delay="0"/>
+                                  </p:stCondLst>
+                                  <p:childTnLst>
+                                    <p:set>
+                                      <p:cBhvr>
+                                        <p:cTn id="6" dur="1" fill="hold">
+                                          <p:stCondLst>
+                                            <p:cond delay="0"/>
+                                          </p:stCondLst>
+                                        </p:cTn>
+                                        <p:tgtEl>
+                                          <p:spTgt spid="3075"/>
+                                        </p:tgtEl>
+                                        <p:attrNameLst>
+                                          <p:attrName>style.visibility</p:attrName>
+                                        </p:attrNameLst>
+                                      </p:cBhvr>
+                                      <p:to>
+                                        <p:strVal val="visible"/>
+                                      </p:to>
+                                    </p:set>
+                                    <p:anim calcmode="lin" valueType="num">
+                                      <p:cBhvr additive="base">
+                                        <p:cTn id="7" dur="500" fill="hold"/>
+                                        <p:tgtEl>
+                                          <p:spTgt spid="3075"/>
+                                        </p:tgtEl>
+                                        <p:attrNameLst>
+                                          <p:attrName>ppt_x</p:attrName>
+                                        </p:attrNameLst>
+                                      </p:cBhvr>
+                                      <p:tavLst>
+                                        <p:tav tm="0">
+                                          <p:val>
+                                            <p:strVal val="#ppt_x"/>
+                                          </p:val>
+                                        </p:tav>
+                                        <p:tav tm="100000">
+                                          <p:val>
+                                            <p:strVal val="#ppt_x"/>
+                                          </p:val>
+                                        </p:tav>
+                                      </p:tavLst>
+                                    </p:anim>
+                                    <p:anim calcmode="lin" valueType="num">
+                                      <p:cBhvr additive="base">
+                                        <p:cTn id="8" dur="500" fill="hold"/>
+                                        <p:tgtEl>
+                                          <p:spTgt spid="3075"/>
+                                        </p:tgtEl>
+                                        <p:attrNameLst>
+                                          <p:attrName>ppt_y</p:attrName>
+                                        </p:attrNameLst>
+                                      </p:cBhvr>
+                                      <p:tavLst>
+                                        <p:tav tm="0">
+                                          <p:val>
+                                            <p:strVal val="1+#ppt_h/2"/>
+                                          </p:val>
+                                        </p:tav>
+                                        <p:tav tm="100000">
+                                          <p:val>
+                                            <p:strVal val="#ppt_y"/>
+                                          </p:val>
+                                        </p:tav>
+                                      </p:tavLst>
+                                    </p:anim>
+                                  </p:childTnLst>
+                                </p:cTn>
+                              </p:par>
+                            </p:childTnLst>
+                          </p:cTn>
+                        </p:par>
+                      </p:childTnLst>
+                    </p:cTn>
+                  </p:par>
+                  <p:par>
+                    <p:cTn id="9" fill="hold">
+                      <p:stCondLst>
+                        <p:cond delay="indefinite"/>
+                      </p:stCondLst>
+                      <p:childTnLst>
+                        <p:par>
+                          <p:cTn id="10" fill="hold">
+                            <p:stCondLst>
+                              <p:cond delay="0"/>
+                            </p:stCondLst>
+                            <p:childTnLst>
+                              <p:par>
+                                <p:cTn id="11" presetID="2" presetClass="entr" presetSubtype="4" fill="hold" nodeType="clickEffect">
+                                  <p:stCondLst>
+                                    <p:cond delay="0"/>
+                                  </p:stCondLst>
+                                  <p:childTnLst>
+                                    <p:set>
+                                      <p:cBhvr>
+                                        <p:cTn id="12" dur="1" fill="hold">
+                                          <p:stCondLst>
+                                            <p:cond delay="0"/>
+                                          </p:stCondLst>
+                                        </p:cTn>
+                                        <p:tgtEl>
+                                          <p:spTgt spid="3076"/>
+                                        </p:tgtEl>
+                                        <p:attrNameLst>
+                                          <p:attrName>style.visibility</p:attrName>
+                                        </p:attrNameLst>
+                                      </p:cBhvr>
+                                      <p:to>
+                                        <p:strVal val="visible"/>
+                                      </p:to>
+                                    </p:set>
+                                    <p:anim calcmode="lin" valueType="num">
+                                      <p:cBhvr additive="base">
+                                        <p:cTn id="13" dur="500" fill="hold"/>
+                                        <p:tgtEl>
+                                          <p:spTgt spid="3076"/>
+                                        </p:tgtEl>
+                                        <p:attrNameLst>
+                                          <p:attrName>ppt_x</p:attrName>
+                                        </p:attrNameLst>
+                                      </p:cBhvr>
+                                      <p:tavLst>
+                                        <p:tav tm="0">
+                                          <p:val>
+                                            <p:strVal val="#ppt_x"/>
+                                          </p:val>
+                                        </p:tav>
+                                        <p:tav tm="100000">
+                                          <p:val>
+                                            <p:strVal val="#ppt_x"/>
+                                          </p:val>
+                                        </p:tav>
+                                      </p:tavLst>
+                                    </p:anim>
+                                    <p:anim calcmode="lin" valueType="num">
+                                      <p:cBhvr additive="base">
+                                        <p:cTn id="14" dur="500" fill="hold"/>
+                                        <p:tgtEl>
+                                          <p:spTgt spid="3076"/>
+                                        </p:tgtEl>
+                                        <p:attrNameLst>
+                                          <p:attrName>ppt_y</p:attrName>
+                                        </p:attrNameLst>
+                                      </p:cBhvr>
+                                      <p:tavLst>
+                                        <p:tav tm="0">
+                                          <p:val>
+                                            <p:strVal val="1+#ppt_h/2"/>
+                                          </p:val>
+                                        </p:tav>
+                                        <p:tav tm="100000">
+                                          <p:val>
+                                            <p:strVal val="#ppt_y"/>
+                                          </p:val>
+                                        </p:tav>
+                                      </p:tavLst>
+                                    </p:anim>
+                                  </p:childTnLst>
+                                </p:cTn>
+                              </p:par>
+                            </p:childTnLst>
+                          </p:cTn>
+                        </p:par>
+                      </p:childTnLst>
+                    </p:cTn>
+                  </p:par>
+                  <p:par>
+                    <p:cTn id="15" fill="hold">
+                      <p:stCondLst>
+                        <p:cond delay="indefinite"/>
+                      </p:stCondLst>
+                      <p:childTnLst>
+                        <p:par>
+                          <p:cTn id="16" fill="hold">
+                            <p:stCondLst>
+                              <p:cond delay="0"/>
+                            </p:stCondLst>
+                            <p:childTnLst>
+                              <p:par>
+                                <p:cTn id="17" presetID="2" presetClass="entr" presetSubtype="4" fill="hold" nodeType="clickEffect">
+                                  <p:stCondLst>
+                                    <p:cond delay="0"/>
+                                  </p:stCondLst>
+                                  <p:childTnLst>
+                                    <p:set>
+                                      <p:cBhvr>
+                                        <p:cTn id="18" dur="1" fill="hold">
+                                          <p:stCondLst>
+                                            <p:cond delay="0"/>
+                                          </p:stCondLst>
+                                        </p:cTn>
+                                        <p:tgtEl>
+                                          <p:spTgt spid="6"/>
+                                        </p:tgtEl>
+                                        <p:attrNameLst>
+                                          <p:attrName>style.visibility</p:attrName>
+                                        </p:attrNameLst>
+                                      </p:cBhvr>
+                                      <p:to>
+                                        <p:strVal val="visible"/>
+                                      </p:to>
+                                    </p:set>
+                                    <p:anim calcmode="lin" valueType="num">
+                                      <p:cBhvr additive="base">
+                                        <p:cTn id="19" dur="500" fill="hold"/>
+                                        <p:tgtEl>
+                                          <p:spTgt spid="6"/>
+                                        </p:tgtEl>
+                                        <p:attrNameLst>
+                                          <p:attrName>ppt_x</p:attrName>
+                                        </p:attrNameLst>
+                                      </p:cBhvr>
+                                      <p:tavLst>
+                                        <p:tav tm="0">
+                                          <p:val>
+                                            <p:strVal val="#ppt_x"/>
+                                          </p:val>
+                                        </p:tav>
+                                        <p:tav tm="100000">
+                                          <p:val>
+                                            <p:strVal val="#ppt_x"/>
+                                          </p:val>
+                                        </p:tav>
+                                      </p:tavLst>
+                                    </p:anim>
+                                    <p:anim calcmode="lin" valueType="num">
+                                      <p:cBhvr additive="base">
+                                        <p:cTn id="20" dur="500" fill="hold"/>
+                                        <p:tgtEl>
+                                          <p:spTgt spid="6"/>
+                                        </p:tgtEl>
+                                        <p:attrNameLst>
+                                          <p:attrName>ppt_y</p:attrName>
+                                        </p:attrNameLst>
+                                      </p:cBhvr>
+                                      <p:tavLst>
+                                        <p:tav tm="0">
+                                          <p:val>
+                                            <p:strVal val="1+#ppt_h/2"/>
+                                          </p:val>
+                                        </p:tav>
+                                        <p:tav tm="100000">
+                                          <p:val>
+                                            <p:strVal val="#ppt_y"/>
+                                          </p:val>
+                                        </p:tav>
+                                      </p:tavLst>
+                                    </p:anim>
+                                  </p:childTnLst>
+                                </p:cTn>
+                              </p:par>
+                            </p:childTnLst>
+                          </p:cTn>
+                        </p:par>
+                      </p:childTnLst>
+                    </p:cTn>
+                  </p:par>
+                </p:childTnLst>
+              </p:cTn>
+              <p:prevCondLst>
+                <p:cond evt="onPrev" delay="0">
+                  <p:tgtEl>
+                    <p:sldTgt/>
+                  </p:tgtEl>
+                </p:cond>
+              </p:prevCondLst>
+              <p:nextCondLst>
+                <p:cond evt="onNext" delay="0">
+                  <p:tgtEl>
+                    <p:sldTgt/>
+                  </p:tgtEl>
+                </p:cond>
+              </p:nextCondLst>
+            </p:seq>
+          </p:childTnLst>
+        </p:cTn>
+      </p:par>
+    </p:tnLst>
+  </p:timing>
+</p:sld>
+</file>
+
+<file path=ppt/slides/slide25.xml><?xml version="1.0" encoding="utf-8"?>
+<p:sld xmlns:a="http://schemas.openxmlformats.org/drawingml/2006/main" xmlns:r="http://schemas.openxmlformats.org/officeDocument/2006/relationships" xmlns:p="http://schemas.openxmlformats.org/presentationml/2006/main">
+  <p:cSld>
+    <p:spTree>
+      <p:nvGrpSpPr>
+        <p:cNvPr id="1" name=""/>
+        <p:cNvGrpSpPr/>
+        <p:nvPr/>
+      </p:nvGrpSpPr>
+      <p:grpSpPr>
+        <a:xfrm>
+          <a:off x="0" y="0"/>
+          <a:ext cx="0" cy="0"/>
+          <a:chOff x="0" y="0"/>
+          <a:chExt cx="0" cy="0"/>
+        </a:xfrm>
+      </p:grpSpPr>
+      <p:sp>
+        <p:nvSpPr>
+          <p:cNvPr id="2" name="Заголовок 1"/>
+          <p:cNvSpPr>
+            <a:spLocks noGrp="1"/>
+          </p:cNvSpPr>
+          <p:nvPr>
+            <p:ph type="title"/>
+          </p:nvPr>
+        </p:nvSpPr>
+        <p:spPr/>
+        <p:txBody>
+          <a:bodyPr/>
+          <a:lstStyle/>
+          <a:p>
+            <a:r>
+              <a:rPr lang="en-US" dirty="0" smtClean="0"/>
+              <a:t>IDE</a:t>
+            </a:r>
+            <a:endParaRPr lang="ru-RU" dirty="0"/>
+          </a:p>
+        </p:txBody>
+      </p:sp>
+      <p:sp>
+        <p:nvSpPr>
+          <p:cNvPr id="3" name="TextBox 2"/>
+          <p:cNvSpPr txBox="1"/>
+          <p:nvPr/>
+        </p:nvSpPr>
+        <p:spPr>
+          <a:xfrm>
+            <a:off x="1859016" y="1416823"/>
+            <a:ext cx="5292411" cy="646331"/>
+          </a:xfrm>
+          <a:prstGeom prst="rect">
+            <a:avLst/>
+          </a:prstGeom>
+          <a:noFill/>
+        </p:spPr>
+        <p:txBody>
+          <a:bodyPr wrap="none" rtlCol="0">
+            <a:spAutoFit/>
+          </a:bodyPr>
+          <a:lstStyle/>
+          <a:p>
+            <a:r>
+              <a:rPr lang="en-US" sz="3600" dirty="0" smtClean="0"/>
+              <a:t>Visual studio 2010 + </a:t>
+            </a:r>
+            <a:r>
+              <a:rPr lang="en-US" sz="3600" dirty="0" err="1" smtClean="0"/>
+              <a:t>NuGet</a:t>
+            </a:r>
+            <a:endParaRPr lang="en-US" sz="3600" dirty="0"/>
+          </a:p>
+        </p:txBody>
+      </p:sp>
+      <p:sp>
+        <p:nvSpPr>
+          <p:cNvPr id="4" name="TextBox 3"/>
+          <p:cNvSpPr txBox="1"/>
+          <p:nvPr/>
+        </p:nvSpPr>
+        <p:spPr>
+          <a:xfrm>
+            <a:off x="827584" y="2708920"/>
+            <a:ext cx="7733656" cy="646331"/>
+          </a:xfrm>
+          <a:prstGeom prst="rect">
+            <a:avLst/>
+          </a:prstGeom>
+          <a:noFill/>
+        </p:spPr>
+        <p:txBody>
+          <a:bodyPr wrap="none" rtlCol="0">
+            <a:spAutoFit/>
+          </a:bodyPr>
+          <a:lstStyle/>
+          <a:p>
+            <a:r>
+              <a:rPr lang="en-US" sz="3600" dirty="0" err="1" smtClean="0"/>
+              <a:t>Sql</a:t>
+            </a:r>
+            <a:r>
+              <a:rPr lang="en-US" sz="3600" dirty="0" smtClean="0"/>
+              <a:t> Server Management Studio 2008 R2</a:t>
+            </a:r>
+            <a:endParaRPr lang="ru-RU" sz="3600" dirty="0"/>
+          </a:p>
+        </p:txBody>
+      </p:sp>
+    </p:spTree>
+    <p:extLst>
+      <p:ext uri="{BB962C8B-B14F-4D97-AF65-F5344CB8AC3E}">
+        <p14:creationId xmlns:p14="http://schemas.microsoft.com/office/powerpoint/2010/main" val="1829082968"/>
+      </p:ext>
+    </p:extLst>
+  </p:cSld>
+  <p:clrMapOvr>
+    <a:masterClrMapping/>
+  </p:clrMapOvr>
+  <p:timing>
+    <p:tnLst>
+      <p:par>
+        <p:cTn id="1" dur="indefinite" restart="never" nodeType="tmRoot"/>
+      </p:par>
+    </p:tnLst>
+  </p:timing>
+</p:sld>
+</file>
+
+<file path=ppt/slides/slide26.xml><?xml version="1.0" encoding="utf-8"?>
 <p:sld xmlns:a="http://schemas.openxmlformats.org/drawingml/2006/main" xmlns:r="http://schemas.openxmlformats.org/officeDocument/2006/relationships" xmlns:p="http://schemas.openxmlformats.org/presentationml/2006/main">
   <p:cSld>
     <p:spTree>
@@ -4907,7 +9619,7 @@
 </p:sld>
 </file>
 
-<file path=ppt/slides/slide16.xml><?xml version="1.0" encoding="utf-8"?>
+<file path=ppt/slides/slide27.xml><?xml version="1.0" encoding="utf-8"?>
 <p:sld xmlns:a="http://schemas.openxmlformats.org/drawingml/2006/main" xmlns:r="http://schemas.openxmlformats.org/officeDocument/2006/relationships" xmlns:p="http://schemas.openxmlformats.org/presentationml/2006/main">
   <p:cSld>
     <p:spTree>
@@ -4994,7 +9706,7 @@
 </p:sld>
 </file>
 
-<file path=ppt/slides/slide17.xml><?xml version="1.0" encoding="utf-8"?>
+<file path=ppt/slides/slide28.xml><?xml version="1.0" encoding="utf-8"?>
 <p:sld xmlns:a="http://schemas.openxmlformats.org/drawingml/2006/main" xmlns:r="http://schemas.openxmlformats.org/officeDocument/2006/relationships" xmlns:p="http://schemas.openxmlformats.org/presentationml/2006/main">
   <p:cSld>
     <p:spTree>
@@ -5083,7 +9795,7 @@
 </p:sld>
 </file>
 
-<file path=ppt/slides/slide18.xml><?xml version="1.0" encoding="utf-8"?>
+<file path=ppt/slides/slide29.xml><?xml version="1.0" encoding="utf-8"?>
 <p:sld xmlns:a="http://schemas.openxmlformats.org/drawingml/2006/main" xmlns:r="http://schemas.openxmlformats.org/officeDocument/2006/relationships" xmlns:p="http://schemas.openxmlformats.org/presentationml/2006/main">
   <p:cSld>
     <p:spTree>
@@ -5172,7 +9884,100 @@
 </p:sld>
 </file>
 
-<file path=ppt/slides/slide19.xml><?xml version="1.0" encoding="utf-8"?>
+<file path=ppt/slides/slide3.xml><?xml version="1.0" encoding="utf-8"?>
+<p:sld xmlns:a="http://schemas.openxmlformats.org/drawingml/2006/main" xmlns:r="http://schemas.openxmlformats.org/officeDocument/2006/relationships" xmlns:p="http://schemas.openxmlformats.org/presentationml/2006/main">
+  <p:cSld>
+    <p:spTree>
+      <p:nvGrpSpPr>
+        <p:cNvPr id="1" name=""/>
+        <p:cNvGrpSpPr/>
+        <p:nvPr/>
+      </p:nvGrpSpPr>
+      <p:grpSpPr>
+        <a:xfrm>
+          <a:off x="0" y="0"/>
+          <a:ext cx="0" cy="0"/>
+          <a:chOff x="0" y="0"/>
+          <a:chExt cx="0" cy="0"/>
+        </a:xfrm>
+      </p:grpSpPr>
+      <p:sp>
+        <p:nvSpPr>
+          <p:cNvPr id="2" name="Заголовок 1"/>
+          <p:cNvSpPr>
+            <a:spLocks noGrp="1"/>
+          </p:cNvSpPr>
+          <p:nvPr>
+            <p:ph type="title"/>
+          </p:nvPr>
+        </p:nvSpPr>
+        <p:spPr/>
+        <p:txBody>
+          <a:bodyPr/>
+          <a:lstStyle/>
+          <a:p>
+            <a:r>
+              <a:rPr lang="ru-RU" dirty="0" smtClean="0"/>
+              <a:t>Предметная область</a:t>
+            </a:r>
+            <a:r>
+              <a:rPr lang="en-US" dirty="0" smtClean="0"/>
+              <a:t> (TO-BE)</a:t>
+            </a:r>
+            <a:endParaRPr lang="ru-RU" dirty="0"/>
+          </a:p>
+        </p:txBody>
+      </p:sp>
+      <p:pic>
+        <p:nvPicPr>
+          <p:cNvPr id="4" name="Объект 3"/>
+          <p:cNvPicPr>
+            <a:picLocks noGrp="1" noChangeAspect="1"/>
+          </p:cNvPicPr>
+          <p:nvPr>
+            <p:ph idx="1"/>
+          </p:nvPr>
+        </p:nvPicPr>
+        <p:blipFill>
+          <a:blip r:embed="rId2">
+            <a:extLst>
+              <a:ext uri="{28A0092B-C50C-407E-A947-70E740481C1C}">
+                <a14:useLocalDpi xmlns:a14="http://schemas.microsoft.com/office/drawing/2010/main" val="0"/>
+              </a:ext>
+            </a:extLst>
+          </a:blip>
+          <a:stretch>
+            <a:fillRect/>
+          </a:stretch>
+        </p:blipFill>
+        <p:spPr>
+          <a:xfrm>
+            <a:off x="457200" y="1617719"/>
+            <a:ext cx="8229600" cy="4490924"/>
+          </a:xfrm>
+        </p:spPr>
+      </p:pic>
+    </p:spTree>
+    <p:extLst>
+      <p:ext uri="{BB962C8B-B14F-4D97-AF65-F5344CB8AC3E}">
+        <p14:creationId xmlns:p14="http://schemas.microsoft.com/office/powerpoint/2010/main" val="2191216305"/>
+      </p:ext>
+    </p:extLst>
+  </p:cSld>
+  <p:clrMapOvr>
+    <a:masterClrMapping/>
+  </p:clrMapOvr>
+  <p:timing>
+    <p:tnLst>
+      <p:par>
+        <p:cTn id="1" dur="indefinite" restart="never" nodeType="tmRoot"/>
+      </p:par>
+    </p:tnLst>
+  </p:timing>
+</p:sld>
+</file>
+
+<file path=ppt/slides/slide30.xml><?xml version="1.0" encoding="utf-8"?>
 <p:sld xmlns:a="http://schemas.openxmlformats.org/drawingml/2006/main" xmlns:r="http://schemas.openxmlformats.org/officeDocument/2006/relationships" xmlns:p="http://schemas.openxmlformats.org/presentationml/2006/main">
   <p:cSld>
     <p:spTree>
@@ -5263,94 +10068,7 @@
 </p:sld>
 </file>
 
-<file path=ppt/slides/slide2.xml><?xml version="1.0" encoding="utf-8"?>
-<p:sld xmlns:a="http://schemas.openxmlformats.org/drawingml/2006/main" xmlns:r="http://schemas.openxmlformats.org/officeDocument/2006/relationships" xmlns:p="http://schemas.openxmlformats.org/presentationml/2006/main">
-  <p:cSld>
-    <p:spTree>
-      <p:nvGrpSpPr>
-        <p:cNvPr id="1" name=""/>
-        <p:cNvGrpSpPr/>
-        <p:nvPr/>
-      </p:nvGrpSpPr>
-      <p:grpSpPr>
-        <a:xfrm>
-          <a:off x="0" y="0"/>
-          <a:ext cx="0" cy="0"/>
-          <a:chOff x="0" y="0"/>
-          <a:chExt cx="0" cy="0"/>
-        </a:xfrm>
-      </p:grpSpPr>
-      <p:sp>
-        <p:nvSpPr>
-          <p:cNvPr id="2" name="Заголовок 1"/>
-          <p:cNvSpPr>
-            <a:spLocks noGrp="1"/>
-          </p:cNvSpPr>
-          <p:nvPr>
-            <p:ph type="title"/>
-          </p:nvPr>
-        </p:nvSpPr>
-        <p:spPr/>
-        <p:txBody>
-          <a:bodyPr/>
-          <a:lstStyle/>
-          <a:p>
-            <a:r>
-              <a:rPr lang="ru-RU" dirty="0" smtClean="0"/>
-              <a:t>Предметная область (</a:t>
-            </a:r>
-            <a:r>
-              <a:rPr lang="en-US" dirty="0" smtClean="0"/>
-              <a:t>AS-IS</a:t>
-            </a:r>
-            <a:r>
-              <a:rPr lang="ru-RU" dirty="0" smtClean="0"/>
-              <a:t>)</a:t>
-            </a:r>
-            <a:endParaRPr lang="ru-RU" dirty="0"/>
-          </a:p>
-        </p:txBody>
-      </p:sp>
-      <p:sp>
-        <p:nvSpPr>
-          <p:cNvPr id="3" name="Объект 2"/>
-          <p:cNvSpPr>
-            <a:spLocks noGrp="1"/>
-          </p:cNvSpPr>
-          <p:nvPr>
-            <p:ph idx="1"/>
-          </p:nvPr>
-        </p:nvSpPr>
-        <p:spPr/>
-        <p:txBody>
-          <a:bodyPr/>
-          <a:lstStyle/>
-          <a:p>
-            <a:endParaRPr lang="ru-RU"/>
-          </a:p>
-        </p:txBody>
-      </p:sp>
-    </p:spTree>
-    <p:extLst>
-      <p:ext uri="{BB962C8B-B14F-4D97-AF65-F5344CB8AC3E}">
-        <p14:creationId xmlns:p14="http://schemas.microsoft.com/office/powerpoint/2010/main" val="3263852888"/>
-      </p:ext>
-    </p:extLst>
-  </p:cSld>
-  <p:clrMapOvr>
-    <a:masterClrMapping/>
-  </p:clrMapOvr>
-  <p:timing>
-    <p:tnLst>
-      <p:par>
-        <p:cTn id="1" dur="indefinite" restart="never" nodeType="tmRoot"/>
-      </p:par>
-    </p:tnLst>
-  </p:timing>
-</p:sld>
-</file>
-
-<file path=ppt/slides/slide20.xml><?xml version="1.0" encoding="utf-8"?>
+<file path=ppt/slides/slide31.xml><?xml version="1.0" encoding="utf-8"?>
 <p:sld xmlns:a="http://schemas.openxmlformats.org/drawingml/2006/main" xmlns:r="http://schemas.openxmlformats.org/officeDocument/2006/relationships" xmlns:p="http://schemas.openxmlformats.org/presentationml/2006/main">
   <p:cSld>
     <p:spTree>
@@ -5439,7 +10157,7 @@
 </p:sld>
 </file>
 
-<file path=ppt/slides/slide21.xml><?xml version="1.0" encoding="utf-8"?>
+<file path=ppt/slides/slide32.xml><?xml version="1.0" encoding="utf-8"?>
 <p:sld xmlns:a="http://schemas.openxmlformats.org/drawingml/2006/main" xmlns:r="http://schemas.openxmlformats.org/officeDocument/2006/relationships" xmlns:p="http://schemas.openxmlformats.org/presentationml/2006/main">
   <p:cSld>
     <p:spTree>
@@ -5528,7 +10246,7 @@
 </p:sld>
 </file>
 
-<file path=ppt/slides/slide22.xml><?xml version="1.0" encoding="utf-8"?>
+<file path=ppt/slides/slide33.xml><?xml version="1.0" encoding="utf-8"?>
 <p:sld xmlns:a="http://schemas.openxmlformats.org/drawingml/2006/main" xmlns:r="http://schemas.openxmlformats.org/officeDocument/2006/relationships" xmlns:p="http://schemas.openxmlformats.org/presentationml/2006/main">
   <p:cSld>
     <p:spTree>
@@ -5617,7 +10335,7 @@
 </p:sld>
 </file>
 
-<file path=ppt/slides/slide23.xml><?xml version="1.0" encoding="utf-8"?>
+<file path=ppt/slides/slide34.xml><?xml version="1.0" encoding="utf-8"?>
 <p:sld xmlns:a="http://schemas.openxmlformats.org/drawingml/2006/main" xmlns:r="http://schemas.openxmlformats.org/officeDocument/2006/relationships" xmlns:p="http://schemas.openxmlformats.org/presentationml/2006/main">
   <p:cSld>
     <p:spTree>
@@ -5706,7 +10424,7 @@
 </p:sld>
 </file>
 
-<file path=ppt/slides/slide24.xml><?xml version="1.0" encoding="utf-8"?>
+<file path=ppt/slides/slide35.xml><?xml version="1.0" encoding="utf-8"?>
 <p:sld xmlns:a="http://schemas.openxmlformats.org/drawingml/2006/main" xmlns:r="http://schemas.openxmlformats.org/officeDocument/2006/relationships" xmlns:p="http://schemas.openxmlformats.org/presentationml/2006/main">
   <p:cSld>
     <p:spTree>
@@ -5793,7 +10511,7 @@
 </p:sld>
 </file>
 
-<file path=ppt/slides/slide25.xml><?xml version="1.0" encoding="utf-8"?>
+<file path=ppt/slides/slide36.xml><?xml version="1.0" encoding="utf-8"?>
 <p:sld xmlns:a="http://schemas.openxmlformats.org/drawingml/2006/main" xmlns:r="http://schemas.openxmlformats.org/officeDocument/2006/relationships" xmlns:p="http://schemas.openxmlformats.org/presentationml/2006/main">
   <p:cSld>
     <p:spTree>
@@ -5882,7 +10600,7 @@
 </p:sld>
 </file>
 
-<file path=ppt/slides/slide26.xml><?xml version="1.0" encoding="utf-8"?>
+<file path=ppt/slides/slide37.xml><?xml version="1.0" encoding="utf-8"?>
 <p:sld xmlns:a="http://schemas.openxmlformats.org/drawingml/2006/main" xmlns:r="http://schemas.openxmlformats.org/officeDocument/2006/relationships" xmlns:p="http://schemas.openxmlformats.org/presentationml/2006/main">
   <p:cSld>
     <p:spTree>
@@ -5971,7 +10689,7 @@
 </p:sld>
 </file>
 
-<file path=ppt/slides/slide27.xml><?xml version="1.0" encoding="utf-8"?>
+<file path=ppt/slides/slide38.xml><?xml version="1.0" encoding="utf-8"?>
 <p:sld xmlns:a="http://schemas.openxmlformats.org/drawingml/2006/main" xmlns:r="http://schemas.openxmlformats.org/officeDocument/2006/relationships" xmlns:p="http://schemas.openxmlformats.org/presentationml/2006/main">
   <p:cSld>
     <p:spTree>
@@ -6062,7 +10780,7 @@
 </p:sld>
 </file>
 
-<file path=ppt/slides/slide28.xml><?xml version="1.0" encoding="utf-8"?>
+<file path=ppt/slides/slide39.xml><?xml version="1.0" encoding="utf-8"?>
 <p:sld xmlns:a="http://schemas.openxmlformats.org/drawingml/2006/main" xmlns:r="http://schemas.openxmlformats.org/officeDocument/2006/relationships" xmlns:p="http://schemas.openxmlformats.org/presentationml/2006/main">
   <p:cSld>
     <p:spTree>
@@ -6135,99 +10853,6 @@
     <p:extLst>
       <p:ext uri="{BB962C8B-B14F-4D97-AF65-F5344CB8AC3E}">
         <p14:creationId xmlns:p14="http://schemas.microsoft.com/office/powerpoint/2010/main" val="3527810536"/>
-      </p:ext>
-    </p:extLst>
-  </p:cSld>
-  <p:clrMapOvr>
-    <a:masterClrMapping/>
-  </p:clrMapOvr>
-  <p:timing>
-    <p:tnLst>
-      <p:par>
-        <p:cTn id="1" dur="indefinite" restart="never" nodeType="tmRoot"/>
-      </p:par>
-    </p:tnLst>
-  </p:timing>
-</p:sld>
-</file>
-
-<file path=ppt/slides/slide3.xml><?xml version="1.0" encoding="utf-8"?>
-<p:sld xmlns:a="http://schemas.openxmlformats.org/drawingml/2006/main" xmlns:r="http://schemas.openxmlformats.org/officeDocument/2006/relationships" xmlns:p="http://schemas.openxmlformats.org/presentationml/2006/main">
-  <p:cSld>
-    <p:spTree>
-      <p:nvGrpSpPr>
-        <p:cNvPr id="1" name=""/>
-        <p:cNvGrpSpPr/>
-        <p:nvPr/>
-      </p:nvGrpSpPr>
-      <p:grpSpPr>
-        <a:xfrm>
-          <a:off x="0" y="0"/>
-          <a:ext cx="0" cy="0"/>
-          <a:chOff x="0" y="0"/>
-          <a:chExt cx="0" cy="0"/>
-        </a:xfrm>
-      </p:grpSpPr>
-      <p:sp>
-        <p:nvSpPr>
-          <p:cNvPr id="2" name="Заголовок 1"/>
-          <p:cNvSpPr>
-            <a:spLocks noGrp="1"/>
-          </p:cNvSpPr>
-          <p:nvPr>
-            <p:ph type="title"/>
-          </p:nvPr>
-        </p:nvSpPr>
-        <p:spPr/>
-        <p:txBody>
-          <a:bodyPr/>
-          <a:lstStyle/>
-          <a:p>
-            <a:r>
-              <a:rPr lang="ru-RU" dirty="0" smtClean="0"/>
-              <a:t>Предметная область</a:t>
-            </a:r>
-            <a:r>
-              <a:rPr lang="en-US" dirty="0" smtClean="0"/>
-              <a:t> (TO-BE)</a:t>
-            </a:r>
-            <a:endParaRPr lang="ru-RU" dirty="0"/>
-          </a:p>
-        </p:txBody>
-      </p:sp>
-      <p:pic>
-        <p:nvPicPr>
-          <p:cNvPr id="4" name="Объект 3"/>
-          <p:cNvPicPr>
-            <a:picLocks noGrp="1" noChangeAspect="1"/>
-          </p:cNvPicPr>
-          <p:nvPr>
-            <p:ph idx="1"/>
-          </p:nvPr>
-        </p:nvPicPr>
-        <p:blipFill>
-          <a:blip r:embed="rId2">
-            <a:extLst>
-              <a:ext uri="{28A0092B-C50C-407E-A947-70E740481C1C}">
-                <a14:useLocalDpi xmlns:a14="http://schemas.microsoft.com/office/drawing/2010/main" val="0"/>
-              </a:ext>
-            </a:extLst>
-          </a:blip>
-          <a:stretch>
-            <a:fillRect/>
-          </a:stretch>
-        </p:blipFill>
-        <p:spPr>
-          <a:xfrm>
-            <a:off x="457200" y="1617719"/>
-            <a:ext cx="8229600" cy="4490924"/>
-          </a:xfrm>
-        </p:spPr>
-      </p:pic>
-    </p:spTree>
-    <p:extLst>
-      <p:ext uri="{BB962C8B-B14F-4D97-AF65-F5344CB8AC3E}">
-        <p14:creationId xmlns:p14="http://schemas.microsoft.com/office/powerpoint/2010/main" val="2191216305"/>
       </p:ext>
     </p:extLst>
   </p:cSld>

--- a/Presentation/main.pptx
+++ b/Presentation/main.pptx
@@ -1218,257 +1218,250 @@
                 <a:effectLst/>
                 <a:hlinkClick r:id="rId3"/>
               </a:rPr>
-              <a:t>[13]</a:t>
+              <a:t>[13][14]</a:t>
+            </a:r>
+            <a:r>
+              <a:rPr lang="ru-RU" dirty="0" smtClean="0"/>
+              <a:t> и </a:t>
+            </a:r>
+            <a:r>
+              <a:rPr lang="ru-RU" dirty="0" err="1" smtClean="0">
+                <a:hlinkClick r:id="rId20" tooltip="Mercurial"/>
+              </a:rPr>
+              <a:t>Mercurial</a:t>
+            </a:r>
+            <a:r>
+              <a:rPr lang="ru-RU" dirty="0" smtClean="0"/>
+              <a:t>.</a:t>
             </a:r>
             <a:r>
               <a:rPr lang="ru-RU" baseline="30000" dirty="0" smtClean="0">
                 <a:effectLst/>
                 <a:hlinkClick r:id="rId3"/>
               </a:rPr>
-              <a:t>[14]</a:t>
-            </a:r>
-            <a:r>
-              <a:rPr lang="ru-RU" dirty="0" smtClean="0"/>
-              <a:t> и </a:t>
+              <a:t>[15]</a:t>
+            </a:r>
+            <a:endParaRPr lang="ru-RU" dirty="0" smtClean="0"/>
+          </a:p>
+          <a:p>
+            <a:r>
+              <a:rPr lang="ru-RU" dirty="0" smtClean="0"/>
+              <a:t>Ранее </a:t>
             </a:r>
             <a:r>
               <a:rPr lang="ru-RU" dirty="0" err="1" smtClean="0">
-                <a:hlinkClick r:id="rId20" tooltip="Mercurial"/>
-              </a:rPr>
-              <a:t>Mercurial</a:t>
-            </a:r>
-            <a:r>
-              <a:rPr lang="ru-RU" dirty="0" smtClean="0"/>
-              <a:t>.</a:t>
+                <a:hlinkClick r:id="rId21" tooltip="Ruby"/>
+              </a:rPr>
+              <a:t>Ruby</a:t>
+            </a:r>
+            <a:r>
+              <a:rPr lang="ru-RU" dirty="0" smtClean="0"/>
+              <a:t>-проекты могли быть автоматически опубликованы в </a:t>
+            </a:r>
+            <a:r>
+              <a:rPr lang="ru-RU" dirty="0" err="1" smtClean="0">
+                <a:hlinkClick r:id="rId22" tooltip="RubyGems"/>
+              </a:rPr>
+              <a:t>RubyGems</a:t>
+            </a:r>
+            <a:r>
+              <a:rPr lang="ru-RU" dirty="0" err="1" smtClean="0"/>
+              <a:t>-репозитории</a:t>
+            </a:r>
+            <a:r>
+              <a:rPr lang="ru-RU" dirty="0" smtClean="0"/>
+              <a:t> сервиса, но в октябре 2009 </a:t>
+            </a:r>
+            <a:r>
+              <a:rPr lang="ru-RU" dirty="0" err="1" smtClean="0"/>
+              <a:t>GitHub</a:t>
+            </a:r>
+            <a:r>
+              <a:rPr lang="ru-RU" dirty="0" smtClean="0"/>
+              <a:t> отказался от этого сервиса.</a:t>
             </a:r>
             <a:r>
               <a:rPr lang="ru-RU" baseline="30000" dirty="0" smtClean="0">
                 <a:effectLst/>
                 <a:hlinkClick r:id="rId3"/>
               </a:rPr>
-              <a:t>[15]</a:t>
+              <a:t>[16]</a:t>
             </a:r>
             <a:endParaRPr lang="ru-RU" dirty="0" smtClean="0"/>
           </a:p>
           <a:p>
             <a:r>
               <a:rPr lang="ru-RU" dirty="0" smtClean="0"/>
-              <a:t>Ранее </a:t>
+              <a:t>Также на сайте есть </a:t>
             </a:r>
             <a:r>
               <a:rPr lang="ru-RU" dirty="0" err="1" smtClean="0">
-                <a:hlinkClick r:id="rId21" tooltip="Ruby"/>
-              </a:rPr>
-              <a:t>Ruby</a:t>
-            </a:r>
-            <a:r>
-              <a:rPr lang="ru-RU" dirty="0" smtClean="0"/>
-              <a:t>-проекты могли быть автоматически опубликованы в </a:t>
+                <a:hlinkClick r:id="rId23" tooltip="Pastebin"/>
+              </a:rPr>
+              <a:t>pastebin</a:t>
+            </a:r>
+            <a:r>
+              <a:rPr lang="ru-RU" dirty="0" smtClean="0"/>
+              <a:t>-сервис </a:t>
+            </a:r>
+            <a:r>
+              <a:rPr lang="ru-RU" dirty="0" smtClean="0">
+                <a:hlinkClick r:id="rId24"/>
+              </a:rPr>
+              <a:t>gist.github.com</a:t>
+            </a:r>
+            <a:r>
+              <a:rPr lang="ru-RU" dirty="0" smtClean="0"/>
+              <a:t> для быстрой публикации фрагментов кода.</a:t>
+            </a:r>
+          </a:p>
+          <a:p>
+            <a:endParaRPr lang="ru-RU" b="1" dirty="0" smtClean="0"/>
+          </a:p>
+          <a:p>
+            <a:r>
+              <a:rPr lang="ru-RU" b="1" dirty="0" smtClean="0"/>
+              <a:t>Популярность</a:t>
+            </a:r>
+          </a:p>
+          <a:p>
+            <a:r>
+              <a:rPr lang="ru-RU" dirty="0" smtClean="0"/>
+              <a:t>Первый частный </a:t>
             </a:r>
             <a:r>
               <a:rPr lang="ru-RU" dirty="0" err="1" smtClean="0">
-                <a:hlinkClick r:id="rId22" tooltip="RubyGems"/>
-              </a:rPr>
-              <a:t>RubyGems</a:t>
+                <a:hlinkClick r:id="rId14" tooltip="Репозиторий"/>
+              </a:rPr>
+              <a:t>репозиторий</a:t>
+            </a:r>
+            <a:r>
+              <a:rPr lang="ru-RU" dirty="0" smtClean="0"/>
+              <a:t> был создан </a:t>
+            </a:r>
+            <a:r>
+              <a:rPr lang="ru-RU" dirty="0" smtClean="0">
+                <a:hlinkClick r:id="rId25" tooltip="12 января"/>
+              </a:rPr>
+              <a:t>12 января</a:t>
+            </a:r>
+            <a:r>
+              <a:rPr lang="ru-RU" dirty="0" smtClean="0"/>
+              <a:t> </a:t>
+            </a:r>
+            <a:r>
+              <a:rPr lang="ru-RU" dirty="0" smtClean="0">
+                <a:hlinkClick r:id="rId26" tooltip="2008"/>
+              </a:rPr>
+              <a:t>2008</a:t>
+            </a:r>
+            <a:r>
+              <a:rPr lang="ru-RU" dirty="0" smtClean="0"/>
+              <a:t>. На конец </a:t>
+            </a:r>
+            <a:r>
+              <a:rPr lang="ru-RU" dirty="0" smtClean="0">
+                <a:hlinkClick r:id="rId27" tooltip="2011 год"/>
+              </a:rPr>
+              <a:t>2011 года</a:t>
+            </a:r>
+            <a:r>
+              <a:rPr lang="ru-RU" dirty="0" smtClean="0"/>
+              <a:t> в проекте уже было зарегистрировано более 1 млн участников</a:t>
+            </a:r>
+            <a:r>
+              <a:rPr lang="ru-RU" baseline="30000" dirty="0" smtClean="0">
+                <a:hlinkClick r:id="rId3"/>
+              </a:rPr>
+              <a:t>[17]</a:t>
+            </a:r>
+            <a:r>
+              <a:rPr lang="ru-RU" dirty="0" smtClean="0"/>
+              <a:t> и более 2 млн </a:t>
             </a:r>
             <a:r>
               <a:rPr lang="ru-RU" dirty="0" err="1" smtClean="0"/>
-              <a:t>-репозитории</a:t>
-            </a:r>
-            <a:r>
-              <a:rPr lang="ru-RU" dirty="0" smtClean="0"/>
-              <a:t> сервиса, но в октябре 2009 </a:t>
-            </a:r>
-            <a:r>
-              <a:rPr lang="ru-RU" dirty="0" err="1" smtClean="0"/>
-              <a:t>GitHub</a:t>
-            </a:r>
-            <a:r>
-              <a:rPr lang="ru-RU" dirty="0" smtClean="0"/>
-              <a:t> отказался от этого сервиса.</a:t>
+              <a:t>репозиториев</a:t>
+            </a:r>
+            <a:r>
+              <a:rPr lang="ru-RU" dirty="0" smtClean="0"/>
+              <a:t>.</a:t>
             </a:r>
             <a:r>
               <a:rPr lang="ru-RU" baseline="30000" dirty="0" smtClean="0">
                 <a:effectLst/>
                 <a:hlinkClick r:id="rId3"/>
               </a:rPr>
-              <a:t>[16]</a:t>
+              <a:t>[18]</a:t>
             </a:r>
             <a:endParaRPr lang="ru-RU" dirty="0" smtClean="0"/>
           </a:p>
           <a:p>
             <a:r>
               <a:rPr lang="ru-RU" dirty="0" smtClean="0"/>
-              <a:t>Также на сайте есть </a:t>
+              <a:t>В конце </a:t>
+            </a:r>
+            <a:r>
+              <a:rPr lang="ru-RU" dirty="0" smtClean="0">
+                <a:hlinkClick r:id="rId28" tooltip="2008 год"/>
+              </a:rPr>
+              <a:t>2008 года</a:t>
+            </a:r>
+            <a:r>
+              <a:rPr lang="ru-RU" dirty="0" smtClean="0"/>
+              <a:t> </a:t>
+            </a:r>
+            <a:r>
+              <a:rPr lang="ru-RU" dirty="0" err="1" smtClean="0"/>
+              <a:t>GitHub</a:t>
+            </a:r>
+            <a:r>
+              <a:rPr lang="ru-RU" dirty="0" smtClean="0"/>
+              <a:t> получил награду как «Лучший </a:t>
             </a:r>
             <a:r>
               <a:rPr lang="ru-RU" dirty="0" err="1" smtClean="0">
-                <a:hlinkClick r:id="rId23" tooltip="Pastebin"/>
-              </a:rPr>
-              <a:t>pastebin</a:t>
-            </a:r>
-            <a:r>
-              <a:rPr lang="ru-RU" dirty="0" smtClean="0"/>
-              <a:t>-сервис </a:t>
-            </a:r>
-            <a:r>
-              <a:rPr lang="ru-RU" dirty="0" smtClean="0">
-                <a:hlinkClick r:id="rId24"/>
-              </a:rPr>
-              <a:t>gist.github.com</a:t>
-            </a:r>
-            <a:r>
-              <a:rPr lang="ru-RU" dirty="0" smtClean="0"/>
-              <a:t> для быстрой публикации фрагментов кода.</a:t>
-            </a:r>
-          </a:p>
-          <a:p>
-            <a:endParaRPr lang="ru-RU" b="1" dirty="0" smtClean="0"/>
-          </a:p>
-          <a:p>
-            <a:r>
-              <a:rPr lang="ru-RU" b="1" dirty="0" smtClean="0"/>
-              <a:t>Популярность</a:t>
-            </a:r>
-          </a:p>
-          <a:p>
-            <a:r>
-              <a:rPr lang="ru-RU" dirty="0" smtClean="0"/>
-              <a:t>Первый частный </a:t>
-            </a:r>
-            <a:r>
-              <a:rPr lang="ru-RU" dirty="0" err="1" smtClean="0">
-                <a:hlinkClick r:id="rId14" tooltip="Репозиторий"/>
-              </a:rPr>
-              <a:t>репозиторий</a:t>
-            </a:r>
-            <a:r>
-              <a:rPr lang="ru-RU" dirty="0" smtClean="0"/>
-              <a:t> был создан </a:t>
-            </a:r>
-            <a:r>
-              <a:rPr lang="ru-RU" dirty="0" smtClean="0">
-                <a:hlinkClick r:id="rId25" tooltip="12 января"/>
-              </a:rPr>
-              <a:t>12 января</a:t>
-            </a:r>
-            <a:r>
-              <a:rPr lang="ru-RU" dirty="0" smtClean="0"/>
-              <a:t> </a:t>
-            </a:r>
-            <a:r>
-              <a:rPr lang="ru-RU" dirty="0" smtClean="0">
-                <a:hlinkClick r:id="rId26" tooltip="2008"/>
-              </a:rPr>
-              <a:t>2008</a:t>
-            </a:r>
-            <a:r>
-              <a:rPr lang="ru-RU" dirty="0" smtClean="0"/>
-              <a:t>. На конец </a:t>
-            </a:r>
-            <a:r>
-              <a:rPr lang="ru-RU" dirty="0" smtClean="0">
-                <a:hlinkClick r:id="rId27" tooltip="2011 год"/>
-              </a:rPr>
-              <a:t>2011 года</a:t>
-            </a:r>
-            <a:r>
-              <a:rPr lang="ru-RU" dirty="0" smtClean="0"/>
-              <a:t> в проекте уже было зарегистрировано более 1 млн участников</a:t>
-            </a:r>
-            <a:r>
-              <a:rPr lang="ru-RU" baseline="30000" dirty="0" smtClean="0">
-                <a:hlinkClick r:id="rId3"/>
-              </a:rPr>
-              <a:t>[17]</a:t>
-            </a:r>
-            <a:r>
-              <a:rPr lang="ru-RU" dirty="0" smtClean="0"/>
-              <a:t> и более 2 млн </a:t>
-            </a:r>
-            <a:r>
-              <a:rPr lang="ru-RU" dirty="0" err="1" smtClean="0"/>
-              <a:t>репозиториев</a:t>
-            </a:r>
-            <a:r>
-              <a:rPr lang="ru-RU" dirty="0" smtClean="0"/>
-              <a:t>.</a:t>
+                <a:hlinkClick r:id="rId29" tooltip="Стартап"/>
+              </a:rPr>
+              <a:t>стартап</a:t>
+            </a:r>
+            <a:r>
+              <a:rPr lang="ru-RU" dirty="0" smtClean="0"/>
+              <a:t>-дебют».</a:t>
             </a:r>
             <a:r>
               <a:rPr lang="ru-RU" baseline="30000" dirty="0" smtClean="0">
                 <a:effectLst/>
                 <a:hlinkClick r:id="rId3"/>
               </a:rPr>
-              <a:t>[18]</a:t>
+              <a:t>[19]</a:t>
             </a:r>
             <a:endParaRPr lang="ru-RU" dirty="0" smtClean="0"/>
           </a:p>
           <a:p>
-            <a:r>
-              <a:rPr lang="ru-RU" dirty="0" smtClean="0"/>
-              <a:t>В конце </a:t>
-            </a:r>
-            <a:r>
-              <a:rPr lang="ru-RU" dirty="0" smtClean="0">
-                <a:hlinkClick r:id="rId28" tooltip="2008 год"/>
-              </a:rPr>
-              <a:t>2008 года</a:t>
-            </a:r>
-            <a:r>
-              <a:rPr lang="ru-RU" dirty="0" smtClean="0"/>
-              <a:t> </a:t>
-            </a:r>
             <a:r>
               <a:rPr lang="ru-RU" dirty="0" err="1" smtClean="0"/>
               <a:t>GitHub</a:t>
             </a:r>
             <a:r>
               <a:rPr lang="ru-RU" dirty="0" smtClean="0"/>
-              <a:t> получил награду как «Лучший </a:t>
+              <a:t> очень популярен среди </a:t>
             </a:r>
             <a:r>
               <a:rPr lang="ru-RU" dirty="0" err="1" smtClean="0">
-                <a:hlinkClick r:id="rId29" tooltip="Стартап"/>
-              </a:rPr>
-              <a:t>стартап</a:t>
-            </a:r>
-            <a:r>
-              <a:rPr lang="ru-RU" dirty="0" smtClean="0"/>
-              <a:t>-дебют».</a:t>
+                <a:hlinkClick r:id="rId21" tooltip="Ruby"/>
+              </a:rPr>
+              <a:t>Ruby</a:t>
+            </a:r>
+            <a:r>
+              <a:rPr lang="ru-RU" dirty="0" smtClean="0"/>
+              <a:t>-разработчиков.</a:t>
             </a:r>
             <a:r>
               <a:rPr lang="ru-RU" baseline="30000" dirty="0" smtClean="0">
                 <a:effectLst/>
                 <a:hlinkClick r:id="rId3"/>
               </a:rPr>
-              <a:t>[19]</a:t>
-            </a:r>
-            <a:endParaRPr lang="ru-RU" dirty="0" smtClean="0"/>
-          </a:p>
-          <a:p>
-            <a:r>
-              <a:rPr lang="ru-RU" dirty="0" err="1" smtClean="0"/>
-              <a:t>GitHub</a:t>
-            </a:r>
-            <a:r>
-              <a:rPr lang="ru-RU" dirty="0" smtClean="0"/>
-              <a:t> очень популярен среди </a:t>
-            </a:r>
-            <a:r>
-              <a:rPr lang="ru-RU" dirty="0" err="1" smtClean="0">
-                <a:hlinkClick r:id="rId21" tooltip="Ruby"/>
-              </a:rPr>
-              <a:t>Ruby</a:t>
-            </a:r>
-            <a:r>
-              <a:rPr lang="ru-RU" dirty="0" smtClean="0"/>
-              <a:t>-разработчиков.</a:t>
-            </a:r>
-            <a:r>
-              <a:rPr lang="ru-RU" baseline="30000" dirty="0" smtClean="0">
-                <a:effectLst/>
-                <a:hlinkClick r:id="rId3"/>
-              </a:rPr>
               <a:t>[20]</a:t>
             </a:r>
             <a:r>
@@ -1570,43 +1563,31 @@
               <a:rPr lang="ru-RU" baseline="30000" dirty="0" smtClean="0">
                 <a:hlinkClick r:id="rId3"/>
               </a:rPr>
-              <a:t>[26]</a:t>
+              <a:t>[26][27]</a:t>
+            </a:r>
+            <a:endParaRPr lang="ru-RU" dirty="0" smtClean="0"/>
+          </a:p>
+          <a:p>
+            <a:r>
+              <a:rPr lang="ru-RU" dirty="0" err="1" smtClean="0">
+                <a:hlinkClick r:id="rId7" tooltip="Erlang"/>
+              </a:rPr>
+              <a:t>Erlang</a:t>
+            </a:r>
+            <a:endParaRPr lang="ru-RU" dirty="0" smtClean="0"/>
+          </a:p>
+          <a:p>
+            <a:r>
+              <a:rPr lang="ru-RU" dirty="0" err="1" smtClean="0">
+                <a:hlinkClick r:id="rId35" tooltip="Scala (язык программирования)"/>
+              </a:rPr>
+              <a:t>Scala</a:t>
             </a:r>
             <a:r>
               <a:rPr lang="ru-RU" baseline="30000" dirty="0" smtClean="0">
                 <a:hlinkClick r:id="rId3"/>
               </a:rPr>
-              <a:t>[27]</a:t>
-            </a:r>
-            <a:endParaRPr lang="ru-RU" dirty="0" smtClean="0"/>
-          </a:p>
-          <a:p>
-            <a:r>
-              <a:rPr lang="ru-RU" dirty="0" err="1" smtClean="0">
-                <a:hlinkClick r:id="rId7" tooltip="Erlang"/>
-              </a:rPr>
-              <a:t>Erlang</a:t>
-            </a:r>
-            <a:endParaRPr lang="ru-RU" dirty="0" smtClean="0"/>
-          </a:p>
-          <a:p>
-            <a:r>
-              <a:rPr lang="ru-RU" dirty="0" err="1" smtClean="0">
-                <a:hlinkClick r:id="rId35" tooltip="Scala (язык программирования)"/>
-              </a:rPr>
-              <a:t>Scala</a:t>
-            </a:r>
-            <a:r>
-              <a:rPr lang="ru-RU" baseline="30000" dirty="0" smtClean="0">
-                <a:hlinkClick r:id="rId3"/>
-              </a:rPr>
-              <a:t>[28]</a:t>
-            </a:r>
-            <a:r>
-              <a:rPr lang="ru-RU" baseline="30000" dirty="0" smtClean="0">
-                <a:hlinkClick r:id="rId3"/>
-              </a:rPr>
-              <a:t>[29]</a:t>
+              <a:t>[28][29]</a:t>
             </a:r>
             <a:endParaRPr lang="ru-RU" dirty="0" smtClean="0"/>
           </a:p>
@@ -5309,35 +5290,14 @@
                 <a:latin typeface="+mj-lt"/>
                 <a:cs typeface="Times New Roman" pitchFamily="18" charset="0"/>
               </a:rPr>
-              <a:t>База </a:t>
-            </a:r>
-            <a:r>
-              <a:rPr lang="ru-RU" sz="2200" dirty="0" smtClean="0">
-                <a:latin typeface="+mj-lt"/>
-                <a:cs typeface="Times New Roman" pitchFamily="18" charset="0"/>
-              </a:rPr>
-              <a:t>данных</a:t>
+              <a:t>База данных</a:t>
             </a:r>
             <a:r>
               <a:rPr lang="en-US" sz="2200" dirty="0" smtClean="0">
                 <a:latin typeface="+mj-lt"/>
                 <a:cs typeface="Times New Roman" pitchFamily="18" charset="0"/>
               </a:rPr>
-              <a:t> (</a:t>
-            </a:r>
-            <a:r>
-              <a:rPr lang="en-US" sz="2200" dirty="0" smtClean="0">
-                <a:latin typeface="+mj-lt"/>
-                <a:cs typeface="Times New Roman" pitchFamily="18" charset="0"/>
-              </a:rPr>
-              <a:t>Microsoft SQL Server 2008</a:t>
-            </a:r>
-            <a:r>
-              <a:rPr lang="en-US" sz="2200" dirty="0" smtClean="0">
-                <a:latin typeface="+mj-lt"/>
-                <a:cs typeface="Times New Roman" pitchFamily="18" charset="0"/>
-              </a:rPr>
-              <a:t>)</a:t>
+              <a:t> (Microsoft SQL Server 2008)</a:t>
             </a:r>
             <a:endParaRPr lang="ru-RU" sz="2200" dirty="0">
               <a:latin typeface="+mj-lt"/>
@@ -5696,17 +5656,6 @@
               <a:rPr lang="ru-RU" dirty="0" smtClean="0">
                 <a:cs typeface="Times New Roman" pitchFamily="18" charset="0"/>
               </a:rPr>
-              <a:t/>
-            </a:r>
-            <a:br>
-              <a:rPr lang="ru-RU" dirty="0" smtClean="0">
-                <a:cs typeface="Times New Roman" pitchFamily="18" charset="0"/>
-              </a:rPr>
-            </a:br>
-            <a:r>
-              <a:rPr lang="ru-RU" dirty="0" smtClean="0">
-                <a:cs typeface="Times New Roman" pitchFamily="18" charset="0"/>
-              </a:rPr>
               <a:t>База </a:t>
             </a:r>
             <a:r>
@@ -5719,19 +5668,14 @@
               <a:rPr lang="en-US" dirty="0">
                 <a:cs typeface="Times New Roman" pitchFamily="18" charset="0"/>
               </a:rPr>
-              <a:t> (Microsoft SQL Server 2008)</a:t>
-            </a:r>
-            <a:r>
-              <a:rPr lang="ru-RU" dirty="0">
+              <a:t> (Microsoft SQL Server 2008</a:t>
+            </a:r>
+            <a:r>
+              <a:rPr lang="en-US" dirty="0" smtClean="0">
                 <a:cs typeface="Times New Roman" pitchFamily="18" charset="0"/>
               </a:rPr>
-              <a:t/>
-            </a:r>
-            <a:br>
-              <a:rPr lang="ru-RU" dirty="0">
-                <a:cs typeface="Times New Roman" pitchFamily="18" charset="0"/>
-              </a:rPr>
-            </a:br>
+              <a:t>)</a:t>
+            </a:r>
             <a:endParaRPr lang="ru-RU" dirty="0"/>
           </a:p>
         </p:txBody>
@@ -6205,13 +6149,7 @@
               <a:rPr lang="ru-RU" sz="2200" dirty="0" smtClean="0">
                 <a:latin typeface="+mj-lt"/>
               </a:rPr>
-              <a:t>База </a:t>
-            </a:r>
-            <a:r>
-              <a:rPr lang="ru-RU" sz="2200" dirty="0" smtClean="0">
-                <a:latin typeface="+mj-lt"/>
-              </a:rPr>
-              <a:t>данных </a:t>
+              <a:t>База данных </a:t>
             </a:r>
             <a:r>
               <a:rPr lang="en-US" sz="2200" dirty="0">
@@ -6852,17 +6790,6 @@
               <a:rPr lang="ru-RU" dirty="0" smtClean="0">
                 <a:cs typeface="Times New Roman" pitchFamily="18" charset="0"/>
               </a:rPr>
-              <a:t/>
-            </a:r>
-            <a:br>
-              <a:rPr lang="ru-RU" dirty="0" smtClean="0">
-                <a:cs typeface="Times New Roman" pitchFamily="18" charset="0"/>
-              </a:rPr>
-            </a:br>
-            <a:r>
-              <a:rPr lang="ru-RU" dirty="0" smtClean="0">
-                <a:cs typeface="Times New Roman" pitchFamily="18" charset="0"/>
-              </a:rPr>
               <a:t>База </a:t>
             </a:r>
             <a:r>
@@ -6875,19 +6802,14 @@
               <a:rPr lang="en-US" dirty="0">
                 <a:cs typeface="Times New Roman" pitchFamily="18" charset="0"/>
               </a:rPr>
-              <a:t> (Microsoft SQL Server 2008)</a:t>
-            </a:r>
-            <a:r>
-              <a:rPr lang="ru-RU" dirty="0">
+              <a:t> (Microsoft SQL Server 2008</a:t>
+            </a:r>
+            <a:r>
+              <a:rPr lang="en-US" dirty="0" smtClean="0">
                 <a:cs typeface="Times New Roman" pitchFamily="18" charset="0"/>
               </a:rPr>
-              <a:t/>
-            </a:r>
-            <a:br>
-              <a:rPr lang="ru-RU" dirty="0">
-                <a:cs typeface="Times New Roman" pitchFamily="18" charset="0"/>
-              </a:rPr>
-            </a:br>
+              <a:t>)</a:t>
+            </a:r>
             <a:endParaRPr lang="ru-RU" dirty="0"/>
           </a:p>
         </p:txBody>
@@ -8315,11 +8237,11 @@
   <p:clrMapOvr>
     <a:masterClrMapping/>
   </p:clrMapOvr>
-  <mc:AlternateContent xmlns:mc="http://schemas.openxmlformats.org/markup-compatibility/2006">
-    <mc:Choice xmlns:p14="http://schemas.microsoft.com/office/powerpoint/2010/main" Requires="p14">
+  <mc:AlternateContent xmlns:mc="http://schemas.openxmlformats.org/markup-compatibility/2006" xmlns:p14="http://schemas.microsoft.com/office/powerpoint/2010/main">
+    <mc:Choice Requires="p14">
       <p:transition p14:dur="0"/>
     </mc:Choice>
-    <mc:Fallback>
+    <mc:Fallback xmlns="">
       <p:transition/>
     </mc:Fallback>
   </mc:AlternateContent>
